--- a/abstract/Slides/20200217_urita_graduation_v3.pptx
+++ b/abstract/Slides/20200217_urita_graduation_v3.pptx
@@ -2972,7 +2972,11 @@
           <a:p>
             <a:r>
               <a:rPr lang="ja-JP" altLang="en-US" dirty="0" smtClean="0"/>
-              <a:t>異なる多目的ナップサック問題を各タスクとして，</a:t>
+              <a:t>異なる多目的ナップサック問題を各タスクと</a:t>
+            </a:r>
+            <a:r>
+              <a:rPr lang="ja-JP" altLang="en-US" dirty="0" smtClean="0"/>
+              <a:t>した，</a:t>
             </a:r>
             <a:r>
               <a:rPr lang="en-US" altLang="ja-JP" dirty="0" smtClean="0"/>
@@ -3619,7 +3623,11 @@
           <a:p>
             <a:r>
               <a:rPr lang="ja-JP" altLang="en-US" dirty="0"/>
-              <a:t>異なる多目的ナップサック問題を各タスクとして，</a:t>
+              <a:t>異なる多目的ナップサック問題を各タスクと</a:t>
+            </a:r>
+            <a:r>
+              <a:rPr lang="ja-JP" altLang="en-US" dirty="0" smtClean="0"/>
+              <a:t>した，</a:t>
             </a:r>
             <a:r>
               <a:rPr lang="en-US" altLang="ja-JP" dirty="0"/>
@@ -3723,11 +3731,7 @@
             </a:r>
             <a:r>
               <a:rPr lang="ja-JP" altLang="en-US" dirty="0" smtClean="0"/>
-              <a:t>のナップサックの容量を</a:t>
-            </a:r>
-            <a:r>
-              <a:rPr lang="ja-JP" altLang="en-US" dirty="0" smtClean="0"/>
-              <a:t>変更してタスク</a:t>
+              <a:t>のナップサックの容量を変更してタスク</a:t>
             </a:r>
             <a:r>
               <a:rPr lang="en-US" altLang="ja-JP" dirty="0" smtClean="0"/>
@@ -3766,15 +3770,7 @@
             </a:r>
             <a:r>
               <a:rPr lang="ja-JP" altLang="en-US" dirty="0" smtClean="0"/>
-              <a:t>の一部のアイテムの価値を</a:t>
-            </a:r>
-            <a:r>
-              <a:rPr lang="ja-JP" altLang="en-US" dirty="0" smtClean="0"/>
-              <a:t>変更</a:t>
-            </a:r>
-            <a:r>
-              <a:rPr lang="ja-JP" altLang="en-US" dirty="0" smtClean="0"/>
-              <a:t>してタスク</a:t>
+              <a:t>の一部のアイテムの価値を変更してタスク</a:t>
             </a:r>
             <a:r>
               <a:rPr lang="en-US" altLang="ja-JP" dirty="0" smtClean="0"/>
@@ -4108,15 +4104,7 @@
                   <a:schemeClr val="accent1"/>
                 </a:solidFill>
               </a:rPr>
-              <a:t>倍に</a:t>
-            </a:r>
-            <a:r>
-              <a:rPr kumimoji="1" lang="ja-JP" altLang="en-US" b="1" dirty="0" smtClean="0">
-                <a:solidFill>
-                  <a:schemeClr val="accent1"/>
-                </a:solidFill>
-              </a:rPr>
-              <a:t>拡張</a:t>
+              <a:t>倍に拡張</a:t>
             </a:r>
             <a:r>
               <a:rPr lang="ja-JP" altLang="en-US" dirty="0" smtClean="0"/>
@@ -4774,11 +4762,7 @@
             </a:r>
             <a:r>
               <a:rPr kumimoji="1" lang="ja-JP" altLang="en-US" dirty="0" smtClean="0"/>
-              <a:t>のアイテム</a:t>
-            </a:r>
-            <a:r>
-              <a:rPr kumimoji="1" lang="ja-JP" altLang="en-US" dirty="0" smtClean="0"/>
-              <a:t>集合</a:t>
+              <a:t>のアイテム集合</a:t>
             </a:r>
             <a:r>
               <a:rPr kumimoji="1" lang="en-US" altLang="ja-JP" dirty="0" smtClean="0"/>
@@ -4812,16 +4796,7 @@
                 </a:solidFill>
                 <a:latin typeface="Symbol" panose="05050102010706020507" pitchFamily="18" charset="2"/>
               </a:rPr>
-              <a:t>の</a:t>
-            </a:r>
-            <a:r>
-              <a:rPr lang="ja-JP" altLang="en-US" b="1" dirty="0" smtClean="0">
-                <a:solidFill>
-                  <a:schemeClr val="accent1"/>
-                </a:solidFill>
-                <a:latin typeface="Symbol" panose="05050102010706020507" pitchFamily="18" charset="2"/>
-              </a:rPr>
-              <a:t>アイテム</a:t>
+              <a:t>のアイテム</a:t>
             </a:r>
             <a:r>
               <a:rPr lang="ja-JP" altLang="en-US" b="1" dirty="0">
@@ -4875,11 +4850,7 @@
             </a:r>
             <a:r>
               <a:rPr lang="ja-JP" altLang="en-US" dirty="0" smtClean="0"/>
-              <a:t>を作成する</a:t>
-            </a:r>
-            <a:r>
-              <a:rPr lang="ja-JP" altLang="en-US" dirty="0" smtClean="0"/>
-              <a:t>．</a:t>
+              <a:t>を作成する．</a:t>
             </a:r>
             <a:endParaRPr lang="en-US" altLang="ja-JP" dirty="0" smtClean="0"/>
           </a:p>
@@ -4997,35 +4968,35 @@
                 <a:gridCol w="576072">
                   <a:extLst>
                     <a:ext uri="{9D8B030D-6E8A-4147-A177-3AD203B41FA5}">
-                      <a16:colId xmlns="" xmlns:a16="http://schemas.microsoft.com/office/drawing/2014/main" val="1322717240"/>
+                      <a16:colId xmlns:a16="http://schemas.microsoft.com/office/drawing/2014/main" val="1322717240"/>
                     </a:ext>
                   </a:extLst>
                 </a:gridCol>
                 <a:gridCol w="576072">
                   <a:extLst>
                     <a:ext uri="{9D8B030D-6E8A-4147-A177-3AD203B41FA5}">
-                      <a16:colId xmlns="" xmlns:a16="http://schemas.microsoft.com/office/drawing/2014/main" val="4013610060"/>
+                      <a16:colId xmlns:a16="http://schemas.microsoft.com/office/drawing/2014/main" val="4013610060"/>
                     </a:ext>
                   </a:extLst>
                 </a:gridCol>
                 <a:gridCol w="576072">
                   <a:extLst>
                     <a:ext uri="{9D8B030D-6E8A-4147-A177-3AD203B41FA5}">
-                      <a16:colId xmlns="" xmlns:a16="http://schemas.microsoft.com/office/drawing/2014/main" val="4120775698"/>
+                      <a16:colId xmlns:a16="http://schemas.microsoft.com/office/drawing/2014/main" val="4120775698"/>
                     </a:ext>
                   </a:extLst>
                 </a:gridCol>
                 <a:gridCol w="576072">
                   <a:extLst>
                     <a:ext uri="{9D8B030D-6E8A-4147-A177-3AD203B41FA5}">
-                      <a16:colId xmlns="" xmlns:a16="http://schemas.microsoft.com/office/drawing/2014/main" val="2398927270"/>
+                      <a16:colId xmlns:a16="http://schemas.microsoft.com/office/drawing/2014/main" val="2398927270"/>
                     </a:ext>
                   </a:extLst>
                 </a:gridCol>
                 <a:gridCol w="576072">
                   <a:extLst>
                     <a:ext uri="{9D8B030D-6E8A-4147-A177-3AD203B41FA5}">
-                      <a16:colId xmlns="" xmlns:a16="http://schemas.microsoft.com/office/drawing/2014/main" val="578282490"/>
+                      <a16:colId xmlns:a16="http://schemas.microsoft.com/office/drawing/2014/main" val="578282490"/>
                     </a:ext>
                   </a:extLst>
                 </a:gridCol>
@@ -5338,7 +5309,7 @@
                 </a:tc>
                 <a:extLst>
                   <a:ext uri="{0D108BD9-81ED-4DB2-BD59-A6C34878D82A}">
-                    <a16:rowId xmlns="" xmlns:a16="http://schemas.microsoft.com/office/drawing/2014/main" val="544127792"/>
+                    <a16:rowId xmlns:a16="http://schemas.microsoft.com/office/drawing/2014/main" val="544127792"/>
                   </a:ext>
                 </a:extLst>
               </a:tr>
@@ -5355,13 +5326,13 @@
           <p:nvPr>
             <p:extLst>
               <p:ext uri="{D42A27DB-BD31-4B8C-83A1-F6EECF244321}">
-                <p14:modId xmlns:p14="http://schemas.microsoft.com/office/powerpoint/2010/main" val="3206170503"/>
+                <p14:modId xmlns:p14="http://schemas.microsoft.com/office/powerpoint/2010/main" val="813105237"/>
               </p:ext>
             </p:extLst>
           </p:nvPr>
         </p:nvGraphicFramePr>
         <p:xfrm>
-          <a:off x="819900" y="6071502"/>
+          <a:off x="819900" y="5886670"/>
           <a:ext cx="2880000" cy="518160"/>
         </p:xfrm>
         <a:graphic>
@@ -5374,35 +5345,35 @@
                 <a:gridCol w="576000">
                   <a:extLst>
                     <a:ext uri="{9D8B030D-6E8A-4147-A177-3AD203B41FA5}">
-                      <a16:colId xmlns="" xmlns:a16="http://schemas.microsoft.com/office/drawing/2014/main" val="1322717240"/>
+                      <a16:colId xmlns:a16="http://schemas.microsoft.com/office/drawing/2014/main" val="1322717240"/>
                     </a:ext>
                   </a:extLst>
                 </a:gridCol>
                 <a:gridCol w="576000">
                   <a:extLst>
                     <a:ext uri="{9D8B030D-6E8A-4147-A177-3AD203B41FA5}">
-                      <a16:colId xmlns="" xmlns:a16="http://schemas.microsoft.com/office/drawing/2014/main" val="4013610060"/>
+                      <a16:colId xmlns:a16="http://schemas.microsoft.com/office/drawing/2014/main" val="4013610060"/>
                     </a:ext>
                   </a:extLst>
                 </a:gridCol>
                 <a:gridCol w="576000">
                   <a:extLst>
                     <a:ext uri="{9D8B030D-6E8A-4147-A177-3AD203B41FA5}">
-                      <a16:colId xmlns="" xmlns:a16="http://schemas.microsoft.com/office/drawing/2014/main" val="4120775698"/>
+                      <a16:colId xmlns:a16="http://schemas.microsoft.com/office/drawing/2014/main" val="4120775698"/>
                     </a:ext>
                   </a:extLst>
                 </a:gridCol>
                 <a:gridCol w="576000">
                   <a:extLst>
                     <a:ext uri="{9D8B030D-6E8A-4147-A177-3AD203B41FA5}">
-                      <a16:colId xmlns="" xmlns:a16="http://schemas.microsoft.com/office/drawing/2014/main" val="2398927270"/>
+                      <a16:colId xmlns:a16="http://schemas.microsoft.com/office/drawing/2014/main" val="2398927270"/>
                     </a:ext>
                   </a:extLst>
                 </a:gridCol>
                 <a:gridCol w="576000">
                   <a:extLst>
                     <a:ext uri="{9D8B030D-6E8A-4147-A177-3AD203B41FA5}">
-                      <a16:colId xmlns="" xmlns:a16="http://schemas.microsoft.com/office/drawing/2014/main" val="578282490"/>
+                      <a16:colId xmlns:a16="http://schemas.microsoft.com/office/drawing/2014/main" val="578282490"/>
                     </a:ext>
                   </a:extLst>
                 </a:gridCol>
@@ -5715,7 +5686,7 @@
                 </a:tc>
                 <a:extLst>
                   <a:ext uri="{0D108BD9-81ED-4DB2-BD59-A6C34878D82A}">
-                    <a16:rowId xmlns="" xmlns:a16="http://schemas.microsoft.com/office/drawing/2014/main" val="544127792"/>
+                    <a16:rowId xmlns:a16="http://schemas.microsoft.com/office/drawing/2014/main" val="544127792"/>
                   </a:ext>
                 </a:extLst>
               </a:tr>
@@ -5751,35 +5722,35 @@
                 <a:gridCol w="576072">
                   <a:extLst>
                     <a:ext uri="{9D8B030D-6E8A-4147-A177-3AD203B41FA5}">
-                      <a16:colId xmlns="" xmlns:a16="http://schemas.microsoft.com/office/drawing/2014/main" val="1322717240"/>
+                      <a16:colId xmlns:a16="http://schemas.microsoft.com/office/drawing/2014/main" val="1322717240"/>
                     </a:ext>
                   </a:extLst>
                 </a:gridCol>
                 <a:gridCol w="576072">
                   <a:extLst>
                     <a:ext uri="{9D8B030D-6E8A-4147-A177-3AD203B41FA5}">
-                      <a16:colId xmlns="" xmlns:a16="http://schemas.microsoft.com/office/drawing/2014/main" val="4013610060"/>
+                      <a16:colId xmlns:a16="http://schemas.microsoft.com/office/drawing/2014/main" val="4013610060"/>
                     </a:ext>
                   </a:extLst>
                 </a:gridCol>
                 <a:gridCol w="576072">
                   <a:extLst>
                     <a:ext uri="{9D8B030D-6E8A-4147-A177-3AD203B41FA5}">
-                      <a16:colId xmlns="" xmlns:a16="http://schemas.microsoft.com/office/drawing/2014/main" val="4120775698"/>
+                      <a16:colId xmlns:a16="http://schemas.microsoft.com/office/drawing/2014/main" val="4120775698"/>
                     </a:ext>
                   </a:extLst>
                 </a:gridCol>
                 <a:gridCol w="576072">
                   <a:extLst>
                     <a:ext uri="{9D8B030D-6E8A-4147-A177-3AD203B41FA5}">
-                      <a16:colId xmlns="" xmlns:a16="http://schemas.microsoft.com/office/drawing/2014/main" val="2398927270"/>
+                      <a16:colId xmlns:a16="http://schemas.microsoft.com/office/drawing/2014/main" val="2398927270"/>
                     </a:ext>
                   </a:extLst>
                 </a:gridCol>
                 <a:gridCol w="576072">
                   <a:extLst>
                     <a:ext uri="{9D8B030D-6E8A-4147-A177-3AD203B41FA5}">
-                      <a16:colId xmlns="" xmlns:a16="http://schemas.microsoft.com/office/drawing/2014/main" val="578282490"/>
+                      <a16:colId xmlns:a16="http://schemas.microsoft.com/office/drawing/2014/main" val="578282490"/>
                     </a:ext>
                   </a:extLst>
                 </a:gridCol>
@@ -6092,7 +6063,7 @@
                 </a:tc>
                 <a:extLst>
                   <a:ext uri="{0D108BD9-81ED-4DB2-BD59-A6C34878D82A}">
-                    <a16:rowId xmlns="" xmlns:a16="http://schemas.microsoft.com/office/drawing/2014/main" val="544127792"/>
+                    <a16:rowId xmlns:a16="http://schemas.microsoft.com/office/drawing/2014/main" val="544127792"/>
                   </a:ext>
                 </a:extLst>
               </a:tr>
@@ -6109,13 +6080,13 @@
           <p:nvPr>
             <p:extLst>
               <p:ext uri="{D42A27DB-BD31-4B8C-83A1-F6EECF244321}">
-                <p14:modId xmlns:p14="http://schemas.microsoft.com/office/powerpoint/2010/main" val="1827391404"/>
+                <p14:modId xmlns:p14="http://schemas.microsoft.com/office/powerpoint/2010/main" val="45259365"/>
               </p:ext>
             </p:extLst>
           </p:nvPr>
         </p:nvGraphicFramePr>
         <p:xfrm>
-          <a:off x="5453117" y="6071502"/>
+          <a:off x="5453117" y="5886670"/>
           <a:ext cx="2880000" cy="518160"/>
         </p:xfrm>
         <a:graphic>
@@ -6128,35 +6099,35 @@
                 <a:gridCol w="576000">
                   <a:extLst>
                     <a:ext uri="{9D8B030D-6E8A-4147-A177-3AD203B41FA5}">
-                      <a16:colId xmlns="" xmlns:a16="http://schemas.microsoft.com/office/drawing/2014/main" val="1322717240"/>
+                      <a16:colId xmlns:a16="http://schemas.microsoft.com/office/drawing/2014/main" val="1322717240"/>
                     </a:ext>
                   </a:extLst>
                 </a:gridCol>
                 <a:gridCol w="576000">
                   <a:extLst>
                     <a:ext uri="{9D8B030D-6E8A-4147-A177-3AD203B41FA5}">
-                      <a16:colId xmlns="" xmlns:a16="http://schemas.microsoft.com/office/drawing/2014/main" val="4013610060"/>
+                      <a16:colId xmlns:a16="http://schemas.microsoft.com/office/drawing/2014/main" val="4013610060"/>
                     </a:ext>
                   </a:extLst>
                 </a:gridCol>
                 <a:gridCol w="576000">
                   <a:extLst>
                     <a:ext uri="{9D8B030D-6E8A-4147-A177-3AD203B41FA5}">
-                      <a16:colId xmlns="" xmlns:a16="http://schemas.microsoft.com/office/drawing/2014/main" val="4120775698"/>
+                      <a16:colId xmlns:a16="http://schemas.microsoft.com/office/drawing/2014/main" val="4120775698"/>
                     </a:ext>
                   </a:extLst>
                 </a:gridCol>
                 <a:gridCol w="576000">
                   <a:extLst>
                     <a:ext uri="{9D8B030D-6E8A-4147-A177-3AD203B41FA5}">
-                      <a16:colId xmlns="" xmlns:a16="http://schemas.microsoft.com/office/drawing/2014/main" val="2398927270"/>
+                      <a16:colId xmlns:a16="http://schemas.microsoft.com/office/drawing/2014/main" val="2398927270"/>
                     </a:ext>
                   </a:extLst>
                 </a:gridCol>
                 <a:gridCol w="576000">
                   <a:extLst>
                     <a:ext uri="{9D8B030D-6E8A-4147-A177-3AD203B41FA5}">
-                      <a16:colId xmlns="" xmlns:a16="http://schemas.microsoft.com/office/drawing/2014/main" val="578282490"/>
+                      <a16:colId xmlns:a16="http://schemas.microsoft.com/office/drawing/2014/main" val="578282490"/>
                     </a:ext>
                   </a:extLst>
                 </a:gridCol>
@@ -6469,7 +6440,7 @@
                 </a:tc>
                 <a:extLst>
                   <a:ext uri="{0D108BD9-81ED-4DB2-BD59-A6C34878D82A}">
-                    <a16:rowId xmlns="" xmlns:a16="http://schemas.microsoft.com/office/drawing/2014/main" val="544127792"/>
+                    <a16:rowId xmlns:a16="http://schemas.microsoft.com/office/drawing/2014/main" val="544127792"/>
                   </a:ext>
                 </a:extLst>
               </a:tr>
@@ -6582,7 +6553,7 @@
         </p:nvGrpSpPr>
         <p:grpSpPr>
           <a:xfrm>
-            <a:off x="3760888" y="5493879"/>
+            <a:off x="3760888" y="5309047"/>
             <a:ext cx="1631601" cy="1011026"/>
             <a:chOff x="3880886" y="3180445"/>
             <a:chExt cx="1631601" cy="1011026"/>
@@ -6734,7 +6705,7 @@
         </p:nvSpPr>
         <p:spPr>
           <a:xfrm>
-            <a:off x="314893" y="5551387"/>
+            <a:off x="314893" y="5366555"/>
             <a:ext cx="3075309" cy="461665"/>
           </a:xfrm>
           <a:prstGeom prst="rect">
@@ -7218,33 +7189,45 @@
                 <a:gridCol w="411480">
                   <a:extLst>
                     <a:ext uri="{9D8B030D-6E8A-4147-A177-3AD203B41FA5}">
-                      <a16:colId xmlns="" xmlns:a16="http://schemas.microsoft.com/office/drawing/2014/main" val="1322717240"/>
+                      <a16:colId xmlns:a16="http://schemas.microsoft.com/office/drawing/2014/main" val="1322717240"/>
                     </a:ext>
                   </a:extLst>
                 </a:gridCol>
                 <a:gridCol w="411480">
                   <a:extLst>
                     <a:ext uri="{9D8B030D-6E8A-4147-A177-3AD203B41FA5}">
-                      <a16:colId xmlns="" xmlns:a16="http://schemas.microsoft.com/office/drawing/2014/main" val="4013610060"/>
+                      <a16:colId xmlns:a16="http://schemas.microsoft.com/office/drawing/2014/main" val="4013610060"/>
                     </a:ext>
                   </a:extLst>
                 </a:gridCol>
                 <a:gridCol w="411480">
                   <a:extLst>
                     <a:ext uri="{9D8B030D-6E8A-4147-A177-3AD203B41FA5}">
-                      <a16:colId xmlns="" xmlns:a16="http://schemas.microsoft.com/office/drawing/2014/main" val="4120775698"/>
+                      <a16:colId xmlns:a16="http://schemas.microsoft.com/office/drawing/2014/main" val="4120775698"/>
                     </a:ext>
                   </a:extLst>
                 </a:gridCol>
                 <a:gridCol w="411480">
                   <a:extLst>
                     <a:ext uri="{9D8B030D-6E8A-4147-A177-3AD203B41FA5}">
-                      <a16:colId xmlns="" xmlns:a16="http://schemas.microsoft.com/office/drawing/2014/main" val="2398927270"/>
+                      <a16:colId xmlns:a16="http://schemas.microsoft.com/office/drawing/2014/main" val="2398927270"/>
                     </a:ext>
                   </a:extLst>
                 </a:gridCol>
-                <a:gridCol w="411480"/>
-                <a:gridCol w="411480"/>
+                <a:gridCol w="411480">
+                  <a:extLst>
+                    <a:ext uri="{9D8B030D-6E8A-4147-A177-3AD203B41FA5}">
+                      <a16:colId xmlns:a16="http://schemas.microsoft.com/office/drawing/2014/main" val="20004"/>
+                    </a:ext>
+                  </a:extLst>
+                </a:gridCol>
+                <a:gridCol w="411480">
+                  <a:extLst>
+                    <a:ext uri="{9D8B030D-6E8A-4147-A177-3AD203B41FA5}">
+                      <a16:colId xmlns:a16="http://schemas.microsoft.com/office/drawing/2014/main" val="20005"/>
+                    </a:ext>
+                  </a:extLst>
+                </a:gridCol>
               </a:tblGrid>
               <a:tr h="370840">
                 <a:tc>
@@ -7615,7 +7598,7 @@
                 </a:tc>
                 <a:extLst>
                   <a:ext uri="{0D108BD9-81ED-4DB2-BD59-A6C34878D82A}">
-                    <a16:rowId xmlns="" xmlns:a16="http://schemas.microsoft.com/office/drawing/2014/main" val="544127792"/>
+                    <a16:rowId xmlns:a16="http://schemas.microsoft.com/office/drawing/2014/main" val="544127792"/>
                   </a:ext>
                 </a:extLst>
               </a:tr>
@@ -7737,33 +7720,45 @@
                 <a:gridCol w="411480">
                   <a:extLst>
                     <a:ext uri="{9D8B030D-6E8A-4147-A177-3AD203B41FA5}">
-                      <a16:colId xmlns="" xmlns:a16="http://schemas.microsoft.com/office/drawing/2014/main" val="1322717240"/>
+                      <a16:colId xmlns:a16="http://schemas.microsoft.com/office/drawing/2014/main" val="1322717240"/>
                     </a:ext>
                   </a:extLst>
                 </a:gridCol>
                 <a:gridCol w="411480">
                   <a:extLst>
                     <a:ext uri="{9D8B030D-6E8A-4147-A177-3AD203B41FA5}">
-                      <a16:colId xmlns="" xmlns:a16="http://schemas.microsoft.com/office/drawing/2014/main" val="4013610060"/>
+                      <a16:colId xmlns:a16="http://schemas.microsoft.com/office/drawing/2014/main" val="4013610060"/>
                     </a:ext>
                   </a:extLst>
                 </a:gridCol>
                 <a:gridCol w="411480">
                   <a:extLst>
                     <a:ext uri="{9D8B030D-6E8A-4147-A177-3AD203B41FA5}">
-                      <a16:colId xmlns="" xmlns:a16="http://schemas.microsoft.com/office/drawing/2014/main" val="4120775698"/>
+                      <a16:colId xmlns:a16="http://schemas.microsoft.com/office/drawing/2014/main" val="4120775698"/>
                     </a:ext>
                   </a:extLst>
                 </a:gridCol>
                 <a:gridCol w="411480">
                   <a:extLst>
                     <a:ext uri="{9D8B030D-6E8A-4147-A177-3AD203B41FA5}">
-                      <a16:colId xmlns="" xmlns:a16="http://schemas.microsoft.com/office/drawing/2014/main" val="2398927270"/>
+                      <a16:colId xmlns:a16="http://schemas.microsoft.com/office/drawing/2014/main" val="2398927270"/>
                     </a:ext>
                   </a:extLst>
                 </a:gridCol>
-                <a:gridCol w="411480"/>
-                <a:gridCol w="411480"/>
+                <a:gridCol w="411480">
+                  <a:extLst>
+                    <a:ext uri="{9D8B030D-6E8A-4147-A177-3AD203B41FA5}">
+                      <a16:colId xmlns:a16="http://schemas.microsoft.com/office/drawing/2014/main" val="20004"/>
+                    </a:ext>
+                  </a:extLst>
+                </a:gridCol>
+                <a:gridCol w="411480">
+                  <a:extLst>
+                    <a:ext uri="{9D8B030D-6E8A-4147-A177-3AD203B41FA5}">
+                      <a16:colId xmlns:a16="http://schemas.microsoft.com/office/drawing/2014/main" val="20005"/>
+                    </a:ext>
+                  </a:extLst>
+                </a:gridCol>
               </a:tblGrid>
               <a:tr h="370840">
                 <a:tc>
@@ -8134,7 +8129,7 @@
                 </a:tc>
                 <a:extLst>
                   <a:ext uri="{0D108BD9-81ED-4DB2-BD59-A6C34878D82A}">
-                    <a16:rowId xmlns="" xmlns:a16="http://schemas.microsoft.com/office/drawing/2014/main" val="544127792"/>
+                    <a16:rowId xmlns:a16="http://schemas.microsoft.com/office/drawing/2014/main" val="544127792"/>
                   </a:ext>
                 </a:extLst>
               </a:tr>
@@ -8170,33 +8165,45 @@
                 <a:gridCol w="411480">
                   <a:extLst>
                     <a:ext uri="{9D8B030D-6E8A-4147-A177-3AD203B41FA5}">
-                      <a16:colId xmlns="" xmlns:a16="http://schemas.microsoft.com/office/drawing/2014/main" val="1322717240"/>
+                      <a16:colId xmlns:a16="http://schemas.microsoft.com/office/drawing/2014/main" val="1322717240"/>
                     </a:ext>
                   </a:extLst>
                 </a:gridCol>
                 <a:gridCol w="411480">
                   <a:extLst>
                     <a:ext uri="{9D8B030D-6E8A-4147-A177-3AD203B41FA5}">
-                      <a16:colId xmlns="" xmlns:a16="http://schemas.microsoft.com/office/drawing/2014/main" val="4013610060"/>
+                      <a16:colId xmlns:a16="http://schemas.microsoft.com/office/drawing/2014/main" val="4013610060"/>
                     </a:ext>
                   </a:extLst>
                 </a:gridCol>
                 <a:gridCol w="411480">
                   <a:extLst>
                     <a:ext uri="{9D8B030D-6E8A-4147-A177-3AD203B41FA5}">
-                      <a16:colId xmlns="" xmlns:a16="http://schemas.microsoft.com/office/drawing/2014/main" val="4120775698"/>
+                      <a16:colId xmlns:a16="http://schemas.microsoft.com/office/drawing/2014/main" val="4120775698"/>
                     </a:ext>
                   </a:extLst>
                 </a:gridCol>
                 <a:gridCol w="411480">
                   <a:extLst>
                     <a:ext uri="{9D8B030D-6E8A-4147-A177-3AD203B41FA5}">
-                      <a16:colId xmlns="" xmlns:a16="http://schemas.microsoft.com/office/drawing/2014/main" val="2398927270"/>
+                      <a16:colId xmlns:a16="http://schemas.microsoft.com/office/drawing/2014/main" val="2398927270"/>
                     </a:ext>
                   </a:extLst>
                 </a:gridCol>
-                <a:gridCol w="411480"/>
-                <a:gridCol w="411480"/>
+                <a:gridCol w="411480">
+                  <a:extLst>
+                    <a:ext uri="{9D8B030D-6E8A-4147-A177-3AD203B41FA5}">
+                      <a16:colId xmlns:a16="http://schemas.microsoft.com/office/drawing/2014/main" val="20004"/>
+                    </a:ext>
+                  </a:extLst>
+                </a:gridCol>
+                <a:gridCol w="411480">
+                  <a:extLst>
+                    <a:ext uri="{9D8B030D-6E8A-4147-A177-3AD203B41FA5}">
+                      <a16:colId xmlns:a16="http://schemas.microsoft.com/office/drawing/2014/main" val="20005"/>
+                    </a:ext>
+                  </a:extLst>
+                </a:gridCol>
               </a:tblGrid>
               <a:tr h="370840">
                 <a:tc>
@@ -8567,7 +8574,7 @@
                 </a:tc>
                 <a:extLst>
                   <a:ext uri="{0D108BD9-81ED-4DB2-BD59-A6C34878D82A}">
-                    <a16:rowId xmlns="" xmlns:a16="http://schemas.microsoft.com/office/drawing/2014/main" val="544127792"/>
+                    <a16:rowId xmlns:a16="http://schemas.microsoft.com/office/drawing/2014/main" val="544127792"/>
                   </a:ext>
                 </a:extLst>
               </a:tr>
@@ -8767,33 +8774,45 @@
                 <a:gridCol w="411480">
                   <a:extLst>
                     <a:ext uri="{9D8B030D-6E8A-4147-A177-3AD203B41FA5}">
-                      <a16:colId xmlns="" xmlns:a16="http://schemas.microsoft.com/office/drawing/2014/main" val="1322717240"/>
+                      <a16:colId xmlns:a16="http://schemas.microsoft.com/office/drawing/2014/main" val="1322717240"/>
                     </a:ext>
                   </a:extLst>
                 </a:gridCol>
                 <a:gridCol w="411480">
                   <a:extLst>
                     <a:ext uri="{9D8B030D-6E8A-4147-A177-3AD203B41FA5}">
-                      <a16:colId xmlns="" xmlns:a16="http://schemas.microsoft.com/office/drawing/2014/main" val="4013610060"/>
+                      <a16:colId xmlns:a16="http://schemas.microsoft.com/office/drawing/2014/main" val="4013610060"/>
                     </a:ext>
                   </a:extLst>
                 </a:gridCol>
                 <a:gridCol w="411480">
                   <a:extLst>
                     <a:ext uri="{9D8B030D-6E8A-4147-A177-3AD203B41FA5}">
-                      <a16:colId xmlns="" xmlns:a16="http://schemas.microsoft.com/office/drawing/2014/main" val="4120775698"/>
+                      <a16:colId xmlns:a16="http://schemas.microsoft.com/office/drawing/2014/main" val="4120775698"/>
                     </a:ext>
                   </a:extLst>
                 </a:gridCol>
                 <a:gridCol w="411480">
                   <a:extLst>
                     <a:ext uri="{9D8B030D-6E8A-4147-A177-3AD203B41FA5}">
-                      <a16:colId xmlns="" xmlns:a16="http://schemas.microsoft.com/office/drawing/2014/main" val="2398927270"/>
+                      <a16:colId xmlns:a16="http://schemas.microsoft.com/office/drawing/2014/main" val="2398927270"/>
                     </a:ext>
                   </a:extLst>
                 </a:gridCol>
-                <a:gridCol w="411480"/>
-                <a:gridCol w="411480"/>
+                <a:gridCol w="411480">
+                  <a:extLst>
+                    <a:ext uri="{9D8B030D-6E8A-4147-A177-3AD203B41FA5}">
+                      <a16:colId xmlns:a16="http://schemas.microsoft.com/office/drawing/2014/main" val="20004"/>
+                    </a:ext>
+                  </a:extLst>
+                </a:gridCol>
+                <a:gridCol w="411480">
+                  <a:extLst>
+                    <a:ext uri="{9D8B030D-6E8A-4147-A177-3AD203B41FA5}">
+                      <a16:colId xmlns:a16="http://schemas.microsoft.com/office/drawing/2014/main" val="20005"/>
+                    </a:ext>
+                  </a:extLst>
+                </a:gridCol>
               </a:tblGrid>
               <a:tr h="370840">
                 <a:tc>
@@ -9164,7 +9183,7 @@
                 </a:tc>
                 <a:extLst>
                   <a:ext uri="{0D108BD9-81ED-4DB2-BD59-A6C34878D82A}">
-                    <a16:rowId xmlns="" xmlns:a16="http://schemas.microsoft.com/office/drawing/2014/main" val="544127792"/>
+                    <a16:rowId xmlns:a16="http://schemas.microsoft.com/office/drawing/2014/main" val="544127792"/>
                   </a:ext>
                 </a:extLst>
               </a:tr>
@@ -9311,33 +9330,45 @@
                 <a:gridCol w="411480">
                   <a:extLst>
                     <a:ext uri="{9D8B030D-6E8A-4147-A177-3AD203B41FA5}">
-                      <a16:colId xmlns="" xmlns:a16="http://schemas.microsoft.com/office/drawing/2014/main" val="1322717240"/>
+                      <a16:colId xmlns:a16="http://schemas.microsoft.com/office/drawing/2014/main" val="1322717240"/>
                     </a:ext>
                   </a:extLst>
                 </a:gridCol>
                 <a:gridCol w="411480">
                   <a:extLst>
                     <a:ext uri="{9D8B030D-6E8A-4147-A177-3AD203B41FA5}">
-                      <a16:colId xmlns="" xmlns:a16="http://schemas.microsoft.com/office/drawing/2014/main" val="4013610060"/>
+                      <a16:colId xmlns:a16="http://schemas.microsoft.com/office/drawing/2014/main" val="4013610060"/>
                     </a:ext>
                   </a:extLst>
                 </a:gridCol>
                 <a:gridCol w="411480">
                   <a:extLst>
                     <a:ext uri="{9D8B030D-6E8A-4147-A177-3AD203B41FA5}">
-                      <a16:colId xmlns="" xmlns:a16="http://schemas.microsoft.com/office/drawing/2014/main" val="4120775698"/>
+                      <a16:colId xmlns:a16="http://schemas.microsoft.com/office/drawing/2014/main" val="4120775698"/>
                     </a:ext>
                   </a:extLst>
                 </a:gridCol>
                 <a:gridCol w="411480">
                   <a:extLst>
                     <a:ext uri="{9D8B030D-6E8A-4147-A177-3AD203B41FA5}">
-                      <a16:colId xmlns="" xmlns:a16="http://schemas.microsoft.com/office/drawing/2014/main" val="2398927270"/>
+                      <a16:colId xmlns:a16="http://schemas.microsoft.com/office/drawing/2014/main" val="2398927270"/>
                     </a:ext>
                   </a:extLst>
                 </a:gridCol>
-                <a:gridCol w="411480"/>
-                <a:gridCol w="411480"/>
+                <a:gridCol w="411480">
+                  <a:extLst>
+                    <a:ext uri="{9D8B030D-6E8A-4147-A177-3AD203B41FA5}">
+                      <a16:colId xmlns:a16="http://schemas.microsoft.com/office/drawing/2014/main" val="20004"/>
+                    </a:ext>
+                  </a:extLst>
+                </a:gridCol>
+                <a:gridCol w="411480">
+                  <a:extLst>
+                    <a:ext uri="{9D8B030D-6E8A-4147-A177-3AD203B41FA5}">
+                      <a16:colId xmlns:a16="http://schemas.microsoft.com/office/drawing/2014/main" val="20005"/>
+                    </a:ext>
+                  </a:extLst>
+                </a:gridCol>
               </a:tblGrid>
               <a:tr h="370840">
                 <a:tc>
@@ -9708,7 +9739,7 @@
                 </a:tc>
                 <a:extLst>
                   <a:ext uri="{0D108BD9-81ED-4DB2-BD59-A6C34878D82A}">
-                    <a16:rowId xmlns="" xmlns:a16="http://schemas.microsoft.com/office/drawing/2014/main" val="544127792"/>
+                    <a16:rowId xmlns:a16="http://schemas.microsoft.com/office/drawing/2014/main" val="544127792"/>
                   </a:ext>
                 </a:extLst>
               </a:tr>
@@ -9826,33 +9857,45 @@
                 <a:gridCol w="411480">
                   <a:extLst>
                     <a:ext uri="{9D8B030D-6E8A-4147-A177-3AD203B41FA5}">
-                      <a16:colId xmlns="" xmlns:a16="http://schemas.microsoft.com/office/drawing/2014/main" val="1322717240"/>
+                      <a16:colId xmlns:a16="http://schemas.microsoft.com/office/drawing/2014/main" val="1322717240"/>
                     </a:ext>
                   </a:extLst>
                 </a:gridCol>
                 <a:gridCol w="411480">
                   <a:extLst>
                     <a:ext uri="{9D8B030D-6E8A-4147-A177-3AD203B41FA5}">
-                      <a16:colId xmlns="" xmlns:a16="http://schemas.microsoft.com/office/drawing/2014/main" val="4013610060"/>
+                      <a16:colId xmlns:a16="http://schemas.microsoft.com/office/drawing/2014/main" val="4013610060"/>
                     </a:ext>
                   </a:extLst>
                 </a:gridCol>
                 <a:gridCol w="411480">
                   <a:extLst>
                     <a:ext uri="{9D8B030D-6E8A-4147-A177-3AD203B41FA5}">
-                      <a16:colId xmlns="" xmlns:a16="http://schemas.microsoft.com/office/drawing/2014/main" val="4120775698"/>
+                      <a16:colId xmlns:a16="http://schemas.microsoft.com/office/drawing/2014/main" val="4120775698"/>
                     </a:ext>
                   </a:extLst>
                 </a:gridCol>
                 <a:gridCol w="411480">
                   <a:extLst>
                     <a:ext uri="{9D8B030D-6E8A-4147-A177-3AD203B41FA5}">
-                      <a16:colId xmlns="" xmlns:a16="http://schemas.microsoft.com/office/drawing/2014/main" val="2398927270"/>
+                      <a16:colId xmlns:a16="http://schemas.microsoft.com/office/drawing/2014/main" val="2398927270"/>
                     </a:ext>
                   </a:extLst>
                 </a:gridCol>
-                <a:gridCol w="411480"/>
-                <a:gridCol w="411480"/>
+                <a:gridCol w="411480">
+                  <a:extLst>
+                    <a:ext uri="{9D8B030D-6E8A-4147-A177-3AD203B41FA5}">
+                      <a16:colId xmlns:a16="http://schemas.microsoft.com/office/drawing/2014/main" val="20004"/>
+                    </a:ext>
+                  </a:extLst>
+                </a:gridCol>
+                <a:gridCol w="411480">
+                  <a:extLst>
+                    <a:ext uri="{9D8B030D-6E8A-4147-A177-3AD203B41FA5}">
+                      <a16:colId xmlns:a16="http://schemas.microsoft.com/office/drawing/2014/main" val="20005"/>
+                    </a:ext>
+                  </a:extLst>
+                </a:gridCol>
               </a:tblGrid>
               <a:tr h="370840">
                 <a:tc>
@@ -10223,7 +10266,7 @@
                 </a:tc>
                 <a:extLst>
                   <a:ext uri="{0D108BD9-81ED-4DB2-BD59-A6C34878D82A}">
-                    <a16:rowId xmlns="" xmlns:a16="http://schemas.microsoft.com/office/drawing/2014/main" val="544127792"/>
+                    <a16:rowId xmlns:a16="http://schemas.microsoft.com/office/drawing/2014/main" val="544127792"/>
                   </a:ext>
                 </a:extLst>
               </a:tr>
@@ -10259,33 +10302,45 @@
                 <a:gridCol w="411480">
                   <a:extLst>
                     <a:ext uri="{9D8B030D-6E8A-4147-A177-3AD203B41FA5}">
-                      <a16:colId xmlns="" xmlns:a16="http://schemas.microsoft.com/office/drawing/2014/main" val="1322717240"/>
+                      <a16:colId xmlns:a16="http://schemas.microsoft.com/office/drawing/2014/main" val="1322717240"/>
                     </a:ext>
                   </a:extLst>
                 </a:gridCol>
                 <a:gridCol w="411480">
                   <a:extLst>
                     <a:ext uri="{9D8B030D-6E8A-4147-A177-3AD203B41FA5}">
-                      <a16:colId xmlns="" xmlns:a16="http://schemas.microsoft.com/office/drawing/2014/main" val="4013610060"/>
+                      <a16:colId xmlns:a16="http://schemas.microsoft.com/office/drawing/2014/main" val="4013610060"/>
                     </a:ext>
                   </a:extLst>
                 </a:gridCol>
                 <a:gridCol w="411480">
                   <a:extLst>
                     <a:ext uri="{9D8B030D-6E8A-4147-A177-3AD203B41FA5}">
-                      <a16:colId xmlns="" xmlns:a16="http://schemas.microsoft.com/office/drawing/2014/main" val="4120775698"/>
+                      <a16:colId xmlns:a16="http://schemas.microsoft.com/office/drawing/2014/main" val="4120775698"/>
                     </a:ext>
                   </a:extLst>
                 </a:gridCol>
                 <a:gridCol w="411480">
                   <a:extLst>
                     <a:ext uri="{9D8B030D-6E8A-4147-A177-3AD203B41FA5}">
-                      <a16:colId xmlns="" xmlns:a16="http://schemas.microsoft.com/office/drawing/2014/main" val="2398927270"/>
+                      <a16:colId xmlns:a16="http://schemas.microsoft.com/office/drawing/2014/main" val="2398927270"/>
                     </a:ext>
                   </a:extLst>
                 </a:gridCol>
-                <a:gridCol w="411480"/>
-                <a:gridCol w="411480"/>
+                <a:gridCol w="411480">
+                  <a:extLst>
+                    <a:ext uri="{9D8B030D-6E8A-4147-A177-3AD203B41FA5}">
+                      <a16:colId xmlns:a16="http://schemas.microsoft.com/office/drawing/2014/main" val="20004"/>
+                    </a:ext>
+                  </a:extLst>
+                </a:gridCol>
+                <a:gridCol w="411480">
+                  <a:extLst>
+                    <a:ext uri="{9D8B030D-6E8A-4147-A177-3AD203B41FA5}">
+                      <a16:colId xmlns:a16="http://schemas.microsoft.com/office/drawing/2014/main" val="20005"/>
+                    </a:ext>
+                  </a:extLst>
+                </a:gridCol>
               </a:tblGrid>
               <a:tr h="370840">
                 <a:tc>
@@ -10656,7 +10711,7 @@
                 </a:tc>
                 <a:extLst>
                   <a:ext uri="{0D108BD9-81ED-4DB2-BD59-A6C34878D82A}">
-                    <a16:rowId xmlns="" xmlns:a16="http://schemas.microsoft.com/office/drawing/2014/main" val="544127792"/>
+                    <a16:rowId xmlns:a16="http://schemas.microsoft.com/office/drawing/2014/main" val="544127792"/>
                   </a:ext>
                 </a:extLst>
               </a:tr>
@@ -10913,33 +10968,45 @@
                 <a:gridCol w="411480">
                   <a:extLst>
                     <a:ext uri="{9D8B030D-6E8A-4147-A177-3AD203B41FA5}">
-                      <a16:colId xmlns="" xmlns:a16="http://schemas.microsoft.com/office/drawing/2014/main" val="1322717240"/>
+                      <a16:colId xmlns:a16="http://schemas.microsoft.com/office/drawing/2014/main" val="1322717240"/>
                     </a:ext>
                   </a:extLst>
                 </a:gridCol>
                 <a:gridCol w="411480">
                   <a:extLst>
                     <a:ext uri="{9D8B030D-6E8A-4147-A177-3AD203B41FA5}">
-                      <a16:colId xmlns="" xmlns:a16="http://schemas.microsoft.com/office/drawing/2014/main" val="4013610060"/>
+                      <a16:colId xmlns:a16="http://schemas.microsoft.com/office/drawing/2014/main" val="4013610060"/>
                     </a:ext>
                   </a:extLst>
                 </a:gridCol>
                 <a:gridCol w="411480">
                   <a:extLst>
                     <a:ext uri="{9D8B030D-6E8A-4147-A177-3AD203B41FA5}">
-                      <a16:colId xmlns="" xmlns:a16="http://schemas.microsoft.com/office/drawing/2014/main" val="4120775698"/>
+                      <a16:colId xmlns:a16="http://schemas.microsoft.com/office/drawing/2014/main" val="4120775698"/>
                     </a:ext>
                   </a:extLst>
                 </a:gridCol>
                 <a:gridCol w="411480">
                   <a:extLst>
                     <a:ext uri="{9D8B030D-6E8A-4147-A177-3AD203B41FA5}">
-                      <a16:colId xmlns="" xmlns:a16="http://schemas.microsoft.com/office/drawing/2014/main" val="2398927270"/>
+                      <a16:colId xmlns:a16="http://schemas.microsoft.com/office/drawing/2014/main" val="2398927270"/>
                     </a:ext>
                   </a:extLst>
                 </a:gridCol>
-                <a:gridCol w="411480"/>
-                <a:gridCol w="411480"/>
+                <a:gridCol w="411480">
+                  <a:extLst>
+                    <a:ext uri="{9D8B030D-6E8A-4147-A177-3AD203B41FA5}">
+                      <a16:colId xmlns:a16="http://schemas.microsoft.com/office/drawing/2014/main" val="20004"/>
+                    </a:ext>
+                  </a:extLst>
+                </a:gridCol>
+                <a:gridCol w="411480">
+                  <a:extLst>
+                    <a:ext uri="{9D8B030D-6E8A-4147-A177-3AD203B41FA5}">
+                      <a16:colId xmlns:a16="http://schemas.microsoft.com/office/drawing/2014/main" val="20005"/>
+                    </a:ext>
+                  </a:extLst>
+                </a:gridCol>
               </a:tblGrid>
               <a:tr h="370840">
                 <a:tc>
@@ -11310,7 +11377,7 @@
                 </a:tc>
                 <a:extLst>
                   <a:ext uri="{0D108BD9-81ED-4DB2-BD59-A6C34878D82A}">
-                    <a16:rowId xmlns="" xmlns:a16="http://schemas.microsoft.com/office/drawing/2014/main" val="544127792"/>
+                    <a16:rowId xmlns:a16="http://schemas.microsoft.com/office/drawing/2014/main" val="544127792"/>
                   </a:ext>
                 </a:extLst>
               </a:tr>
@@ -11567,33 +11634,45 @@
                 <a:gridCol w="411480">
                   <a:extLst>
                     <a:ext uri="{9D8B030D-6E8A-4147-A177-3AD203B41FA5}">
-                      <a16:colId xmlns="" xmlns:a16="http://schemas.microsoft.com/office/drawing/2014/main" val="1322717240"/>
+                      <a16:colId xmlns:a16="http://schemas.microsoft.com/office/drawing/2014/main" val="1322717240"/>
                     </a:ext>
                   </a:extLst>
                 </a:gridCol>
                 <a:gridCol w="411480">
                   <a:extLst>
                     <a:ext uri="{9D8B030D-6E8A-4147-A177-3AD203B41FA5}">
-                      <a16:colId xmlns="" xmlns:a16="http://schemas.microsoft.com/office/drawing/2014/main" val="4013610060"/>
+                      <a16:colId xmlns:a16="http://schemas.microsoft.com/office/drawing/2014/main" val="4013610060"/>
                     </a:ext>
                   </a:extLst>
                 </a:gridCol>
                 <a:gridCol w="411480">
                   <a:extLst>
                     <a:ext uri="{9D8B030D-6E8A-4147-A177-3AD203B41FA5}">
-                      <a16:colId xmlns="" xmlns:a16="http://schemas.microsoft.com/office/drawing/2014/main" val="4120775698"/>
+                      <a16:colId xmlns:a16="http://schemas.microsoft.com/office/drawing/2014/main" val="4120775698"/>
                     </a:ext>
                   </a:extLst>
                 </a:gridCol>
                 <a:gridCol w="411480">
                   <a:extLst>
                     <a:ext uri="{9D8B030D-6E8A-4147-A177-3AD203B41FA5}">
-                      <a16:colId xmlns="" xmlns:a16="http://schemas.microsoft.com/office/drawing/2014/main" val="2398927270"/>
+                      <a16:colId xmlns:a16="http://schemas.microsoft.com/office/drawing/2014/main" val="2398927270"/>
                     </a:ext>
                   </a:extLst>
                 </a:gridCol>
-                <a:gridCol w="411480"/>
-                <a:gridCol w="411480"/>
+                <a:gridCol w="411480">
+                  <a:extLst>
+                    <a:ext uri="{9D8B030D-6E8A-4147-A177-3AD203B41FA5}">
+                      <a16:colId xmlns:a16="http://schemas.microsoft.com/office/drawing/2014/main" val="20004"/>
+                    </a:ext>
+                  </a:extLst>
+                </a:gridCol>
+                <a:gridCol w="411480">
+                  <a:extLst>
+                    <a:ext uri="{9D8B030D-6E8A-4147-A177-3AD203B41FA5}">
+                      <a16:colId xmlns:a16="http://schemas.microsoft.com/office/drawing/2014/main" val="20005"/>
+                    </a:ext>
+                  </a:extLst>
+                </a:gridCol>
               </a:tblGrid>
               <a:tr h="370840">
                 <a:tc>
@@ -11964,7 +12043,7 @@
                 </a:tc>
                 <a:extLst>
                   <a:ext uri="{0D108BD9-81ED-4DB2-BD59-A6C34878D82A}">
-                    <a16:rowId xmlns="" xmlns:a16="http://schemas.microsoft.com/office/drawing/2014/main" val="544127792"/>
+                    <a16:rowId xmlns:a16="http://schemas.microsoft.com/office/drawing/2014/main" val="544127792"/>
                   </a:ext>
                 </a:extLst>
               </a:tr>
@@ -12082,33 +12161,45 @@
                 <a:gridCol w="411480">
                   <a:extLst>
                     <a:ext uri="{9D8B030D-6E8A-4147-A177-3AD203B41FA5}">
-                      <a16:colId xmlns="" xmlns:a16="http://schemas.microsoft.com/office/drawing/2014/main" val="1322717240"/>
+                      <a16:colId xmlns:a16="http://schemas.microsoft.com/office/drawing/2014/main" val="1322717240"/>
                     </a:ext>
                   </a:extLst>
                 </a:gridCol>
                 <a:gridCol w="411480">
                   <a:extLst>
                     <a:ext uri="{9D8B030D-6E8A-4147-A177-3AD203B41FA5}">
-                      <a16:colId xmlns="" xmlns:a16="http://schemas.microsoft.com/office/drawing/2014/main" val="4013610060"/>
+                      <a16:colId xmlns:a16="http://schemas.microsoft.com/office/drawing/2014/main" val="4013610060"/>
                     </a:ext>
                   </a:extLst>
                 </a:gridCol>
                 <a:gridCol w="411480">
                   <a:extLst>
                     <a:ext uri="{9D8B030D-6E8A-4147-A177-3AD203B41FA5}">
-                      <a16:colId xmlns="" xmlns:a16="http://schemas.microsoft.com/office/drawing/2014/main" val="4120775698"/>
+                      <a16:colId xmlns:a16="http://schemas.microsoft.com/office/drawing/2014/main" val="4120775698"/>
                     </a:ext>
                   </a:extLst>
                 </a:gridCol>
                 <a:gridCol w="411480">
                   <a:extLst>
                     <a:ext uri="{9D8B030D-6E8A-4147-A177-3AD203B41FA5}">
-                      <a16:colId xmlns="" xmlns:a16="http://schemas.microsoft.com/office/drawing/2014/main" val="2398927270"/>
+                      <a16:colId xmlns:a16="http://schemas.microsoft.com/office/drawing/2014/main" val="2398927270"/>
                     </a:ext>
                   </a:extLst>
                 </a:gridCol>
-                <a:gridCol w="411480"/>
-                <a:gridCol w="411480"/>
+                <a:gridCol w="411480">
+                  <a:extLst>
+                    <a:ext uri="{9D8B030D-6E8A-4147-A177-3AD203B41FA5}">
+                      <a16:colId xmlns:a16="http://schemas.microsoft.com/office/drawing/2014/main" val="20004"/>
+                    </a:ext>
+                  </a:extLst>
+                </a:gridCol>
+                <a:gridCol w="411480">
+                  <a:extLst>
+                    <a:ext uri="{9D8B030D-6E8A-4147-A177-3AD203B41FA5}">
+                      <a16:colId xmlns:a16="http://schemas.microsoft.com/office/drawing/2014/main" val="20005"/>
+                    </a:ext>
+                  </a:extLst>
+                </a:gridCol>
               </a:tblGrid>
               <a:tr h="370840">
                 <a:tc>
@@ -12479,7 +12570,7 @@
                 </a:tc>
                 <a:extLst>
                   <a:ext uri="{0D108BD9-81ED-4DB2-BD59-A6C34878D82A}">
-                    <a16:rowId xmlns="" xmlns:a16="http://schemas.microsoft.com/office/drawing/2014/main" val="544127792"/>
+                    <a16:rowId xmlns:a16="http://schemas.microsoft.com/office/drawing/2014/main" val="544127792"/>
                   </a:ext>
                 </a:extLst>
               </a:tr>
@@ -12511,33 +12602,45 @@
                 <a:gridCol w="411480">
                   <a:extLst>
                     <a:ext uri="{9D8B030D-6E8A-4147-A177-3AD203B41FA5}">
-                      <a16:colId xmlns="" xmlns:a16="http://schemas.microsoft.com/office/drawing/2014/main" val="1322717240"/>
+                      <a16:colId xmlns:a16="http://schemas.microsoft.com/office/drawing/2014/main" val="1322717240"/>
                     </a:ext>
                   </a:extLst>
                 </a:gridCol>
                 <a:gridCol w="411480">
                   <a:extLst>
                     <a:ext uri="{9D8B030D-6E8A-4147-A177-3AD203B41FA5}">
-                      <a16:colId xmlns="" xmlns:a16="http://schemas.microsoft.com/office/drawing/2014/main" val="4013610060"/>
+                      <a16:colId xmlns:a16="http://schemas.microsoft.com/office/drawing/2014/main" val="4013610060"/>
                     </a:ext>
                   </a:extLst>
                 </a:gridCol>
                 <a:gridCol w="411480">
                   <a:extLst>
                     <a:ext uri="{9D8B030D-6E8A-4147-A177-3AD203B41FA5}">
-                      <a16:colId xmlns="" xmlns:a16="http://schemas.microsoft.com/office/drawing/2014/main" val="4120775698"/>
+                      <a16:colId xmlns:a16="http://schemas.microsoft.com/office/drawing/2014/main" val="4120775698"/>
                     </a:ext>
                   </a:extLst>
                 </a:gridCol>
                 <a:gridCol w="411480">
                   <a:extLst>
                     <a:ext uri="{9D8B030D-6E8A-4147-A177-3AD203B41FA5}">
-                      <a16:colId xmlns="" xmlns:a16="http://schemas.microsoft.com/office/drawing/2014/main" val="2398927270"/>
+                      <a16:colId xmlns:a16="http://schemas.microsoft.com/office/drawing/2014/main" val="2398927270"/>
                     </a:ext>
                   </a:extLst>
                 </a:gridCol>
-                <a:gridCol w="411480"/>
-                <a:gridCol w="411480"/>
+                <a:gridCol w="411480">
+                  <a:extLst>
+                    <a:ext uri="{9D8B030D-6E8A-4147-A177-3AD203B41FA5}">
+                      <a16:colId xmlns:a16="http://schemas.microsoft.com/office/drawing/2014/main" val="20004"/>
+                    </a:ext>
+                  </a:extLst>
+                </a:gridCol>
+                <a:gridCol w="411480">
+                  <a:extLst>
+                    <a:ext uri="{9D8B030D-6E8A-4147-A177-3AD203B41FA5}">
+                      <a16:colId xmlns:a16="http://schemas.microsoft.com/office/drawing/2014/main" val="20005"/>
+                    </a:ext>
+                  </a:extLst>
+                </a:gridCol>
               </a:tblGrid>
               <a:tr h="370840">
                 <a:tc>
@@ -12908,7 +13011,7 @@
                 </a:tc>
                 <a:extLst>
                   <a:ext uri="{0D108BD9-81ED-4DB2-BD59-A6C34878D82A}">
-                    <a16:rowId xmlns="" xmlns:a16="http://schemas.microsoft.com/office/drawing/2014/main" val="544127792"/>
+                    <a16:rowId xmlns:a16="http://schemas.microsoft.com/office/drawing/2014/main" val="544127792"/>
                   </a:ext>
                 </a:extLst>
               </a:tr>
@@ -13169,33 +13272,45 @@
                 <a:gridCol w="411480">
                   <a:extLst>
                     <a:ext uri="{9D8B030D-6E8A-4147-A177-3AD203B41FA5}">
-                      <a16:colId xmlns="" xmlns:a16="http://schemas.microsoft.com/office/drawing/2014/main" val="1322717240"/>
+                      <a16:colId xmlns:a16="http://schemas.microsoft.com/office/drawing/2014/main" val="1322717240"/>
                     </a:ext>
                   </a:extLst>
                 </a:gridCol>
                 <a:gridCol w="411480">
                   <a:extLst>
                     <a:ext uri="{9D8B030D-6E8A-4147-A177-3AD203B41FA5}">
-                      <a16:colId xmlns="" xmlns:a16="http://schemas.microsoft.com/office/drawing/2014/main" val="4013610060"/>
+                      <a16:colId xmlns:a16="http://schemas.microsoft.com/office/drawing/2014/main" val="4013610060"/>
                     </a:ext>
                   </a:extLst>
                 </a:gridCol>
                 <a:gridCol w="411480">
                   <a:extLst>
                     <a:ext uri="{9D8B030D-6E8A-4147-A177-3AD203B41FA5}">
-                      <a16:colId xmlns="" xmlns:a16="http://schemas.microsoft.com/office/drawing/2014/main" val="4120775698"/>
+                      <a16:colId xmlns:a16="http://schemas.microsoft.com/office/drawing/2014/main" val="4120775698"/>
                     </a:ext>
                   </a:extLst>
                 </a:gridCol>
                 <a:gridCol w="411480">
                   <a:extLst>
                     <a:ext uri="{9D8B030D-6E8A-4147-A177-3AD203B41FA5}">
-                      <a16:colId xmlns="" xmlns:a16="http://schemas.microsoft.com/office/drawing/2014/main" val="2398927270"/>
+                      <a16:colId xmlns:a16="http://schemas.microsoft.com/office/drawing/2014/main" val="2398927270"/>
                     </a:ext>
                   </a:extLst>
                 </a:gridCol>
-                <a:gridCol w="411480"/>
-                <a:gridCol w="411480"/>
+                <a:gridCol w="411480">
+                  <a:extLst>
+                    <a:ext uri="{9D8B030D-6E8A-4147-A177-3AD203B41FA5}">
+                      <a16:colId xmlns:a16="http://schemas.microsoft.com/office/drawing/2014/main" val="20004"/>
+                    </a:ext>
+                  </a:extLst>
+                </a:gridCol>
+                <a:gridCol w="411480">
+                  <a:extLst>
+                    <a:ext uri="{9D8B030D-6E8A-4147-A177-3AD203B41FA5}">
+                      <a16:colId xmlns:a16="http://schemas.microsoft.com/office/drawing/2014/main" val="20005"/>
+                    </a:ext>
+                  </a:extLst>
+                </a:gridCol>
               </a:tblGrid>
               <a:tr h="370840">
                 <a:tc>
@@ -13566,7 +13681,7 @@
                 </a:tc>
                 <a:extLst>
                   <a:ext uri="{0D108BD9-81ED-4DB2-BD59-A6C34878D82A}">
-                    <a16:rowId xmlns="" xmlns:a16="http://schemas.microsoft.com/office/drawing/2014/main" val="544127792"/>
+                    <a16:rowId xmlns:a16="http://schemas.microsoft.com/office/drawing/2014/main" val="544127792"/>
                   </a:ext>
                 </a:extLst>
               </a:tr>
@@ -14954,8 +15069,12 @@
             <a:p>
               <a:pPr algn="ctr"/>
               <a:r>
-                <a:rPr lang="ja-JP" altLang="en-US" sz="2800" dirty="0"/>
+                <a:rPr lang="ja-JP" altLang="en-US" sz="2800" dirty="0" smtClean="0"/>
                 <a:t>乗用車</a:t>
+              </a:r>
+              <a:r>
+                <a:rPr lang="en-US" altLang="ja-JP" sz="2800" dirty="0" smtClean="0"/>
+                <a:t>A</a:t>
               </a:r>
               <a:r>
                 <a:rPr kumimoji="1" lang="ja-JP" altLang="en-US" sz="2800" dirty="0" smtClean="0"/>
@@ -14976,98 +15095,87 @@
           </p:txBody>
         </p:sp>
       </p:grpSp>
-      <p:grpSp>
-        <p:nvGrpSpPr>
-          <p:cNvPr id="15" name="グループ化 14"/>
-          <p:cNvGrpSpPr/>
+      <p:sp>
+        <p:nvSpPr>
+          <p:cNvPr id="3" name="テキスト ボックス 2"/>
+          <p:cNvSpPr txBox="1"/>
           <p:nvPr/>
-        </p:nvGrpSpPr>
-        <p:grpSpPr>
+        </p:nvSpPr>
+        <p:spPr>
           <a:xfrm>
             <a:off x="5804172" y="3683258"/>
-            <a:ext cx="2551813" cy="2869942"/>
-            <a:chOff x="5804172" y="3683258"/>
-            <a:chExt cx="2551813" cy="2869942"/>
+            <a:ext cx="2551813" cy="954107"/>
           </a:xfrm>
-        </p:grpSpPr>
-        <p:sp>
-          <p:nvSpPr>
-            <p:cNvPr id="3" name="テキスト ボックス 2"/>
-            <p:cNvSpPr txBox="1"/>
-            <p:nvPr/>
-          </p:nvSpPr>
-          <p:spPr>
-            <a:xfrm>
-              <a:off x="5804172" y="3683258"/>
-              <a:ext cx="2551813" cy="954107"/>
-            </a:xfrm>
-            <a:prstGeom prst="rect">
-              <a:avLst/>
-            </a:prstGeom>
+          <a:prstGeom prst="rect">
+            <a:avLst/>
+          </a:prstGeom>
+          <a:noFill/>
+          <a:ln w="19050">
             <a:noFill/>
-            <a:ln w="19050">
-              <a:noFill/>
-            </a:ln>
-          </p:spPr>
-          <p:txBody>
-            <a:bodyPr wrap="square" rtlCol="0">
-              <a:spAutoFit/>
-            </a:bodyPr>
-            <a:lstStyle/>
-            <a:p>
-              <a:pPr algn="ctr"/>
-              <a:r>
-                <a:rPr lang="ja-JP" altLang="en-US" sz="2800" dirty="0" smtClean="0"/>
-                <a:t>トラック</a:t>
-              </a:r>
-              <a:r>
-                <a:rPr kumimoji="1" lang="ja-JP" altLang="en-US" sz="2800" dirty="0" smtClean="0"/>
-                <a:t>の</a:t>
-              </a:r>
-              <a:r>
-                <a:rPr kumimoji="1" lang="en-US" altLang="ja-JP" sz="2800" dirty="0" smtClean="0"/>
-                <a:t/>
-              </a:r>
-              <a:br>
-                <a:rPr kumimoji="1" lang="en-US" altLang="ja-JP" sz="2800" dirty="0" smtClean="0"/>
-              </a:br>
-              <a:r>
-                <a:rPr kumimoji="1" lang="ja-JP" altLang="en-US" sz="2800" dirty="0" smtClean="0"/>
-                <a:t>構造最適化</a:t>
-              </a:r>
-            </a:p>
-          </p:txBody>
-        </p:sp>
-        <p:pic>
-          <p:nvPicPr>
-            <p:cNvPr id="14" name="図 13"/>
-            <p:cNvPicPr>
-              <a:picLocks noChangeAspect="1"/>
-            </p:cNvPicPr>
-            <p:nvPr/>
-          </p:nvPicPr>
-          <p:blipFill rotWithShape="1">
-            <a:blip r:embed="rId3" cstate="print">
-              <a:extLst>
-                <a:ext uri="{28A0092B-C50C-407E-A947-70E740481C1C}">
-                  <a14:useLocalDpi xmlns:a14="http://schemas.microsoft.com/office/drawing/2010/main" val="0"/>
-                </a:ext>
-              </a:extLst>
-            </a:blip>
-            <a:srcRect b="19514"/>
-            <a:stretch/>
-          </p:blipFill>
-          <p:spPr>
-            <a:xfrm>
-              <a:off x="5804172" y="4705996"/>
-              <a:ext cx="2550380" cy="1847204"/>
-            </a:xfrm>
-            <a:prstGeom prst="rect">
-              <a:avLst/>
-            </a:prstGeom>
-          </p:spPr>
-        </p:pic>
-      </p:grpSp>
+          </a:ln>
+        </p:spPr>
+        <p:txBody>
+          <a:bodyPr wrap="square" rtlCol="0">
+            <a:spAutoFit/>
+          </a:bodyPr>
+          <a:lstStyle/>
+          <a:p>
+            <a:pPr algn="ctr"/>
+            <a:r>
+              <a:rPr kumimoji="1" lang="ja-JP" altLang="en-US" sz="2800" dirty="0" smtClean="0"/>
+              <a:t>乗用車</a:t>
+            </a:r>
+            <a:r>
+              <a:rPr kumimoji="1" lang="en-US" altLang="ja-JP" sz="2800" dirty="0" smtClean="0"/>
+              <a:t>B</a:t>
+            </a:r>
+            <a:r>
+              <a:rPr kumimoji="1" lang="ja-JP" altLang="en-US" sz="2800" dirty="0" smtClean="0"/>
+              <a:t>の</a:t>
+            </a:r>
+            <a:r>
+              <a:rPr kumimoji="1" lang="en-US" altLang="ja-JP" sz="2800" dirty="0" smtClean="0"/>
+              <a:t/>
+            </a:r>
+            <a:br>
+              <a:rPr kumimoji="1" lang="en-US" altLang="ja-JP" sz="2800" dirty="0" smtClean="0"/>
+            </a:br>
+            <a:r>
+              <a:rPr kumimoji="1" lang="ja-JP" altLang="en-US" sz="2800" dirty="0" smtClean="0"/>
+              <a:t>構造最適化</a:t>
+            </a:r>
+          </a:p>
+        </p:txBody>
+      </p:sp>
+      <p:pic>
+        <p:nvPicPr>
+          <p:cNvPr id="4" name="図 3"/>
+          <p:cNvPicPr>
+            <a:picLocks noChangeAspect="1"/>
+          </p:cNvPicPr>
+          <p:nvPr/>
+        </p:nvPicPr>
+        <p:blipFill rotWithShape="1">
+          <a:blip r:embed="rId3" cstate="print">
+            <a:extLst>
+              <a:ext uri="{28A0092B-C50C-407E-A947-70E740481C1C}">
+                <a14:useLocalDpi xmlns:a14="http://schemas.microsoft.com/office/drawing/2010/main" val="0"/>
+              </a:ext>
+            </a:extLst>
+          </a:blip>
+          <a:srcRect t="13759" b="34042"/>
+          <a:stretch/>
+        </p:blipFill>
+        <p:spPr>
+          <a:xfrm>
+            <a:off x="5737661" y="4751471"/>
+            <a:ext cx="2684834" cy="1766634"/>
+          </a:xfrm>
+          <a:prstGeom prst="rect">
+            <a:avLst/>
+          </a:prstGeom>
+        </p:spPr>
+      </p:pic>
     </p:spTree>
     <p:extLst>
       <p:ext uri="{BB962C8B-B14F-4D97-AF65-F5344CB8AC3E}">
@@ -15979,11 +16087,7 @@
           <a:p>
             <a:r>
               <a:rPr kumimoji="1" lang="en-US" altLang="ja-JP" b="1" dirty="0" smtClean="0"/>
-              <a:t>2. Inversion </a:t>
-            </a:r>
-            <a:r>
-              <a:rPr kumimoji="1" lang="en-US" altLang="ja-JP" b="1" dirty="0" smtClean="0"/>
-              <a:t>Profit </a:t>
+              <a:t>2. Inversion Profit </a:t>
             </a:r>
             <a:r>
               <a:rPr kumimoji="1" lang="ja-JP" altLang="en-US" b="1" dirty="0" smtClean="0"/>
@@ -20539,11 +20643,7 @@
             </a:pPr>
             <a:r>
               <a:rPr lang="en-US" altLang="ja-JP" sz="3200" dirty="0" smtClean="0"/>
-              <a:t>Case </a:t>
-            </a:r>
-            <a:r>
-              <a:rPr lang="en-US" altLang="ja-JP" sz="3200" dirty="0" smtClean="0"/>
-              <a:t>1 </a:t>
+              <a:t>Case 1 </a:t>
             </a:r>
             <a:r>
               <a:rPr lang="ja-JP" altLang="en-US" sz="3200" dirty="0" smtClean="0"/>
@@ -20558,11 +20658,7 @@
             </a:pPr>
             <a:r>
               <a:rPr lang="en-US" altLang="ja-JP" sz="3200" dirty="0" smtClean="0"/>
-              <a:t>Case </a:t>
-            </a:r>
-            <a:r>
-              <a:rPr lang="en-US" altLang="ja-JP" sz="3200" dirty="0" smtClean="0"/>
-              <a:t>2 </a:t>
+              <a:t>Case 2 </a:t>
             </a:r>
             <a:r>
               <a:rPr lang="ja-JP" altLang="en-US" sz="3200" dirty="0" smtClean="0"/>
@@ -20732,11 +20828,7 @@
             <a:pPr marL="342900" lvl="2"/>
             <a:r>
               <a:rPr lang="ja-JP" altLang="en-US" sz="2600" dirty="0" smtClean="0"/>
-              <a:t>タスク間</a:t>
-            </a:r>
-            <a:r>
-              <a:rPr lang="ja-JP" altLang="en-US" sz="2600" dirty="0" smtClean="0"/>
-              <a:t>に全く関係性がない</a:t>
+              <a:t>タスク間に全く関係性がない</a:t>
             </a:r>
             <a:endParaRPr lang="en-US" altLang="ja-JP" sz="2600" dirty="0"/>
           </a:p>
@@ -20872,7 +20964,7 @@
         </p:nvGrpSpPr>
         <p:grpSpPr>
           <a:xfrm>
-            <a:off x="1403747" y="3240602"/>
+            <a:off x="1403747" y="3143322"/>
             <a:ext cx="6336506" cy="2085976"/>
             <a:chOff x="1533525" y="3240602"/>
             <a:chExt cx="6336506" cy="2085976"/>
@@ -21217,11 +21309,7 @@
             <a:pPr marL="342900" lvl="2"/>
             <a:r>
               <a:rPr lang="ja-JP" altLang="en-US" sz="2600" dirty="0" smtClean="0"/>
-              <a:t>タスク</a:t>
-            </a:r>
-            <a:r>
-              <a:rPr lang="ja-JP" altLang="en-US" sz="2600" dirty="0" smtClean="0"/>
-              <a:t>の一部で関係性がある</a:t>
+              <a:t>タスクの一部で関係性がある</a:t>
             </a:r>
             <a:endParaRPr lang="en-US" altLang="ja-JP" sz="2600" dirty="0" smtClean="0"/>
           </a:p>
@@ -21702,11 +21790,7 @@
             <a:pPr marL="342900" lvl="2"/>
             <a:r>
               <a:rPr lang="ja-JP" altLang="en-US" sz="2600" dirty="0" smtClean="0"/>
-              <a:t>一方</a:t>
-            </a:r>
-            <a:r>
-              <a:rPr lang="ja-JP" altLang="en-US" sz="2600" dirty="0" smtClean="0"/>
-              <a:t>のタスクが他のタスクを包含する</a:t>
+              <a:t>一方のタスクが他のタスクを包含する</a:t>
             </a:r>
             <a:endParaRPr lang="en-US" altLang="ja-JP" sz="2600" dirty="0"/>
           </a:p>
@@ -22434,16 +22518,11 @@
               <a:rPr kumimoji="1" lang="en-US" altLang="ja-JP" b="1" dirty="0" smtClean="0"/>
               <a:t>&gt;</a:t>
             </a:r>
-            <a:endParaRPr kumimoji="1" lang="en-US" altLang="ja-JP" b="1" dirty="0" smtClean="0"/>
           </a:p>
           <a:p>
             <a:r>
               <a:rPr lang="ja-JP" altLang="en-US" dirty="0" smtClean="0"/>
-              <a:t>タスク間</a:t>
-            </a:r>
-            <a:r>
-              <a:rPr lang="ja-JP" altLang="en-US" dirty="0" smtClean="0"/>
-              <a:t>の</a:t>
+              <a:t>タスク間の</a:t>
             </a:r>
             <a:r>
               <a:rPr lang="ja-JP" altLang="en-US" b="1" dirty="0" smtClean="0">
@@ -22490,15 +22569,7 @@
             </a:r>
             <a:r>
               <a:rPr lang="ja-JP" altLang="en-US" dirty="0" smtClean="0"/>
-              <a:t>な</a:t>
-            </a:r>
-            <a:r>
-              <a:rPr lang="ja-JP" altLang="en-US" dirty="0" smtClean="0"/>
-              <a:t>新た</a:t>
-            </a:r>
-            <a:r>
-              <a:rPr lang="ja-JP" altLang="en-US" dirty="0" smtClean="0"/>
-              <a:t>なマルチタスクテスト問題を提案する．</a:t>
+              <a:t>な新たなマルチタスクテスト問題を提案する．</a:t>
             </a:r>
             <a:endParaRPr lang="en-US" altLang="ja-JP" dirty="0" smtClean="0"/>
           </a:p>
@@ -22530,23 +22601,7 @@
                   <a:schemeClr val="accent1"/>
                 </a:solidFill>
               </a:rPr>
-              <a:t>多目的</a:t>
-            </a:r>
-            <a:r>
-              <a:rPr kumimoji="1" lang="ja-JP" altLang="en-US" b="1" dirty="0" smtClean="0">
-                <a:solidFill>
-                  <a:schemeClr val="accent1"/>
-                </a:solidFill>
-              </a:rPr>
-              <a:t>ナップサック</a:t>
-            </a:r>
-            <a:r>
-              <a:rPr kumimoji="1" lang="ja-JP" altLang="en-US" b="1" dirty="0" smtClean="0">
-                <a:solidFill>
-                  <a:schemeClr val="accent1"/>
-                </a:solidFill>
-              </a:rPr>
-              <a:t>問題</a:t>
+              <a:t>多目的ナップサック問題</a:t>
             </a:r>
             <a:r>
               <a:rPr lang="ja-JP" altLang="en-US" dirty="0" smtClean="0"/>
@@ -22573,26 +22628,30 @@
             </a:r>
             <a:r>
               <a:rPr lang="ja-JP" altLang="en-US" dirty="0" smtClean="0"/>
-              <a:t>する</a:t>
-            </a:r>
-            <a:r>
-              <a:rPr lang="ja-JP" altLang="en-US" dirty="0" smtClean="0"/>
-              <a:t>．</a:t>
+              <a:t>する．</a:t>
             </a:r>
             <a:endParaRPr lang="en-US" altLang="ja-JP" dirty="0" smtClean="0"/>
           </a:p>
           <a:p>
             <a:r>
-              <a:rPr kumimoji="1" lang="ja-JP" altLang="en-US" dirty="0" smtClean="0"/>
+              <a:rPr lang="ja-JP" altLang="en-US" dirty="0"/>
               <a:t>タスク</a:t>
             </a:r>
             <a:r>
-              <a:rPr kumimoji="1" lang="ja-JP" altLang="en-US" dirty="0"/>
-              <a:t>間</a:t>
-            </a:r>
-            <a:r>
-              <a:rPr kumimoji="1" lang="ja-JP" altLang="en-US" dirty="0" smtClean="0"/>
-              <a:t>の関係性に明瞭な意味を持たせる．</a:t>
+              <a:rPr lang="en-US" altLang="ja-JP" dirty="0" smtClean="0"/>
+              <a:t>1</a:t>
+            </a:r>
+            <a:r>
+              <a:rPr lang="ja-JP" altLang="en-US" dirty="0" smtClean="0"/>
+              <a:t>に変更を加えた問題をタスク</a:t>
+            </a:r>
+            <a:r>
+              <a:rPr lang="en-US" altLang="ja-JP" dirty="0" smtClean="0"/>
+              <a:t>2</a:t>
+            </a:r>
+            <a:r>
+              <a:rPr lang="ja-JP" altLang="en-US" dirty="0" smtClean="0"/>
+              <a:t>に設定する．</a:t>
             </a:r>
             <a:endParaRPr kumimoji="1" lang="en-US" altLang="ja-JP" dirty="0" smtClean="0"/>
           </a:p>

--- a/abstract/Slides/20200217_urita_graduation_v3.pptx
+++ b/abstract/Slides/20200217_urita_graduation_v3.pptx
@@ -5,7 +5,7 @@
     <p:sldMasterId id="2147483666" r:id="rId1"/>
   </p:sldMasterIdLst>
   <p:notesMasterIdLst>
-    <p:notesMasterId r:id="rId29"/>
+    <p:notesMasterId r:id="rId30"/>
   </p:notesMasterIdLst>
   <p:sldIdLst>
     <p:sldId id="256" r:id="rId2"/>
@@ -32,9 +32,10 @@
     <p:sldId id="311" r:id="rId23"/>
     <p:sldId id="299" r:id="rId24"/>
     <p:sldId id="265" r:id="rId25"/>
-    <p:sldId id="274" r:id="rId26"/>
-    <p:sldId id="262" r:id="rId27"/>
-    <p:sldId id="283" r:id="rId28"/>
+    <p:sldId id="316" r:id="rId26"/>
+    <p:sldId id="274" r:id="rId27"/>
+    <p:sldId id="262" r:id="rId28"/>
+    <p:sldId id="283" r:id="rId29"/>
   </p:sldIdLst>
   <p:sldSz cx="9144000" cy="6858000" type="screen4x3"/>
   <p:notesSz cx="6858000" cy="9144000"/>
@@ -235,7 +236,7 @@
           <a:p>
             <a:fld id="{A327171E-D003-4928-A895-08BB84F8FF99}" type="datetimeFigureOut">
               <a:rPr kumimoji="1" lang="ja-JP" altLang="en-US" smtClean="0"/>
-              <a:t>2020/2/17</a:t>
+              <a:t>2020/2/18</a:t>
             </a:fld>
             <a:endParaRPr kumimoji="1" lang="ja-JP" altLang="en-US"/>
           </a:p>
@@ -2949,7 +2950,11 @@
           <a:p>
             <a:r>
               <a:rPr kumimoji="1" lang="ja-JP" altLang="en-US" dirty="0" smtClean="0"/>
-              <a:t>提案するテスト問題</a:t>
+              <a:t>提案</a:t>
+            </a:r>
+            <a:r>
+              <a:rPr kumimoji="1" lang="ja-JP" altLang="en-US" dirty="0" smtClean="0"/>
+              <a:t>するベンチマーク問題</a:t>
             </a:r>
             <a:endParaRPr kumimoji="1" lang="ja-JP" altLang="en-US" dirty="0"/>
           </a:p>
@@ -2972,11 +2977,7 @@
           <a:p>
             <a:r>
               <a:rPr lang="ja-JP" altLang="en-US" dirty="0" smtClean="0"/>
-              <a:t>異なる多目的ナップサック問題を各タスクと</a:t>
-            </a:r>
-            <a:r>
-              <a:rPr lang="ja-JP" altLang="en-US" dirty="0" smtClean="0"/>
-              <a:t>した，</a:t>
+              <a:t>異なる多目的ナップサック問題を各タスクとした，</a:t>
             </a:r>
             <a:r>
               <a:rPr lang="en-US" altLang="ja-JP" dirty="0" smtClean="0"/>
@@ -2987,7 +2988,11 @@
             </a:br>
             <a:r>
               <a:rPr lang="ja-JP" altLang="en-US" dirty="0" smtClean="0"/>
-              <a:t>テスト問題を作成する</a:t>
+              <a:t>ベンチマーク問題を</a:t>
+            </a:r>
+            <a:r>
+              <a:rPr lang="ja-JP" altLang="en-US" dirty="0" smtClean="0"/>
+              <a:t>作成する</a:t>
             </a:r>
             <a:r>
               <a:rPr lang="ja-JP" altLang="en-US" dirty="0"/>
@@ -3600,7 +3605,11 @@
           <a:p>
             <a:r>
               <a:rPr kumimoji="1" lang="ja-JP" altLang="en-US" dirty="0" smtClean="0"/>
-              <a:t>提案するテスト問題</a:t>
+              <a:t>提案</a:t>
+            </a:r>
+            <a:r>
+              <a:rPr kumimoji="1" lang="ja-JP" altLang="en-US" dirty="0" smtClean="0"/>
+              <a:t>するベンチマーク問題</a:t>
             </a:r>
             <a:endParaRPr kumimoji="1" lang="ja-JP" altLang="en-US" dirty="0"/>
           </a:p>
@@ -3637,8 +3646,12 @@
               <a:rPr lang="en-US" altLang="ja-JP" dirty="0"/>
             </a:br>
             <a:r>
+              <a:rPr lang="ja-JP" altLang="en-US" dirty="0" smtClean="0"/>
+              <a:t>ベンチマーク問題を</a:t>
+            </a:r>
+            <a:r>
               <a:rPr lang="ja-JP" altLang="en-US" dirty="0"/>
-              <a:t>テスト問題を作成する．</a:t>
+              <a:t>作成する．</a:t>
             </a:r>
             <a:endParaRPr lang="en-US" altLang="ja-JP" dirty="0"/>
           </a:p>
@@ -3687,8 +3700,12 @@
               <a:rPr lang="en-US" altLang="ja-JP" dirty="0"/>
             </a:br>
             <a:r>
+              <a:rPr lang="ja-JP" altLang="en-US" dirty="0" smtClean="0"/>
+              <a:t>ベンチマーク問題を</a:t>
+            </a:r>
+            <a:r>
               <a:rPr lang="ja-JP" altLang="en-US" dirty="0"/>
-              <a:t>テスト問題を提案する</a:t>
+              <a:t>提案する</a:t>
             </a:r>
             <a:r>
               <a:rPr lang="ja-JP" altLang="en-US" dirty="0" smtClean="0"/>
@@ -3697,7 +3714,7 @@
             <a:endParaRPr lang="en-US" altLang="ja-JP" dirty="0" smtClean="0"/>
           </a:p>
           <a:p>
-            <a:pPr marL="514350" indent="-514350">
+            <a:pPr marL="444500" indent="-444500">
               <a:buFont typeface="+mj-lt"/>
               <a:buAutoNum type="arabicPeriod"/>
             </a:pPr>
@@ -3731,7 +3748,15 @@
             </a:r>
             <a:r>
               <a:rPr lang="ja-JP" altLang="en-US" dirty="0" smtClean="0"/>
-              <a:t>のナップサックの容量を変更してタスク</a:t>
+              <a:t>のナップサックの</a:t>
+            </a:r>
+            <a:r>
+              <a:rPr lang="ja-JP" altLang="en-US" b="1" u="sng" dirty="0" smtClean="0"/>
+              <a:t>容量を変更</a:t>
+            </a:r>
+            <a:r>
+              <a:rPr lang="ja-JP" altLang="en-US" dirty="0" smtClean="0"/>
+              <a:t>してタスク</a:t>
             </a:r>
             <a:r>
               <a:rPr lang="en-US" altLang="ja-JP" dirty="0" smtClean="0"/>
@@ -3744,7 +3769,7 @@
             <a:endParaRPr lang="en-US" altLang="ja-JP" dirty="0" smtClean="0"/>
           </a:p>
           <a:p>
-            <a:pPr marL="457200" indent="-457200">
+            <a:pPr marL="444500" indent="-444500">
               <a:buFont typeface="+mj-lt"/>
               <a:buAutoNum type="arabicPeriod"/>
             </a:pPr>
@@ -3770,7 +3795,15 @@
             </a:r>
             <a:r>
               <a:rPr lang="ja-JP" altLang="en-US" dirty="0" smtClean="0"/>
-              <a:t>の一部のアイテムの価値を変更してタスク</a:t>
+              <a:t>の一部のアイテムの</a:t>
+            </a:r>
+            <a:r>
+              <a:rPr lang="ja-JP" altLang="en-US" b="1" u="sng" dirty="0" smtClean="0"/>
+              <a:t>価値を変更</a:t>
+            </a:r>
+            <a:r>
+              <a:rPr lang="ja-JP" altLang="en-US" dirty="0" smtClean="0"/>
+              <a:t>してタスク</a:t>
             </a:r>
             <a:r>
               <a:rPr lang="en-US" altLang="ja-JP" dirty="0" smtClean="0"/>
@@ -4048,7 +4081,11 @@
           <a:p>
             <a:r>
               <a:rPr kumimoji="1" lang="ja-JP" altLang="en-US" dirty="0" smtClean="0"/>
-              <a:t>提案するテスト問題</a:t>
+              <a:t>提案</a:t>
+            </a:r>
+            <a:r>
+              <a:rPr kumimoji="1" lang="ja-JP" altLang="en-US" dirty="0" smtClean="0"/>
+              <a:t>するベンチマーク問題</a:t>
             </a:r>
             <a:endParaRPr kumimoji="1" lang="ja-JP" altLang="en-US" dirty="0"/>
           </a:p>
@@ -4731,7 +4768,11 @@
           <a:p>
             <a:r>
               <a:rPr kumimoji="1" lang="ja-JP" altLang="en-US" dirty="0" smtClean="0"/>
-              <a:t>提案するテスト問題</a:t>
+              <a:t>提案</a:t>
+            </a:r>
+            <a:r>
+              <a:rPr kumimoji="1" lang="ja-JP" altLang="en-US" dirty="0" smtClean="0"/>
+              <a:t>するベンチマーク問題</a:t>
             </a:r>
             <a:endParaRPr kumimoji="1" lang="ja-JP" altLang="en-US" dirty="0"/>
           </a:p>
@@ -4857,15 +4898,19 @@
           <a:p>
             <a:r>
               <a:rPr lang="ja-JP" altLang="en-US" dirty="0"/>
-              <a:t>タスク間で</a:t>
-            </a:r>
-            <a:r>
-              <a:rPr lang="ja-JP" altLang="en-US" b="1" dirty="0">
+              <a:t>タスク間</a:t>
+            </a:r>
+            <a:r>
+              <a:rPr lang="ja-JP" altLang="en-US" dirty="0" smtClean="0"/>
+              <a:t>で</a:t>
+            </a:r>
+            <a:r>
+              <a:rPr lang="ja-JP" altLang="en-US" b="1" dirty="0" smtClean="0">
                 <a:solidFill>
                   <a:schemeClr val="accent1"/>
                 </a:solidFill>
               </a:rPr>
-              <a:t>共通部分</a:t>
+              <a:t>共有する部分</a:t>
             </a:r>
             <a:r>
               <a:rPr lang="ja-JP" altLang="en-US" dirty="0"/>
@@ -4949,13 +4994,13 @@
           <p:nvPr>
             <p:extLst>
               <p:ext uri="{D42A27DB-BD31-4B8C-83A1-F6EECF244321}">
-                <p14:modId xmlns:p14="http://schemas.microsoft.com/office/powerpoint/2010/main" val="401023722"/>
+                <p14:modId xmlns:p14="http://schemas.microsoft.com/office/powerpoint/2010/main" val="1351550780"/>
               </p:ext>
             </p:extLst>
           </p:nvPr>
         </p:nvGraphicFramePr>
         <p:xfrm>
-          <a:off x="819900" y="4573229"/>
+          <a:off x="819900" y="4344629"/>
           <a:ext cx="2880360" cy="518160"/>
         </p:xfrm>
         <a:graphic>
@@ -4968,35 +5013,35 @@
                 <a:gridCol w="576072">
                   <a:extLst>
                     <a:ext uri="{9D8B030D-6E8A-4147-A177-3AD203B41FA5}">
-                      <a16:colId xmlns:a16="http://schemas.microsoft.com/office/drawing/2014/main" val="1322717240"/>
+                      <a16:colId xmlns:a16="http://schemas.microsoft.com/office/drawing/2014/main" xmlns="" val="1322717240"/>
                     </a:ext>
                   </a:extLst>
                 </a:gridCol>
                 <a:gridCol w="576072">
                   <a:extLst>
                     <a:ext uri="{9D8B030D-6E8A-4147-A177-3AD203B41FA5}">
-                      <a16:colId xmlns:a16="http://schemas.microsoft.com/office/drawing/2014/main" val="4013610060"/>
+                      <a16:colId xmlns:a16="http://schemas.microsoft.com/office/drawing/2014/main" xmlns="" val="4013610060"/>
                     </a:ext>
                   </a:extLst>
                 </a:gridCol>
                 <a:gridCol w="576072">
                   <a:extLst>
                     <a:ext uri="{9D8B030D-6E8A-4147-A177-3AD203B41FA5}">
-                      <a16:colId xmlns:a16="http://schemas.microsoft.com/office/drawing/2014/main" val="4120775698"/>
+                      <a16:colId xmlns:a16="http://schemas.microsoft.com/office/drawing/2014/main" xmlns="" val="4120775698"/>
                     </a:ext>
                   </a:extLst>
                 </a:gridCol>
                 <a:gridCol w="576072">
                   <a:extLst>
                     <a:ext uri="{9D8B030D-6E8A-4147-A177-3AD203B41FA5}">
-                      <a16:colId xmlns:a16="http://schemas.microsoft.com/office/drawing/2014/main" val="2398927270"/>
+                      <a16:colId xmlns:a16="http://schemas.microsoft.com/office/drawing/2014/main" xmlns="" val="2398927270"/>
                     </a:ext>
                   </a:extLst>
                 </a:gridCol>
                 <a:gridCol w="576072">
                   <a:extLst>
                     <a:ext uri="{9D8B030D-6E8A-4147-A177-3AD203B41FA5}">
-                      <a16:colId xmlns:a16="http://schemas.microsoft.com/office/drawing/2014/main" val="578282490"/>
+                      <a16:colId xmlns:a16="http://schemas.microsoft.com/office/drawing/2014/main" xmlns="" val="578282490"/>
                     </a:ext>
                   </a:extLst>
                 </a:gridCol>
@@ -5309,7 +5354,7 @@
                 </a:tc>
                 <a:extLst>
                   <a:ext uri="{0D108BD9-81ED-4DB2-BD59-A6C34878D82A}">
-                    <a16:rowId xmlns:a16="http://schemas.microsoft.com/office/drawing/2014/main" val="544127792"/>
+                    <a16:rowId xmlns:a16="http://schemas.microsoft.com/office/drawing/2014/main" xmlns="" val="544127792"/>
                   </a:ext>
                 </a:extLst>
               </a:tr>
@@ -5326,13 +5371,13 @@
           <p:nvPr>
             <p:extLst>
               <p:ext uri="{D42A27DB-BD31-4B8C-83A1-F6EECF244321}">
-                <p14:modId xmlns:p14="http://schemas.microsoft.com/office/powerpoint/2010/main" val="813105237"/>
+                <p14:modId xmlns:p14="http://schemas.microsoft.com/office/powerpoint/2010/main" val="2528815697"/>
               </p:ext>
             </p:extLst>
           </p:nvPr>
         </p:nvGraphicFramePr>
         <p:xfrm>
-          <a:off x="819900" y="5886670"/>
+          <a:off x="819900" y="5594570"/>
           <a:ext cx="2880000" cy="518160"/>
         </p:xfrm>
         <a:graphic>
@@ -5345,35 +5390,35 @@
                 <a:gridCol w="576000">
                   <a:extLst>
                     <a:ext uri="{9D8B030D-6E8A-4147-A177-3AD203B41FA5}">
-                      <a16:colId xmlns:a16="http://schemas.microsoft.com/office/drawing/2014/main" val="1322717240"/>
+                      <a16:colId xmlns:a16="http://schemas.microsoft.com/office/drawing/2014/main" xmlns="" val="1322717240"/>
                     </a:ext>
                   </a:extLst>
                 </a:gridCol>
                 <a:gridCol w="576000">
                   <a:extLst>
                     <a:ext uri="{9D8B030D-6E8A-4147-A177-3AD203B41FA5}">
-                      <a16:colId xmlns:a16="http://schemas.microsoft.com/office/drawing/2014/main" val="4013610060"/>
+                      <a16:colId xmlns:a16="http://schemas.microsoft.com/office/drawing/2014/main" xmlns="" val="4013610060"/>
                     </a:ext>
                   </a:extLst>
                 </a:gridCol>
                 <a:gridCol w="576000">
                   <a:extLst>
                     <a:ext uri="{9D8B030D-6E8A-4147-A177-3AD203B41FA5}">
-                      <a16:colId xmlns:a16="http://schemas.microsoft.com/office/drawing/2014/main" val="4120775698"/>
+                      <a16:colId xmlns:a16="http://schemas.microsoft.com/office/drawing/2014/main" xmlns="" val="4120775698"/>
                     </a:ext>
                   </a:extLst>
                 </a:gridCol>
                 <a:gridCol w="576000">
                   <a:extLst>
                     <a:ext uri="{9D8B030D-6E8A-4147-A177-3AD203B41FA5}">
-                      <a16:colId xmlns:a16="http://schemas.microsoft.com/office/drawing/2014/main" val="2398927270"/>
+                      <a16:colId xmlns:a16="http://schemas.microsoft.com/office/drawing/2014/main" xmlns="" val="2398927270"/>
                     </a:ext>
                   </a:extLst>
                 </a:gridCol>
                 <a:gridCol w="576000">
                   <a:extLst>
                     <a:ext uri="{9D8B030D-6E8A-4147-A177-3AD203B41FA5}">
-                      <a16:colId xmlns:a16="http://schemas.microsoft.com/office/drawing/2014/main" val="578282490"/>
+                      <a16:colId xmlns:a16="http://schemas.microsoft.com/office/drawing/2014/main" xmlns="" val="578282490"/>
                     </a:ext>
                   </a:extLst>
                 </a:gridCol>
@@ -5686,7 +5731,7 @@
                 </a:tc>
                 <a:extLst>
                   <a:ext uri="{0D108BD9-81ED-4DB2-BD59-A6C34878D82A}">
-                    <a16:rowId xmlns:a16="http://schemas.microsoft.com/office/drawing/2014/main" val="544127792"/>
+                    <a16:rowId xmlns:a16="http://schemas.microsoft.com/office/drawing/2014/main" xmlns="" val="544127792"/>
                   </a:ext>
                 </a:extLst>
               </a:tr>
@@ -5703,13 +5748,13 @@
           <p:nvPr>
             <p:extLst>
               <p:ext uri="{D42A27DB-BD31-4B8C-83A1-F6EECF244321}">
-                <p14:modId xmlns:p14="http://schemas.microsoft.com/office/powerpoint/2010/main" val="2612414002"/>
+                <p14:modId xmlns:p14="http://schemas.microsoft.com/office/powerpoint/2010/main" val="3318206873"/>
               </p:ext>
             </p:extLst>
           </p:nvPr>
         </p:nvGraphicFramePr>
         <p:xfrm>
-          <a:off x="5453117" y="4573229"/>
+          <a:off x="5453117" y="4344629"/>
           <a:ext cx="2880360" cy="518160"/>
         </p:xfrm>
         <a:graphic>
@@ -5722,35 +5767,35 @@
                 <a:gridCol w="576072">
                   <a:extLst>
                     <a:ext uri="{9D8B030D-6E8A-4147-A177-3AD203B41FA5}">
-                      <a16:colId xmlns:a16="http://schemas.microsoft.com/office/drawing/2014/main" val="1322717240"/>
+                      <a16:colId xmlns:a16="http://schemas.microsoft.com/office/drawing/2014/main" xmlns="" val="1322717240"/>
                     </a:ext>
                   </a:extLst>
                 </a:gridCol>
                 <a:gridCol w="576072">
                   <a:extLst>
                     <a:ext uri="{9D8B030D-6E8A-4147-A177-3AD203B41FA5}">
-                      <a16:colId xmlns:a16="http://schemas.microsoft.com/office/drawing/2014/main" val="4013610060"/>
+                      <a16:colId xmlns:a16="http://schemas.microsoft.com/office/drawing/2014/main" xmlns="" val="4013610060"/>
                     </a:ext>
                   </a:extLst>
                 </a:gridCol>
                 <a:gridCol w="576072">
                   <a:extLst>
                     <a:ext uri="{9D8B030D-6E8A-4147-A177-3AD203B41FA5}">
-                      <a16:colId xmlns:a16="http://schemas.microsoft.com/office/drawing/2014/main" val="4120775698"/>
+                      <a16:colId xmlns:a16="http://schemas.microsoft.com/office/drawing/2014/main" xmlns="" val="4120775698"/>
                     </a:ext>
                   </a:extLst>
                 </a:gridCol>
                 <a:gridCol w="576072">
                   <a:extLst>
                     <a:ext uri="{9D8B030D-6E8A-4147-A177-3AD203B41FA5}">
-                      <a16:colId xmlns:a16="http://schemas.microsoft.com/office/drawing/2014/main" val="2398927270"/>
+                      <a16:colId xmlns:a16="http://schemas.microsoft.com/office/drawing/2014/main" xmlns="" val="2398927270"/>
                     </a:ext>
                   </a:extLst>
                 </a:gridCol>
                 <a:gridCol w="576072">
                   <a:extLst>
                     <a:ext uri="{9D8B030D-6E8A-4147-A177-3AD203B41FA5}">
-                      <a16:colId xmlns:a16="http://schemas.microsoft.com/office/drawing/2014/main" val="578282490"/>
+                      <a16:colId xmlns:a16="http://schemas.microsoft.com/office/drawing/2014/main" xmlns="" val="578282490"/>
                     </a:ext>
                   </a:extLst>
                 </a:gridCol>
@@ -6063,7 +6108,7 @@
                 </a:tc>
                 <a:extLst>
                   <a:ext uri="{0D108BD9-81ED-4DB2-BD59-A6C34878D82A}">
-                    <a16:rowId xmlns:a16="http://schemas.microsoft.com/office/drawing/2014/main" val="544127792"/>
+                    <a16:rowId xmlns:a16="http://schemas.microsoft.com/office/drawing/2014/main" xmlns="" val="544127792"/>
                   </a:ext>
                 </a:extLst>
               </a:tr>
@@ -6080,13 +6125,13 @@
           <p:nvPr>
             <p:extLst>
               <p:ext uri="{D42A27DB-BD31-4B8C-83A1-F6EECF244321}">
-                <p14:modId xmlns:p14="http://schemas.microsoft.com/office/powerpoint/2010/main" val="45259365"/>
+                <p14:modId xmlns:p14="http://schemas.microsoft.com/office/powerpoint/2010/main" val="2471744534"/>
               </p:ext>
             </p:extLst>
           </p:nvPr>
         </p:nvGraphicFramePr>
         <p:xfrm>
-          <a:off x="5453117" y="5886670"/>
+          <a:off x="5453117" y="5594570"/>
           <a:ext cx="2880000" cy="518160"/>
         </p:xfrm>
         <a:graphic>
@@ -6099,35 +6144,35 @@
                 <a:gridCol w="576000">
                   <a:extLst>
                     <a:ext uri="{9D8B030D-6E8A-4147-A177-3AD203B41FA5}">
-                      <a16:colId xmlns:a16="http://schemas.microsoft.com/office/drawing/2014/main" val="1322717240"/>
+                      <a16:colId xmlns:a16="http://schemas.microsoft.com/office/drawing/2014/main" xmlns="" val="1322717240"/>
                     </a:ext>
                   </a:extLst>
                 </a:gridCol>
                 <a:gridCol w="576000">
                   <a:extLst>
                     <a:ext uri="{9D8B030D-6E8A-4147-A177-3AD203B41FA5}">
-                      <a16:colId xmlns:a16="http://schemas.microsoft.com/office/drawing/2014/main" val="4013610060"/>
+                      <a16:colId xmlns:a16="http://schemas.microsoft.com/office/drawing/2014/main" xmlns="" val="4013610060"/>
                     </a:ext>
                   </a:extLst>
                 </a:gridCol>
                 <a:gridCol w="576000">
                   <a:extLst>
                     <a:ext uri="{9D8B030D-6E8A-4147-A177-3AD203B41FA5}">
-                      <a16:colId xmlns:a16="http://schemas.microsoft.com/office/drawing/2014/main" val="4120775698"/>
+                      <a16:colId xmlns:a16="http://schemas.microsoft.com/office/drawing/2014/main" xmlns="" val="4120775698"/>
                     </a:ext>
                   </a:extLst>
                 </a:gridCol>
                 <a:gridCol w="576000">
                   <a:extLst>
                     <a:ext uri="{9D8B030D-6E8A-4147-A177-3AD203B41FA5}">
-                      <a16:colId xmlns:a16="http://schemas.microsoft.com/office/drawing/2014/main" val="2398927270"/>
+                      <a16:colId xmlns:a16="http://schemas.microsoft.com/office/drawing/2014/main" xmlns="" val="2398927270"/>
                     </a:ext>
                   </a:extLst>
                 </a:gridCol>
                 <a:gridCol w="576000">
                   <a:extLst>
                     <a:ext uri="{9D8B030D-6E8A-4147-A177-3AD203B41FA5}">
-                      <a16:colId xmlns:a16="http://schemas.microsoft.com/office/drawing/2014/main" val="578282490"/>
+                      <a16:colId xmlns:a16="http://schemas.microsoft.com/office/drawing/2014/main" xmlns="" val="578282490"/>
                     </a:ext>
                   </a:extLst>
                 </a:gridCol>
@@ -6440,7 +6485,7 @@
                 </a:tc>
                 <a:extLst>
                   <a:ext uri="{0D108BD9-81ED-4DB2-BD59-A6C34878D82A}">
-                    <a16:rowId xmlns:a16="http://schemas.microsoft.com/office/drawing/2014/main" val="544127792"/>
+                    <a16:rowId xmlns:a16="http://schemas.microsoft.com/office/drawing/2014/main" xmlns="" val="544127792"/>
                   </a:ext>
                 </a:extLst>
               </a:tr>
@@ -6456,10 +6501,10 @@
         </p:nvGrpSpPr>
         <p:grpSpPr>
           <a:xfrm>
-            <a:off x="3775104" y="4008253"/>
-            <a:ext cx="1603169" cy="1011026"/>
+            <a:off x="3775104" y="3843153"/>
+            <a:ext cx="1603169" cy="947526"/>
             <a:chOff x="3909318" y="3180445"/>
-            <a:chExt cx="1603169" cy="1011026"/>
+            <a:chExt cx="1603169" cy="947526"/>
           </a:xfrm>
         </p:grpSpPr>
         <p:sp>
@@ -6470,7 +6515,7 @@
           </p:nvSpPr>
           <p:spPr>
             <a:xfrm>
-              <a:off x="4286677" y="3817531"/>
+              <a:off x="4286677" y="3754031"/>
               <a:ext cx="848450" cy="373940"/>
             </a:xfrm>
             <a:prstGeom prst="rightArrow">
@@ -6553,10 +6598,10 @@
         </p:nvGrpSpPr>
         <p:grpSpPr>
           <a:xfrm>
-            <a:off x="3760888" y="5309047"/>
-            <a:ext cx="1631601" cy="1011026"/>
+            <a:off x="3760888" y="5080447"/>
+            <a:ext cx="1631601" cy="947526"/>
             <a:chOff x="3880886" y="3180445"/>
-            <a:chExt cx="1631601" cy="1011026"/>
+            <a:chExt cx="1631601" cy="947526"/>
           </a:xfrm>
         </p:grpSpPr>
         <p:sp>
@@ -6567,7 +6612,7 @@
           </p:nvSpPr>
           <p:spPr>
             <a:xfrm>
-              <a:off x="4272461" y="3817531"/>
+              <a:off x="4272461" y="3754031"/>
               <a:ext cx="848450" cy="373940"/>
             </a:xfrm>
             <a:prstGeom prst="rightArrow">
@@ -6662,7 +6707,7 @@
         </p:nvSpPr>
         <p:spPr>
           <a:xfrm>
-            <a:off x="314893" y="4072737"/>
+            <a:off x="314893" y="3844137"/>
             <a:ext cx="3075309" cy="461665"/>
           </a:xfrm>
           <a:prstGeom prst="rect">
@@ -6705,7 +6750,7 @@
         </p:nvSpPr>
         <p:spPr>
           <a:xfrm>
-            <a:off x="314893" y="5366555"/>
+            <a:off x="314893" y="5074455"/>
             <a:ext cx="3075309" cy="461665"/>
           </a:xfrm>
           <a:prstGeom prst="rect">
@@ -6817,6 +6862,63 @@
               <a:t>2</a:t>
             </a:r>
             <a:endParaRPr kumimoji="1" lang="ja-JP" altLang="en-US" sz="3200" dirty="0" smtClean="0"/>
+          </a:p>
+        </p:txBody>
+      </p:sp>
+      <p:sp>
+        <p:nvSpPr>
+          <p:cNvPr id="3" name="テキスト ボックス 2"/>
+          <p:cNvSpPr txBox="1"/>
+          <p:nvPr/>
+        </p:nvSpPr>
+        <p:spPr>
+          <a:xfrm>
+            <a:off x="6029516" y="6233961"/>
+            <a:ext cx="2885884" cy="461665"/>
+          </a:xfrm>
+          <a:prstGeom prst="rect">
+            <a:avLst/>
+          </a:prstGeom>
+          <a:noFill/>
+          <a:ln w="19050">
+            <a:solidFill>
+              <a:schemeClr val="tx1"/>
+            </a:solidFill>
+            <a:prstDash val="sysDash"/>
+          </a:ln>
+        </p:spPr>
+        <p:txBody>
+          <a:bodyPr wrap="square" rtlCol="0">
+            <a:spAutoFit/>
+          </a:bodyPr>
+          <a:lstStyle/>
+          <a:p>
+            <a:pPr algn="ctr"/>
+            <a:r>
+              <a:rPr kumimoji="1" lang="ja-JP" altLang="en-US" sz="2400" dirty="0" smtClean="0"/>
+              <a:t>価値</a:t>
+            </a:r>
+            <a:r>
+              <a:rPr lang="ja-JP" altLang="en-US" sz="2400" dirty="0"/>
+              <a:t>が</a:t>
+            </a:r>
+            <a:r>
+              <a:rPr lang="en-US" altLang="ja-JP" sz="2400" dirty="0" smtClean="0"/>
+              <a:t>[1</a:t>
+            </a:r>
+            <a:r>
+              <a:rPr lang="ja-JP" altLang="en-US" sz="2400" dirty="0" smtClean="0"/>
+              <a:t>～</a:t>
+            </a:r>
+            <a:r>
+              <a:rPr lang="en-US" altLang="ja-JP" sz="2400" dirty="0" smtClean="0"/>
+              <a:t>5]</a:t>
+            </a:r>
+            <a:r>
+              <a:rPr lang="ja-JP" altLang="en-US" sz="2400" dirty="0" smtClean="0"/>
+              <a:t>の場合</a:t>
+            </a:r>
+            <a:endParaRPr lang="en-US" altLang="ja-JP" sz="2400" dirty="0" smtClean="0"/>
           </a:p>
         </p:txBody>
       </p:sp>
@@ -7189,42 +7291,42 @@
                 <a:gridCol w="411480">
                   <a:extLst>
                     <a:ext uri="{9D8B030D-6E8A-4147-A177-3AD203B41FA5}">
-                      <a16:colId xmlns:a16="http://schemas.microsoft.com/office/drawing/2014/main" val="1322717240"/>
+                      <a16:colId xmlns:a16="http://schemas.microsoft.com/office/drawing/2014/main" xmlns="" val="1322717240"/>
                     </a:ext>
                   </a:extLst>
                 </a:gridCol>
                 <a:gridCol w="411480">
                   <a:extLst>
                     <a:ext uri="{9D8B030D-6E8A-4147-A177-3AD203B41FA5}">
-                      <a16:colId xmlns:a16="http://schemas.microsoft.com/office/drawing/2014/main" val="4013610060"/>
+                      <a16:colId xmlns:a16="http://schemas.microsoft.com/office/drawing/2014/main" xmlns="" val="4013610060"/>
                     </a:ext>
                   </a:extLst>
                 </a:gridCol>
                 <a:gridCol w="411480">
                   <a:extLst>
                     <a:ext uri="{9D8B030D-6E8A-4147-A177-3AD203B41FA5}">
-                      <a16:colId xmlns:a16="http://schemas.microsoft.com/office/drawing/2014/main" val="4120775698"/>
+                      <a16:colId xmlns:a16="http://schemas.microsoft.com/office/drawing/2014/main" xmlns="" val="4120775698"/>
                     </a:ext>
                   </a:extLst>
                 </a:gridCol>
                 <a:gridCol w="411480">
                   <a:extLst>
                     <a:ext uri="{9D8B030D-6E8A-4147-A177-3AD203B41FA5}">
-                      <a16:colId xmlns:a16="http://schemas.microsoft.com/office/drawing/2014/main" val="2398927270"/>
+                      <a16:colId xmlns:a16="http://schemas.microsoft.com/office/drawing/2014/main" xmlns="" val="2398927270"/>
                     </a:ext>
                   </a:extLst>
                 </a:gridCol>
                 <a:gridCol w="411480">
                   <a:extLst>
                     <a:ext uri="{9D8B030D-6E8A-4147-A177-3AD203B41FA5}">
-                      <a16:colId xmlns:a16="http://schemas.microsoft.com/office/drawing/2014/main" val="20004"/>
+                      <a16:colId xmlns:a16="http://schemas.microsoft.com/office/drawing/2014/main" xmlns="" val="20004"/>
                     </a:ext>
                   </a:extLst>
                 </a:gridCol>
                 <a:gridCol w="411480">
                   <a:extLst>
                     <a:ext uri="{9D8B030D-6E8A-4147-A177-3AD203B41FA5}">
-                      <a16:colId xmlns:a16="http://schemas.microsoft.com/office/drawing/2014/main" val="20005"/>
+                      <a16:colId xmlns:a16="http://schemas.microsoft.com/office/drawing/2014/main" xmlns="" val="20005"/>
                     </a:ext>
                   </a:extLst>
                 </a:gridCol>
@@ -7598,7 +7700,7 @@
                 </a:tc>
                 <a:extLst>
                   <a:ext uri="{0D108BD9-81ED-4DB2-BD59-A6C34878D82A}">
-                    <a16:rowId xmlns:a16="http://schemas.microsoft.com/office/drawing/2014/main" val="544127792"/>
+                    <a16:rowId xmlns:a16="http://schemas.microsoft.com/office/drawing/2014/main" xmlns="" val="544127792"/>
                   </a:ext>
                 </a:extLst>
               </a:tr>
@@ -7720,42 +7822,42 @@
                 <a:gridCol w="411480">
                   <a:extLst>
                     <a:ext uri="{9D8B030D-6E8A-4147-A177-3AD203B41FA5}">
-                      <a16:colId xmlns:a16="http://schemas.microsoft.com/office/drawing/2014/main" val="1322717240"/>
+                      <a16:colId xmlns:a16="http://schemas.microsoft.com/office/drawing/2014/main" xmlns="" val="1322717240"/>
                     </a:ext>
                   </a:extLst>
                 </a:gridCol>
                 <a:gridCol w="411480">
                   <a:extLst>
                     <a:ext uri="{9D8B030D-6E8A-4147-A177-3AD203B41FA5}">
-                      <a16:colId xmlns:a16="http://schemas.microsoft.com/office/drawing/2014/main" val="4013610060"/>
+                      <a16:colId xmlns:a16="http://schemas.microsoft.com/office/drawing/2014/main" xmlns="" val="4013610060"/>
                     </a:ext>
                   </a:extLst>
                 </a:gridCol>
                 <a:gridCol w="411480">
                   <a:extLst>
                     <a:ext uri="{9D8B030D-6E8A-4147-A177-3AD203B41FA5}">
-                      <a16:colId xmlns:a16="http://schemas.microsoft.com/office/drawing/2014/main" val="4120775698"/>
+                      <a16:colId xmlns:a16="http://schemas.microsoft.com/office/drawing/2014/main" xmlns="" val="4120775698"/>
                     </a:ext>
                   </a:extLst>
                 </a:gridCol>
                 <a:gridCol w="411480">
                   <a:extLst>
                     <a:ext uri="{9D8B030D-6E8A-4147-A177-3AD203B41FA5}">
-                      <a16:colId xmlns:a16="http://schemas.microsoft.com/office/drawing/2014/main" val="2398927270"/>
+                      <a16:colId xmlns:a16="http://schemas.microsoft.com/office/drawing/2014/main" xmlns="" val="2398927270"/>
                     </a:ext>
                   </a:extLst>
                 </a:gridCol>
                 <a:gridCol w="411480">
                   <a:extLst>
                     <a:ext uri="{9D8B030D-6E8A-4147-A177-3AD203B41FA5}">
-                      <a16:colId xmlns:a16="http://schemas.microsoft.com/office/drawing/2014/main" val="20004"/>
+                      <a16:colId xmlns:a16="http://schemas.microsoft.com/office/drawing/2014/main" xmlns="" val="20004"/>
                     </a:ext>
                   </a:extLst>
                 </a:gridCol>
                 <a:gridCol w="411480">
                   <a:extLst>
                     <a:ext uri="{9D8B030D-6E8A-4147-A177-3AD203B41FA5}">
-                      <a16:colId xmlns:a16="http://schemas.microsoft.com/office/drawing/2014/main" val="20005"/>
+                      <a16:colId xmlns:a16="http://schemas.microsoft.com/office/drawing/2014/main" xmlns="" val="20005"/>
                     </a:ext>
                   </a:extLst>
                 </a:gridCol>
@@ -8129,7 +8231,7 @@
                 </a:tc>
                 <a:extLst>
                   <a:ext uri="{0D108BD9-81ED-4DB2-BD59-A6C34878D82A}">
-                    <a16:rowId xmlns:a16="http://schemas.microsoft.com/office/drawing/2014/main" val="544127792"/>
+                    <a16:rowId xmlns:a16="http://schemas.microsoft.com/office/drawing/2014/main" xmlns="" val="544127792"/>
                   </a:ext>
                 </a:extLst>
               </a:tr>
@@ -8165,42 +8267,42 @@
                 <a:gridCol w="411480">
                   <a:extLst>
                     <a:ext uri="{9D8B030D-6E8A-4147-A177-3AD203B41FA5}">
-                      <a16:colId xmlns:a16="http://schemas.microsoft.com/office/drawing/2014/main" val="1322717240"/>
+                      <a16:colId xmlns:a16="http://schemas.microsoft.com/office/drawing/2014/main" xmlns="" val="1322717240"/>
                     </a:ext>
                   </a:extLst>
                 </a:gridCol>
                 <a:gridCol w="411480">
                   <a:extLst>
                     <a:ext uri="{9D8B030D-6E8A-4147-A177-3AD203B41FA5}">
-                      <a16:colId xmlns:a16="http://schemas.microsoft.com/office/drawing/2014/main" val="4013610060"/>
+                      <a16:colId xmlns:a16="http://schemas.microsoft.com/office/drawing/2014/main" xmlns="" val="4013610060"/>
                     </a:ext>
                   </a:extLst>
                 </a:gridCol>
                 <a:gridCol w="411480">
                   <a:extLst>
                     <a:ext uri="{9D8B030D-6E8A-4147-A177-3AD203B41FA5}">
-                      <a16:colId xmlns:a16="http://schemas.microsoft.com/office/drawing/2014/main" val="4120775698"/>
+                      <a16:colId xmlns:a16="http://schemas.microsoft.com/office/drawing/2014/main" xmlns="" val="4120775698"/>
                     </a:ext>
                   </a:extLst>
                 </a:gridCol>
                 <a:gridCol w="411480">
                   <a:extLst>
                     <a:ext uri="{9D8B030D-6E8A-4147-A177-3AD203B41FA5}">
-                      <a16:colId xmlns:a16="http://schemas.microsoft.com/office/drawing/2014/main" val="2398927270"/>
+                      <a16:colId xmlns:a16="http://schemas.microsoft.com/office/drawing/2014/main" xmlns="" val="2398927270"/>
                     </a:ext>
                   </a:extLst>
                 </a:gridCol>
                 <a:gridCol w="411480">
                   <a:extLst>
                     <a:ext uri="{9D8B030D-6E8A-4147-A177-3AD203B41FA5}">
-                      <a16:colId xmlns:a16="http://schemas.microsoft.com/office/drawing/2014/main" val="20004"/>
+                      <a16:colId xmlns:a16="http://schemas.microsoft.com/office/drawing/2014/main" xmlns="" val="20004"/>
                     </a:ext>
                   </a:extLst>
                 </a:gridCol>
                 <a:gridCol w="411480">
                   <a:extLst>
                     <a:ext uri="{9D8B030D-6E8A-4147-A177-3AD203B41FA5}">
-                      <a16:colId xmlns:a16="http://schemas.microsoft.com/office/drawing/2014/main" val="20005"/>
+                      <a16:colId xmlns:a16="http://schemas.microsoft.com/office/drawing/2014/main" xmlns="" val="20005"/>
                     </a:ext>
                   </a:extLst>
                 </a:gridCol>
@@ -8574,7 +8676,7 @@
                 </a:tc>
                 <a:extLst>
                   <a:ext uri="{0D108BD9-81ED-4DB2-BD59-A6C34878D82A}">
-                    <a16:rowId xmlns:a16="http://schemas.microsoft.com/office/drawing/2014/main" val="544127792"/>
+                    <a16:rowId xmlns:a16="http://schemas.microsoft.com/office/drawing/2014/main" xmlns="" val="544127792"/>
                   </a:ext>
                 </a:extLst>
               </a:tr>
@@ -8774,42 +8876,42 @@
                 <a:gridCol w="411480">
                   <a:extLst>
                     <a:ext uri="{9D8B030D-6E8A-4147-A177-3AD203B41FA5}">
-                      <a16:colId xmlns:a16="http://schemas.microsoft.com/office/drawing/2014/main" val="1322717240"/>
+                      <a16:colId xmlns:a16="http://schemas.microsoft.com/office/drawing/2014/main" xmlns="" val="1322717240"/>
                     </a:ext>
                   </a:extLst>
                 </a:gridCol>
                 <a:gridCol w="411480">
                   <a:extLst>
                     <a:ext uri="{9D8B030D-6E8A-4147-A177-3AD203B41FA5}">
-                      <a16:colId xmlns:a16="http://schemas.microsoft.com/office/drawing/2014/main" val="4013610060"/>
+                      <a16:colId xmlns:a16="http://schemas.microsoft.com/office/drawing/2014/main" xmlns="" val="4013610060"/>
                     </a:ext>
                   </a:extLst>
                 </a:gridCol>
                 <a:gridCol w="411480">
                   <a:extLst>
                     <a:ext uri="{9D8B030D-6E8A-4147-A177-3AD203B41FA5}">
-                      <a16:colId xmlns:a16="http://schemas.microsoft.com/office/drawing/2014/main" val="4120775698"/>
+                      <a16:colId xmlns:a16="http://schemas.microsoft.com/office/drawing/2014/main" xmlns="" val="4120775698"/>
                     </a:ext>
                   </a:extLst>
                 </a:gridCol>
                 <a:gridCol w="411480">
                   <a:extLst>
                     <a:ext uri="{9D8B030D-6E8A-4147-A177-3AD203B41FA5}">
-                      <a16:colId xmlns:a16="http://schemas.microsoft.com/office/drawing/2014/main" val="2398927270"/>
+                      <a16:colId xmlns:a16="http://schemas.microsoft.com/office/drawing/2014/main" xmlns="" val="2398927270"/>
                     </a:ext>
                   </a:extLst>
                 </a:gridCol>
                 <a:gridCol w="411480">
                   <a:extLst>
                     <a:ext uri="{9D8B030D-6E8A-4147-A177-3AD203B41FA5}">
-                      <a16:colId xmlns:a16="http://schemas.microsoft.com/office/drawing/2014/main" val="20004"/>
+                      <a16:colId xmlns:a16="http://schemas.microsoft.com/office/drawing/2014/main" xmlns="" val="20004"/>
                     </a:ext>
                   </a:extLst>
                 </a:gridCol>
                 <a:gridCol w="411480">
                   <a:extLst>
                     <a:ext uri="{9D8B030D-6E8A-4147-A177-3AD203B41FA5}">
-                      <a16:colId xmlns:a16="http://schemas.microsoft.com/office/drawing/2014/main" val="20005"/>
+                      <a16:colId xmlns:a16="http://schemas.microsoft.com/office/drawing/2014/main" xmlns="" val="20005"/>
                     </a:ext>
                   </a:extLst>
                 </a:gridCol>
@@ -9183,7 +9285,7 @@
                 </a:tc>
                 <a:extLst>
                   <a:ext uri="{0D108BD9-81ED-4DB2-BD59-A6C34878D82A}">
-                    <a16:rowId xmlns:a16="http://schemas.microsoft.com/office/drawing/2014/main" val="544127792"/>
+                    <a16:rowId xmlns:a16="http://schemas.microsoft.com/office/drawing/2014/main" xmlns="" val="544127792"/>
                   </a:ext>
                 </a:extLst>
               </a:tr>
@@ -9313,7 +9415,11 @@
             <a:graphicFrameLocks noGrp="1"/>
           </p:cNvGraphicFramePr>
           <p:nvPr>
-            <p:extLst/>
+            <p:extLst>
+              <p:ext uri="{D42A27DB-BD31-4B8C-83A1-F6EECF244321}">
+                <p14:modId xmlns:p14="http://schemas.microsoft.com/office/powerpoint/2010/main" val="2240136823"/>
+              </p:ext>
+            </p:extLst>
           </p:nvPr>
         </p:nvGraphicFramePr>
         <p:xfrm>
@@ -9330,42 +9436,42 @@
                 <a:gridCol w="411480">
                   <a:extLst>
                     <a:ext uri="{9D8B030D-6E8A-4147-A177-3AD203B41FA5}">
-                      <a16:colId xmlns:a16="http://schemas.microsoft.com/office/drawing/2014/main" val="1322717240"/>
+                      <a16:colId xmlns:a16="http://schemas.microsoft.com/office/drawing/2014/main" xmlns="" val="1322717240"/>
                     </a:ext>
                   </a:extLst>
                 </a:gridCol>
                 <a:gridCol w="411480">
                   <a:extLst>
                     <a:ext uri="{9D8B030D-6E8A-4147-A177-3AD203B41FA5}">
-                      <a16:colId xmlns:a16="http://schemas.microsoft.com/office/drawing/2014/main" val="4013610060"/>
+                      <a16:colId xmlns:a16="http://schemas.microsoft.com/office/drawing/2014/main" xmlns="" val="4013610060"/>
                     </a:ext>
                   </a:extLst>
                 </a:gridCol>
                 <a:gridCol w="411480">
                   <a:extLst>
                     <a:ext uri="{9D8B030D-6E8A-4147-A177-3AD203B41FA5}">
-                      <a16:colId xmlns:a16="http://schemas.microsoft.com/office/drawing/2014/main" val="4120775698"/>
+                      <a16:colId xmlns:a16="http://schemas.microsoft.com/office/drawing/2014/main" xmlns="" val="4120775698"/>
                     </a:ext>
                   </a:extLst>
                 </a:gridCol>
                 <a:gridCol w="411480">
                   <a:extLst>
                     <a:ext uri="{9D8B030D-6E8A-4147-A177-3AD203B41FA5}">
-                      <a16:colId xmlns:a16="http://schemas.microsoft.com/office/drawing/2014/main" val="2398927270"/>
+                      <a16:colId xmlns:a16="http://schemas.microsoft.com/office/drawing/2014/main" xmlns="" val="2398927270"/>
                     </a:ext>
                   </a:extLst>
                 </a:gridCol>
                 <a:gridCol w="411480">
                   <a:extLst>
                     <a:ext uri="{9D8B030D-6E8A-4147-A177-3AD203B41FA5}">
-                      <a16:colId xmlns:a16="http://schemas.microsoft.com/office/drawing/2014/main" val="20004"/>
+                      <a16:colId xmlns:a16="http://schemas.microsoft.com/office/drawing/2014/main" xmlns="" val="20004"/>
                     </a:ext>
                   </a:extLst>
                 </a:gridCol>
                 <a:gridCol w="411480">
                   <a:extLst>
                     <a:ext uri="{9D8B030D-6E8A-4147-A177-3AD203B41FA5}">
-                      <a16:colId xmlns:a16="http://schemas.microsoft.com/office/drawing/2014/main" val="20005"/>
+                      <a16:colId xmlns:a16="http://schemas.microsoft.com/office/drawing/2014/main" xmlns="" val="20005"/>
                     </a:ext>
                   </a:extLst>
                 </a:gridCol>
@@ -9439,6 +9545,189 @@
                     <a:p>
                       <a:pPr algn="ctr"/>
                       <a:r>
+                        <a:rPr kumimoji="1" lang="en-US" altLang="ja-JP" sz="2800" b="1" dirty="0" smtClean="0">
+                          <a:solidFill>
+                            <a:schemeClr val="accent2"/>
+                          </a:solidFill>
+                        </a:rPr>
+                        <a:t>1</a:t>
+                      </a:r>
+                      <a:endParaRPr kumimoji="1" lang="ja-JP" altLang="en-US" sz="2800" b="1" dirty="0">
+                        <a:solidFill>
+                          <a:schemeClr val="accent2"/>
+                        </a:solidFill>
+                      </a:endParaRPr>
+                    </a:p>
+                  </a:txBody>
+                  <a:tcPr anchor="ctr">
+                    <a:lnL w="12700" cap="flat" cmpd="sng" algn="ctr">
+                      <a:solidFill>
+                        <a:schemeClr val="tx1"/>
+                      </a:solidFill>
+                      <a:prstDash val="solid"/>
+                      <a:round/>
+                      <a:headEnd type="none" w="med" len="med"/>
+                      <a:tailEnd type="none" w="med" len="med"/>
+                    </a:lnL>
+                    <a:lnR w="12700" cap="flat" cmpd="sng" algn="ctr">
+                      <a:solidFill>
+                        <a:schemeClr val="tx1"/>
+                      </a:solidFill>
+                      <a:prstDash val="solid"/>
+                      <a:round/>
+                      <a:headEnd type="none" w="med" len="med"/>
+                      <a:tailEnd type="none" w="med" len="med"/>
+                    </a:lnR>
+                    <a:lnT w="38100" cap="flat" cmpd="sng" algn="ctr">
+                      <a:solidFill>
+                        <a:schemeClr val="tx1"/>
+                      </a:solidFill>
+                      <a:prstDash val="solid"/>
+                      <a:round/>
+                      <a:headEnd type="none" w="med" len="med"/>
+                      <a:tailEnd type="none" w="med" len="med"/>
+                    </a:lnT>
+                    <a:lnB w="38100" cap="flat" cmpd="sng" algn="ctr">
+                      <a:solidFill>
+                        <a:schemeClr val="tx1"/>
+                      </a:solidFill>
+                      <a:prstDash val="solid"/>
+                      <a:round/>
+                      <a:headEnd type="none" w="med" len="med"/>
+                      <a:tailEnd type="none" w="med" len="med"/>
+                    </a:lnB>
+                    <a:noFill/>
+                  </a:tcPr>
+                </a:tc>
+                <a:tc>
+                  <a:txBody>
+                    <a:bodyPr/>
+                    <a:lstStyle/>
+                    <a:p>
+                      <a:pPr algn="ctr"/>
+                      <a:r>
+                        <a:rPr kumimoji="1" lang="en-US" altLang="ja-JP" sz="2800" b="1" dirty="0" smtClean="0">
+                          <a:solidFill>
+                            <a:schemeClr val="accent1"/>
+                          </a:solidFill>
+                        </a:rPr>
+                        <a:t>0</a:t>
+                      </a:r>
+                      <a:endParaRPr kumimoji="1" lang="ja-JP" altLang="en-US" sz="2800" b="1" dirty="0">
+                        <a:solidFill>
+                          <a:schemeClr val="accent1"/>
+                        </a:solidFill>
+                      </a:endParaRPr>
+                    </a:p>
+                  </a:txBody>
+                  <a:tcPr anchor="ctr">
+                    <a:lnL w="12700" cap="flat" cmpd="sng" algn="ctr">
+                      <a:solidFill>
+                        <a:schemeClr val="tx1"/>
+                      </a:solidFill>
+                      <a:prstDash val="solid"/>
+                      <a:round/>
+                      <a:headEnd type="none" w="med" len="med"/>
+                      <a:tailEnd type="none" w="med" len="med"/>
+                    </a:lnL>
+                    <a:lnR w="12700" cap="flat" cmpd="sng" algn="ctr">
+                      <a:solidFill>
+                        <a:schemeClr val="tx1"/>
+                      </a:solidFill>
+                      <a:prstDash val="solid"/>
+                      <a:round/>
+                      <a:headEnd type="none" w="med" len="med"/>
+                      <a:tailEnd type="none" w="med" len="med"/>
+                    </a:lnR>
+                    <a:lnT w="38100" cap="flat" cmpd="sng" algn="ctr">
+                      <a:solidFill>
+                        <a:schemeClr val="tx1"/>
+                      </a:solidFill>
+                      <a:prstDash val="solid"/>
+                      <a:round/>
+                      <a:headEnd type="none" w="med" len="med"/>
+                      <a:tailEnd type="none" w="med" len="med"/>
+                    </a:lnT>
+                    <a:lnB w="38100" cap="flat" cmpd="sng" algn="ctr">
+                      <a:solidFill>
+                        <a:schemeClr val="tx1"/>
+                      </a:solidFill>
+                      <a:prstDash val="solid"/>
+                      <a:round/>
+                      <a:headEnd type="none" w="med" len="med"/>
+                      <a:tailEnd type="none" w="med" len="med"/>
+                    </a:lnB>
+                    <a:noFill/>
+                  </a:tcPr>
+                </a:tc>
+                <a:tc>
+                  <a:txBody>
+                    <a:bodyPr/>
+                    <a:lstStyle/>
+                    <a:p>
+                      <a:pPr algn="ctr"/>
+                      <a:r>
+                        <a:rPr kumimoji="1" lang="en-US" altLang="ja-JP" sz="2800" b="1" dirty="0" smtClean="0">
+                          <a:solidFill>
+                            <a:schemeClr val="accent2"/>
+                          </a:solidFill>
+                        </a:rPr>
+                        <a:t>1</a:t>
+                      </a:r>
+                      <a:endParaRPr kumimoji="1" lang="ja-JP" altLang="en-US" sz="2800" b="1" dirty="0">
+                        <a:solidFill>
+                          <a:schemeClr val="accent2"/>
+                        </a:solidFill>
+                      </a:endParaRPr>
+                    </a:p>
+                  </a:txBody>
+                  <a:tcPr anchor="ctr">
+                    <a:lnL w="12700" cap="flat" cmpd="sng" algn="ctr">
+                      <a:solidFill>
+                        <a:schemeClr val="tx1"/>
+                      </a:solidFill>
+                      <a:prstDash val="solid"/>
+                      <a:round/>
+                      <a:headEnd type="none" w="med" len="med"/>
+                      <a:tailEnd type="none" w="med" len="med"/>
+                    </a:lnL>
+                    <a:lnR w="12700" cap="flat" cmpd="sng" algn="ctr">
+                      <a:solidFill>
+                        <a:schemeClr val="tx1"/>
+                      </a:solidFill>
+                      <a:prstDash val="solid"/>
+                      <a:round/>
+                      <a:headEnd type="none" w="med" len="med"/>
+                      <a:tailEnd type="none" w="med" len="med"/>
+                    </a:lnR>
+                    <a:lnT w="38100" cap="flat" cmpd="sng" algn="ctr">
+                      <a:solidFill>
+                        <a:schemeClr val="tx1"/>
+                      </a:solidFill>
+                      <a:prstDash val="solid"/>
+                      <a:round/>
+                      <a:headEnd type="none" w="med" len="med"/>
+                      <a:tailEnd type="none" w="med" len="med"/>
+                    </a:lnT>
+                    <a:lnB w="38100" cap="flat" cmpd="sng" algn="ctr">
+                      <a:solidFill>
+                        <a:schemeClr val="tx1"/>
+                      </a:solidFill>
+                      <a:prstDash val="solid"/>
+                      <a:round/>
+                      <a:headEnd type="none" w="med" len="med"/>
+                      <a:tailEnd type="none" w="med" len="med"/>
+                    </a:lnB>
+                    <a:noFill/>
+                  </a:tcPr>
+                </a:tc>
+                <a:tc>
+                  <a:txBody>
+                    <a:bodyPr/>
+                    <a:lstStyle/>
+                    <a:p>
+                      <a:pPr algn="ctr"/>
+                      <a:r>
                         <a:rPr kumimoji="1" lang="en-US" altLang="ja-JP" sz="2800" b="0" dirty="0" smtClean="0">
                           <a:solidFill>
                             <a:schemeClr val="tx1"/>
@@ -9524,189 +9813,6 @@
                       <a:headEnd type="none" w="med" len="med"/>
                       <a:tailEnd type="none" w="med" len="med"/>
                     </a:lnL>
-                    <a:lnR w="12700" cap="flat" cmpd="sng" algn="ctr">
-                      <a:solidFill>
-                        <a:schemeClr val="tx1"/>
-                      </a:solidFill>
-                      <a:prstDash val="solid"/>
-                      <a:round/>
-                      <a:headEnd type="none" w="med" len="med"/>
-                      <a:tailEnd type="none" w="med" len="med"/>
-                    </a:lnR>
-                    <a:lnT w="38100" cap="flat" cmpd="sng" algn="ctr">
-                      <a:solidFill>
-                        <a:schemeClr val="tx1"/>
-                      </a:solidFill>
-                      <a:prstDash val="solid"/>
-                      <a:round/>
-                      <a:headEnd type="none" w="med" len="med"/>
-                      <a:tailEnd type="none" w="med" len="med"/>
-                    </a:lnT>
-                    <a:lnB w="38100" cap="flat" cmpd="sng" algn="ctr">
-                      <a:solidFill>
-                        <a:schemeClr val="tx1"/>
-                      </a:solidFill>
-                      <a:prstDash val="solid"/>
-                      <a:round/>
-                      <a:headEnd type="none" w="med" len="med"/>
-                      <a:tailEnd type="none" w="med" len="med"/>
-                    </a:lnB>
-                    <a:noFill/>
-                  </a:tcPr>
-                </a:tc>
-                <a:tc>
-                  <a:txBody>
-                    <a:bodyPr/>
-                    <a:lstStyle/>
-                    <a:p>
-                      <a:pPr algn="ctr"/>
-                      <a:r>
-                        <a:rPr kumimoji="1" lang="en-US" altLang="ja-JP" sz="2800" b="0" dirty="0" smtClean="0">
-                          <a:solidFill>
-                            <a:schemeClr val="tx1"/>
-                          </a:solidFill>
-                        </a:rPr>
-                        <a:t>1</a:t>
-                      </a:r>
-                      <a:endParaRPr kumimoji="1" lang="ja-JP" altLang="en-US" sz="2800" b="0" dirty="0">
-                        <a:solidFill>
-                          <a:schemeClr val="tx1"/>
-                        </a:solidFill>
-                      </a:endParaRPr>
-                    </a:p>
-                  </a:txBody>
-                  <a:tcPr anchor="ctr">
-                    <a:lnL w="12700" cap="flat" cmpd="sng" algn="ctr">
-                      <a:solidFill>
-                        <a:schemeClr val="tx1"/>
-                      </a:solidFill>
-                      <a:prstDash val="solid"/>
-                      <a:round/>
-                      <a:headEnd type="none" w="med" len="med"/>
-                      <a:tailEnd type="none" w="med" len="med"/>
-                    </a:lnL>
-                    <a:lnR w="12700" cap="flat" cmpd="sng" algn="ctr">
-                      <a:solidFill>
-                        <a:schemeClr val="tx1"/>
-                      </a:solidFill>
-                      <a:prstDash val="solid"/>
-                      <a:round/>
-                      <a:headEnd type="none" w="med" len="med"/>
-                      <a:tailEnd type="none" w="med" len="med"/>
-                    </a:lnR>
-                    <a:lnT w="38100" cap="flat" cmpd="sng" algn="ctr">
-                      <a:solidFill>
-                        <a:schemeClr val="tx1"/>
-                      </a:solidFill>
-                      <a:prstDash val="solid"/>
-                      <a:round/>
-                      <a:headEnd type="none" w="med" len="med"/>
-                      <a:tailEnd type="none" w="med" len="med"/>
-                    </a:lnT>
-                    <a:lnB w="38100" cap="flat" cmpd="sng" algn="ctr">
-                      <a:solidFill>
-                        <a:schemeClr val="tx1"/>
-                      </a:solidFill>
-                      <a:prstDash val="solid"/>
-                      <a:round/>
-                      <a:headEnd type="none" w="med" len="med"/>
-                      <a:tailEnd type="none" w="med" len="med"/>
-                    </a:lnB>
-                    <a:noFill/>
-                  </a:tcPr>
-                </a:tc>
-                <a:tc>
-                  <a:txBody>
-                    <a:bodyPr/>
-                    <a:lstStyle/>
-                    <a:p>
-                      <a:pPr algn="ctr"/>
-                      <a:r>
-                        <a:rPr kumimoji="1" lang="en-US" altLang="ja-JP" sz="2800" b="0" dirty="0" smtClean="0">
-                          <a:solidFill>
-                            <a:schemeClr val="tx1"/>
-                          </a:solidFill>
-                        </a:rPr>
-                        <a:t>1</a:t>
-                      </a:r>
-                      <a:endParaRPr kumimoji="1" lang="ja-JP" altLang="en-US" sz="2800" b="0" dirty="0">
-                        <a:solidFill>
-                          <a:schemeClr val="tx1"/>
-                        </a:solidFill>
-                      </a:endParaRPr>
-                    </a:p>
-                  </a:txBody>
-                  <a:tcPr anchor="ctr">
-                    <a:lnL w="12700" cap="flat" cmpd="sng" algn="ctr">
-                      <a:solidFill>
-                        <a:schemeClr val="tx1"/>
-                      </a:solidFill>
-                      <a:prstDash val="solid"/>
-                      <a:round/>
-                      <a:headEnd type="none" w="med" len="med"/>
-                      <a:tailEnd type="none" w="med" len="med"/>
-                    </a:lnL>
-                    <a:lnR w="12700" cap="flat" cmpd="sng" algn="ctr">
-                      <a:solidFill>
-                        <a:schemeClr val="tx1"/>
-                      </a:solidFill>
-                      <a:prstDash val="solid"/>
-                      <a:round/>
-                      <a:headEnd type="none" w="med" len="med"/>
-                      <a:tailEnd type="none" w="med" len="med"/>
-                    </a:lnR>
-                    <a:lnT w="38100" cap="flat" cmpd="sng" algn="ctr">
-                      <a:solidFill>
-                        <a:schemeClr val="tx1"/>
-                      </a:solidFill>
-                      <a:prstDash val="solid"/>
-                      <a:round/>
-                      <a:headEnd type="none" w="med" len="med"/>
-                      <a:tailEnd type="none" w="med" len="med"/>
-                    </a:lnT>
-                    <a:lnB w="38100" cap="flat" cmpd="sng" algn="ctr">
-                      <a:solidFill>
-                        <a:schemeClr val="tx1"/>
-                      </a:solidFill>
-                      <a:prstDash val="solid"/>
-                      <a:round/>
-                      <a:headEnd type="none" w="med" len="med"/>
-                      <a:tailEnd type="none" w="med" len="med"/>
-                    </a:lnB>
-                    <a:noFill/>
-                  </a:tcPr>
-                </a:tc>
-                <a:tc>
-                  <a:txBody>
-                    <a:bodyPr/>
-                    <a:lstStyle/>
-                    <a:p>
-                      <a:pPr algn="ctr"/>
-                      <a:r>
-                        <a:rPr kumimoji="1" lang="en-US" altLang="ja-JP" sz="2800" b="0" dirty="0" smtClean="0">
-                          <a:solidFill>
-                            <a:schemeClr val="tx1"/>
-                          </a:solidFill>
-                        </a:rPr>
-                        <a:t>0</a:t>
-                      </a:r>
-                      <a:endParaRPr kumimoji="1" lang="ja-JP" altLang="en-US" sz="2800" b="0" dirty="0">
-                        <a:solidFill>
-                          <a:schemeClr val="tx1"/>
-                        </a:solidFill>
-                      </a:endParaRPr>
-                    </a:p>
-                  </a:txBody>
-                  <a:tcPr anchor="ctr">
-                    <a:lnL w="12700" cap="flat" cmpd="sng" algn="ctr">
-                      <a:solidFill>
-                        <a:schemeClr val="tx1"/>
-                      </a:solidFill>
-                      <a:prstDash val="solid"/>
-                      <a:round/>
-                      <a:headEnd type="none" w="med" len="med"/>
-                      <a:tailEnd type="none" w="med" len="med"/>
-                    </a:lnL>
                     <a:lnR w="38100" cap="flat" cmpd="sng" algn="ctr">
                       <a:solidFill>
                         <a:schemeClr val="tx1"/>
@@ -9739,7 +9845,7 @@
                 </a:tc>
                 <a:extLst>
                   <a:ext uri="{0D108BD9-81ED-4DB2-BD59-A6C34878D82A}">
-                    <a16:rowId xmlns:a16="http://schemas.microsoft.com/office/drawing/2014/main" val="544127792"/>
+                    <a16:rowId xmlns:a16="http://schemas.microsoft.com/office/drawing/2014/main" xmlns="" val="544127792"/>
                   </a:ext>
                 </a:extLst>
               </a:tr>
@@ -9857,42 +9963,42 @@
                 <a:gridCol w="411480">
                   <a:extLst>
                     <a:ext uri="{9D8B030D-6E8A-4147-A177-3AD203B41FA5}">
-                      <a16:colId xmlns:a16="http://schemas.microsoft.com/office/drawing/2014/main" val="1322717240"/>
+                      <a16:colId xmlns:a16="http://schemas.microsoft.com/office/drawing/2014/main" xmlns="" val="1322717240"/>
                     </a:ext>
                   </a:extLst>
                 </a:gridCol>
                 <a:gridCol w="411480">
                   <a:extLst>
                     <a:ext uri="{9D8B030D-6E8A-4147-A177-3AD203B41FA5}">
-                      <a16:colId xmlns:a16="http://schemas.microsoft.com/office/drawing/2014/main" val="4013610060"/>
+                      <a16:colId xmlns:a16="http://schemas.microsoft.com/office/drawing/2014/main" xmlns="" val="4013610060"/>
                     </a:ext>
                   </a:extLst>
                 </a:gridCol>
                 <a:gridCol w="411480">
                   <a:extLst>
                     <a:ext uri="{9D8B030D-6E8A-4147-A177-3AD203B41FA5}">
-                      <a16:colId xmlns:a16="http://schemas.microsoft.com/office/drawing/2014/main" val="4120775698"/>
+                      <a16:colId xmlns:a16="http://schemas.microsoft.com/office/drawing/2014/main" xmlns="" val="4120775698"/>
                     </a:ext>
                   </a:extLst>
                 </a:gridCol>
                 <a:gridCol w="411480">
                   <a:extLst>
                     <a:ext uri="{9D8B030D-6E8A-4147-A177-3AD203B41FA5}">
-                      <a16:colId xmlns:a16="http://schemas.microsoft.com/office/drawing/2014/main" val="2398927270"/>
+                      <a16:colId xmlns:a16="http://schemas.microsoft.com/office/drawing/2014/main" xmlns="" val="2398927270"/>
                     </a:ext>
                   </a:extLst>
                 </a:gridCol>
                 <a:gridCol w="411480">
                   <a:extLst>
                     <a:ext uri="{9D8B030D-6E8A-4147-A177-3AD203B41FA5}">
-                      <a16:colId xmlns:a16="http://schemas.microsoft.com/office/drawing/2014/main" val="20004"/>
+                      <a16:colId xmlns:a16="http://schemas.microsoft.com/office/drawing/2014/main" xmlns="" val="20004"/>
                     </a:ext>
                   </a:extLst>
                 </a:gridCol>
                 <a:gridCol w="411480">
                   <a:extLst>
                     <a:ext uri="{9D8B030D-6E8A-4147-A177-3AD203B41FA5}">
-                      <a16:colId xmlns:a16="http://schemas.microsoft.com/office/drawing/2014/main" val="20005"/>
+                      <a16:colId xmlns:a16="http://schemas.microsoft.com/office/drawing/2014/main" xmlns="" val="20005"/>
                     </a:ext>
                   </a:extLst>
                 </a:gridCol>
@@ -10266,7 +10372,7 @@
                 </a:tc>
                 <a:extLst>
                   <a:ext uri="{0D108BD9-81ED-4DB2-BD59-A6C34878D82A}">
-                    <a16:rowId xmlns:a16="http://schemas.microsoft.com/office/drawing/2014/main" val="544127792"/>
+                    <a16:rowId xmlns:a16="http://schemas.microsoft.com/office/drawing/2014/main" xmlns="" val="544127792"/>
                   </a:ext>
                 </a:extLst>
               </a:tr>
@@ -10302,42 +10408,42 @@
                 <a:gridCol w="411480">
                   <a:extLst>
                     <a:ext uri="{9D8B030D-6E8A-4147-A177-3AD203B41FA5}">
-                      <a16:colId xmlns:a16="http://schemas.microsoft.com/office/drawing/2014/main" val="1322717240"/>
+                      <a16:colId xmlns:a16="http://schemas.microsoft.com/office/drawing/2014/main" xmlns="" val="1322717240"/>
                     </a:ext>
                   </a:extLst>
                 </a:gridCol>
                 <a:gridCol w="411480">
                   <a:extLst>
                     <a:ext uri="{9D8B030D-6E8A-4147-A177-3AD203B41FA5}">
-                      <a16:colId xmlns:a16="http://schemas.microsoft.com/office/drawing/2014/main" val="4013610060"/>
+                      <a16:colId xmlns:a16="http://schemas.microsoft.com/office/drawing/2014/main" xmlns="" val="4013610060"/>
                     </a:ext>
                   </a:extLst>
                 </a:gridCol>
                 <a:gridCol w="411480">
                   <a:extLst>
                     <a:ext uri="{9D8B030D-6E8A-4147-A177-3AD203B41FA5}">
-                      <a16:colId xmlns:a16="http://schemas.microsoft.com/office/drawing/2014/main" val="4120775698"/>
+                      <a16:colId xmlns:a16="http://schemas.microsoft.com/office/drawing/2014/main" xmlns="" val="4120775698"/>
                     </a:ext>
                   </a:extLst>
                 </a:gridCol>
                 <a:gridCol w="411480">
                   <a:extLst>
                     <a:ext uri="{9D8B030D-6E8A-4147-A177-3AD203B41FA5}">
-                      <a16:colId xmlns:a16="http://schemas.microsoft.com/office/drawing/2014/main" val="2398927270"/>
+                      <a16:colId xmlns:a16="http://schemas.microsoft.com/office/drawing/2014/main" xmlns="" val="2398927270"/>
                     </a:ext>
                   </a:extLst>
                 </a:gridCol>
                 <a:gridCol w="411480">
                   <a:extLst>
                     <a:ext uri="{9D8B030D-6E8A-4147-A177-3AD203B41FA5}">
-                      <a16:colId xmlns:a16="http://schemas.microsoft.com/office/drawing/2014/main" val="20004"/>
+                      <a16:colId xmlns:a16="http://schemas.microsoft.com/office/drawing/2014/main" xmlns="" val="20004"/>
                     </a:ext>
                   </a:extLst>
                 </a:gridCol>
                 <a:gridCol w="411480">
                   <a:extLst>
                     <a:ext uri="{9D8B030D-6E8A-4147-A177-3AD203B41FA5}">
-                      <a16:colId xmlns:a16="http://schemas.microsoft.com/office/drawing/2014/main" val="20005"/>
+                      <a16:colId xmlns:a16="http://schemas.microsoft.com/office/drawing/2014/main" xmlns="" val="20005"/>
                     </a:ext>
                   </a:extLst>
                 </a:gridCol>
@@ -10711,7 +10817,7 @@
                 </a:tc>
                 <a:extLst>
                   <a:ext uri="{0D108BD9-81ED-4DB2-BD59-A6C34878D82A}">
-                    <a16:rowId xmlns:a16="http://schemas.microsoft.com/office/drawing/2014/main" val="544127792"/>
+                    <a16:rowId xmlns:a16="http://schemas.microsoft.com/office/drawing/2014/main" xmlns="" val="544127792"/>
                   </a:ext>
                 </a:extLst>
               </a:tr>
@@ -10968,42 +11074,42 @@
                 <a:gridCol w="411480">
                   <a:extLst>
                     <a:ext uri="{9D8B030D-6E8A-4147-A177-3AD203B41FA5}">
-                      <a16:colId xmlns:a16="http://schemas.microsoft.com/office/drawing/2014/main" val="1322717240"/>
+                      <a16:colId xmlns:a16="http://schemas.microsoft.com/office/drawing/2014/main" xmlns="" val="1322717240"/>
                     </a:ext>
                   </a:extLst>
                 </a:gridCol>
                 <a:gridCol w="411480">
                   <a:extLst>
                     <a:ext uri="{9D8B030D-6E8A-4147-A177-3AD203B41FA5}">
-                      <a16:colId xmlns:a16="http://schemas.microsoft.com/office/drawing/2014/main" val="4013610060"/>
+                      <a16:colId xmlns:a16="http://schemas.microsoft.com/office/drawing/2014/main" xmlns="" val="4013610060"/>
                     </a:ext>
                   </a:extLst>
                 </a:gridCol>
                 <a:gridCol w="411480">
                   <a:extLst>
                     <a:ext uri="{9D8B030D-6E8A-4147-A177-3AD203B41FA5}">
-                      <a16:colId xmlns:a16="http://schemas.microsoft.com/office/drawing/2014/main" val="4120775698"/>
+                      <a16:colId xmlns:a16="http://schemas.microsoft.com/office/drawing/2014/main" xmlns="" val="4120775698"/>
                     </a:ext>
                   </a:extLst>
                 </a:gridCol>
                 <a:gridCol w="411480">
                   <a:extLst>
                     <a:ext uri="{9D8B030D-6E8A-4147-A177-3AD203B41FA5}">
-                      <a16:colId xmlns:a16="http://schemas.microsoft.com/office/drawing/2014/main" val="2398927270"/>
+                      <a16:colId xmlns:a16="http://schemas.microsoft.com/office/drawing/2014/main" xmlns="" val="2398927270"/>
                     </a:ext>
                   </a:extLst>
                 </a:gridCol>
                 <a:gridCol w="411480">
                   <a:extLst>
                     <a:ext uri="{9D8B030D-6E8A-4147-A177-3AD203B41FA5}">
-                      <a16:colId xmlns:a16="http://schemas.microsoft.com/office/drawing/2014/main" val="20004"/>
+                      <a16:colId xmlns:a16="http://schemas.microsoft.com/office/drawing/2014/main" xmlns="" val="20004"/>
                     </a:ext>
                   </a:extLst>
                 </a:gridCol>
                 <a:gridCol w="411480">
                   <a:extLst>
                     <a:ext uri="{9D8B030D-6E8A-4147-A177-3AD203B41FA5}">
-                      <a16:colId xmlns:a16="http://schemas.microsoft.com/office/drawing/2014/main" val="20005"/>
+                      <a16:colId xmlns:a16="http://schemas.microsoft.com/office/drawing/2014/main" xmlns="" val="20005"/>
                     </a:ext>
                   </a:extLst>
                 </a:gridCol>
@@ -11377,7 +11483,7 @@
                 </a:tc>
                 <a:extLst>
                   <a:ext uri="{0D108BD9-81ED-4DB2-BD59-A6C34878D82A}">
-                    <a16:rowId xmlns:a16="http://schemas.microsoft.com/office/drawing/2014/main" val="544127792"/>
+                    <a16:rowId xmlns:a16="http://schemas.microsoft.com/office/drawing/2014/main" xmlns="" val="544127792"/>
                   </a:ext>
                 </a:extLst>
               </a:tr>
@@ -11634,42 +11740,42 @@
                 <a:gridCol w="411480">
                   <a:extLst>
                     <a:ext uri="{9D8B030D-6E8A-4147-A177-3AD203B41FA5}">
-                      <a16:colId xmlns:a16="http://schemas.microsoft.com/office/drawing/2014/main" val="1322717240"/>
+                      <a16:colId xmlns:a16="http://schemas.microsoft.com/office/drawing/2014/main" xmlns="" val="1322717240"/>
                     </a:ext>
                   </a:extLst>
                 </a:gridCol>
                 <a:gridCol w="411480">
                   <a:extLst>
                     <a:ext uri="{9D8B030D-6E8A-4147-A177-3AD203B41FA5}">
-                      <a16:colId xmlns:a16="http://schemas.microsoft.com/office/drawing/2014/main" val="4013610060"/>
+                      <a16:colId xmlns:a16="http://schemas.microsoft.com/office/drawing/2014/main" xmlns="" val="4013610060"/>
                     </a:ext>
                   </a:extLst>
                 </a:gridCol>
                 <a:gridCol w="411480">
                   <a:extLst>
                     <a:ext uri="{9D8B030D-6E8A-4147-A177-3AD203B41FA5}">
-                      <a16:colId xmlns:a16="http://schemas.microsoft.com/office/drawing/2014/main" val="4120775698"/>
+                      <a16:colId xmlns:a16="http://schemas.microsoft.com/office/drawing/2014/main" xmlns="" val="4120775698"/>
                     </a:ext>
                   </a:extLst>
                 </a:gridCol>
                 <a:gridCol w="411480">
                   <a:extLst>
                     <a:ext uri="{9D8B030D-6E8A-4147-A177-3AD203B41FA5}">
-                      <a16:colId xmlns:a16="http://schemas.microsoft.com/office/drawing/2014/main" val="2398927270"/>
+                      <a16:colId xmlns:a16="http://schemas.microsoft.com/office/drawing/2014/main" xmlns="" val="2398927270"/>
                     </a:ext>
                   </a:extLst>
                 </a:gridCol>
                 <a:gridCol w="411480">
                   <a:extLst>
                     <a:ext uri="{9D8B030D-6E8A-4147-A177-3AD203B41FA5}">
-                      <a16:colId xmlns:a16="http://schemas.microsoft.com/office/drawing/2014/main" val="20004"/>
+                      <a16:colId xmlns:a16="http://schemas.microsoft.com/office/drawing/2014/main" xmlns="" val="20004"/>
                     </a:ext>
                   </a:extLst>
                 </a:gridCol>
                 <a:gridCol w="411480">
                   <a:extLst>
                     <a:ext uri="{9D8B030D-6E8A-4147-A177-3AD203B41FA5}">
-                      <a16:colId xmlns:a16="http://schemas.microsoft.com/office/drawing/2014/main" val="20005"/>
+                      <a16:colId xmlns:a16="http://schemas.microsoft.com/office/drawing/2014/main" xmlns="" val="20005"/>
                     </a:ext>
                   </a:extLst>
                 </a:gridCol>
@@ -12043,7 +12149,7 @@
                 </a:tc>
                 <a:extLst>
                   <a:ext uri="{0D108BD9-81ED-4DB2-BD59-A6C34878D82A}">
-                    <a16:rowId xmlns:a16="http://schemas.microsoft.com/office/drawing/2014/main" val="544127792"/>
+                    <a16:rowId xmlns:a16="http://schemas.microsoft.com/office/drawing/2014/main" xmlns="" val="544127792"/>
                   </a:ext>
                 </a:extLst>
               </a:tr>
@@ -12144,7 +12250,11 @@
             <a:graphicFrameLocks noGrp="1"/>
           </p:cNvGraphicFramePr>
           <p:nvPr>
-            <p:extLst/>
+            <p:extLst>
+              <p:ext uri="{D42A27DB-BD31-4B8C-83A1-F6EECF244321}">
+                <p14:modId xmlns:p14="http://schemas.microsoft.com/office/powerpoint/2010/main" val="770547588"/>
+              </p:ext>
+            </p:extLst>
           </p:nvPr>
         </p:nvGraphicFramePr>
         <p:xfrm>
@@ -12161,42 +12271,42 @@
                 <a:gridCol w="411480">
                   <a:extLst>
                     <a:ext uri="{9D8B030D-6E8A-4147-A177-3AD203B41FA5}">
-                      <a16:colId xmlns:a16="http://schemas.microsoft.com/office/drawing/2014/main" val="1322717240"/>
+                      <a16:colId xmlns:a16="http://schemas.microsoft.com/office/drawing/2014/main" xmlns="" val="1322717240"/>
                     </a:ext>
                   </a:extLst>
                 </a:gridCol>
                 <a:gridCol w="411480">
                   <a:extLst>
                     <a:ext uri="{9D8B030D-6E8A-4147-A177-3AD203B41FA5}">
-                      <a16:colId xmlns:a16="http://schemas.microsoft.com/office/drawing/2014/main" val="4013610060"/>
+                      <a16:colId xmlns:a16="http://schemas.microsoft.com/office/drawing/2014/main" xmlns="" val="4013610060"/>
                     </a:ext>
                   </a:extLst>
                 </a:gridCol>
                 <a:gridCol w="411480">
                   <a:extLst>
                     <a:ext uri="{9D8B030D-6E8A-4147-A177-3AD203B41FA5}">
-                      <a16:colId xmlns:a16="http://schemas.microsoft.com/office/drawing/2014/main" val="4120775698"/>
+                      <a16:colId xmlns:a16="http://schemas.microsoft.com/office/drawing/2014/main" xmlns="" val="4120775698"/>
                     </a:ext>
                   </a:extLst>
                 </a:gridCol>
                 <a:gridCol w="411480">
                   <a:extLst>
                     <a:ext uri="{9D8B030D-6E8A-4147-A177-3AD203B41FA5}">
-                      <a16:colId xmlns:a16="http://schemas.microsoft.com/office/drawing/2014/main" val="2398927270"/>
+                      <a16:colId xmlns:a16="http://schemas.microsoft.com/office/drawing/2014/main" xmlns="" val="2398927270"/>
                     </a:ext>
                   </a:extLst>
                 </a:gridCol>
                 <a:gridCol w="411480">
                   <a:extLst>
                     <a:ext uri="{9D8B030D-6E8A-4147-A177-3AD203B41FA5}">
-                      <a16:colId xmlns:a16="http://schemas.microsoft.com/office/drawing/2014/main" val="20004"/>
+                      <a16:colId xmlns:a16="http://schemas.microsoft.com/office/drawing/2014/main" xmlns="" val="20004"/>
                     </a:ext>
                   </a:extLst>
                 </a:gridCol>
                 <a:gridCol w="411480">
                   <a:extLst>
                     <a:ext uri="{9D8B030D-6E8A-4147-A177-3AD203B41FA5}">
-                      <a16:colId xmlns:a16="http://schemas.microsoft.com/office/drawing/2014/main" val="20005"/>
+                      <a16:colId xmlns:a16="http://schemas.microsoft.com/office/drawing/2014/main" xmlns="" val="20005"/>
                     </a:ext>
                   </a:extLst>
                 </a:gridCol>
@@ -12453,16 +12563,16 @@
                     <a:p>
                       <a:pPr algn="ctr"/>
                       <a:r>
-                        <a:rPr kumimoji="1" lang="en-US" altLang="ja-JP" sz="2800" b="0" dirty="0" smtClean="0">
+                        <a:rPr kumimoji="1" lang="en-US" altLang="ja-JP" sz="2800" b="1" dirty="0" smtClean="0">
                           <a:solidFill>
-                            <a:schemeClr val="tx1"/>
+                            <a:schemeClr val="accent2"/>
                           </a:solidFill>
                         </a:rPr>
                         <a:t>1</a:t>
                       </a:r>
-                      <a:endParaRPr kumimoji="1" lang="ja-JP" altLang="en-US" sz="2800" b="0" dirty="0">
+                      <a:endParaRPr kumimoji="1" lang="ja-JP" altLang="en-US" sz="2800" b="1" dirty="0">
                         <a:solidFill>
-                          <a:schemeClr val="tx1"/>
+                          <a:schemeClr val="accent2"/>
                         </a:solidFill>
                       </a:endParaRPr>
                     </a:p>
@@ -12570,7 +12680,7 @@
                 </a:tc>
                 <a:extLst>
                   <a:ext uri="{0D108BD9-81ED-4DB2-BD59-A6C34878D82A}">
-                    <a16:rowId xmlns:a16="http://schemas.microsoft.com/office/drawing/2014/main" val="544127792"/>
+                    <a16:rowId xmlns:a16="http://schemas.microsoft.com/office/drawing/2014/main" xmlns="" val="544127792"/>
                   </a:ext>
                 </a:extLst>
               </a:tr>
@@ -12602,42 +12712,42 @@
                 <a:gridCol w="411480">
                   <a:extLst>
                     <a:ext uri="{9D8B030D-6E8A-4147-A177-3AD203B41FA5}">
-                      <a16:colId xmlns:a16="http://schemas.microsoft.com/office/drawing/2014/main" val="1322717240"/>
+                      <a16:colId xmlns:a16="http://schemas.microsoft.com/office/drawing/2014/main" xmlns="" val="1322717240"/>
                     </a:ext>
                   </a:extLst>
                 </a:gridCol>
                 <a:gridCol w="411480">
                   <a:extLst>
                     <a:ext uri="{9D8B030D-6E8A-4147-A177-3AD203B41FA5}">
-                      <a16:colId xmlns:a16="http://schemas.microsoft.com/office/drawing/2014/main" val="4013610060"/>
+                      <a16:colId xmlns:a16="http://schemas.microsoft.com/office/drawing/2014/main" xmlns="" val="4013610060"/>
                     </a:ext>
                   </a:extLst>
                 </a:gridCol>
                 <a:gridCol w="411480">
                   <a:extLst>
                     <a:ext uri="{9D8B030D-6E8A-4147-A177-3AD203B41FA5}">
-                      <a16:colId xmlns:a16="http://schemas.microsoft.com/office/drawing/2014/main" val="4120775698"/>
+                      <a16:colId xmlns:a16="http://schemas.microsoft.com/office/drawing/2014/main" xmlns="" val="4120775698"/>
                     </a:ext>
                   </a:extLst>
                 </a:gridCol>
                 <a:gridCol w="411480">
                   <a:extLst>
                     <a:ext uri="{9D8B030D-6E8A-4147-A177-3AD203B41FA5}">
-                      <a16:colId xmlns:a16="http://schemas.microsoft.com/office/drawing/2014/main" val="2398927270"/>
+                      <a16:colId xmlns:a16="http://schemas.microsoft.com/office/drawing/2014/main" xmlns="" val="2398927270"/>
                     </a:ext>
                   </a:extLst>
                 </a:gridCol>
                 <a:gridCol w="411480">
                   <a:extLst>
                     <a:ext uri="{9D8B030D-6E8A-4147-A177-3AD203B41FA5}">
-                      <a16:colId xmlns:a16="http://schemas.microsoft.com/office/drawing/2014/main" val="20004"/>
+                      <a16:colId xmlns:a16="http://schemas.microsoft.com/office/drawing/2014/main" xmlns="" val="20004"/>
                     </a:ext>
                   </a:extLst>
                 </a:gridCol>
                 <a:gridCol w="411480">
                   <a:extLst>
                     <a:ext uri="{9D8B030D-6E8A-4147-A177-3AD203B41FA5}">
-                      <a16:colId xmlns:a16="http://schemas.microsoft.com/office/drawing/2014/main" val="20005"/>
+                      <a16:colId xmlns:a16="http://schemas.microsoft.com/office/drawing/2014/main" xmlns="" val="20005"/>
                     </a:ext>
                   </a:extLst>
                 </a:gridCol>
@@ -13011,7 +13121,7 @@
                 </a:tc>
                 <a:extLst>
                   <a:ext uri="{0D108BD9-81ED-4DB2-BD59-A6C34878D82A}">
-                    <a16:rowId xmlns:a16="http://schemas.microsoft.com/office/drawing/2014/main" val="544127792"/>
+                    <a16:rowId xmlns:a16="http://schemas.microsoft.com/office/drawing/2014/main" xmlns="" val="544127792"/>
                   </a:ext>
                 </a:extLst>
               </a:tr>
@@ -13272,42 +13382,42 @@
                 <a:gridCol w="411480">
                   <a:extLst>
                     <a:ext uri="{9D8B030D-6E8A-4147-A177-3AD203B41FA5}">
-                      <a16:colId xmlns:a16="http://schemas.microsoft.com/office/drawing/2014/main" val="1322717240"/>
+                      <a16:colId xmlns:a16="http://schemas.microsoft.com/office/drawing/2014/main" xmlns="" val="1322717240"/>
                     </a:ext>
                   </a:extLst>
                 </a:gridCol>
                 <a:gridCol w="411480">
                   <a:extLst>
                     <a:ext uri="{9D8B030D-6E8A-4147-A177-3AD203B41FA5}">
-                      <a16:colId xmlns:a16="http://schemas.microsoft.com/office/drawing/2014/main" val="4013610060"/>
+                      <a16:colId xmlns:a16="http://schemas.microsoft.com/office/drawing/2014/main" xmlns="" val="4013610060"/>
                     </a:ext>
                   </a:extLst>
                 </a:gridCol>
                 <a:gridCol w="411480">
                   <a:extLst>
                     <a:ext uri="{9D8B030D-6E8A-4147-A177-3AD203B41FA5}">
-                      <a16:colId xmlns:a16="http://schemas.microsoft.com/office/drawing/2014/main" val="4120775698"/>
+                      <a16:colId xmlns:a16="http://schemas.microsoft.com/office/drawing/2014/main" xmlns="" val="4120775698"/>
                     </a:ext>
                   </a:extLst>
                 </a:gridCol>
                 <a:gridCol w="411480">
                   <a:extLst>
                     <a:ext uri="{9D8B030D-6E8A-4147-A177-3AD203B41FA5}">
-                      <a16:colId xmlns:a16="http://schemas.microsoft.com/office/drawing/2014/main" val="2398927270"/>
+                      <a16:colId xmlns:a16="http://schemas.microsoft.com/office/drawing/2014/main" xmlns="" val="2398927270"/>
                     </a:ext>
                   </a:extLst>
                 </a:gridCol>
                 <a:gridCol w="411480">
                   <a:extLst>
                     <a:ext uri="{9D8B030D-6E8A-4147-A177-3AD203B41FA5}">
-                      <a16:colId xmlns:a16="http://schemas.microsoft.com/office/drawing/2014/main" val="20004"/>
+                      <a16:colId xmlns:a16="http://schemas.microsoft.com/office/drawing/2014/main" xmlns="" val="20004"/>
                     </a:ext>
                   </a:extLst>
                 </a:gridCol>
                 <a:gridCol w="411480">
                   <a:extLst>
                     <a:ext uri="{9D8B030D-6E8A-4147-A177-3AD203B41FA5}">
-                      <a16:colId xmlns:a16="http://schemas.microsoft.com/office/drawing/2014/main" val="20005"/>
+                      <a16:colId xmlns:a16="http://schemas.microsoft.com/office/drawing/2014/main" xmlns="" val="20005"/>
                     </a:ext>
                   </a:extLst>
                 </a:gridCol>
@@ -13681,7 +13791,7 @@
                 </a:tc>
                 <a:extLst>
                   <a:ext uri="{0D108BD9-81ED-4DB2-BD59-A6C34878D82A}">
-                    <a16:rowId xmlns:a16="http://schemas.microsoft.com/office/drawing/2014/main" val="544127792"/>
+                    <a16:rowId xmlns:a16="http://schemas.microsoft.com/office/drawing/2014/main" xmlns="" val="544127792"/>
                   </a:ext>
                 </a:extLst>
               </a:tr>
@@ -13886,7 +13996,7 @@
             </a:r>
             <a:r>
               <a:rPr lang="ja-JP" altLang="en-US" b="1" dirty="0" smtClean="0"/>
-              <a:t>テスト問題設定</a:t>
+              <a:t>ベンチマーク問題設定</a:t>
             </a:r>
             <a:r>
               <a:rPr lang="en-US" altLang="ja-JP" b="1" dirty="0" smtClean="0"/>
@@ -15189,9 +15299,236 @@
   <p:timing>
     <p:tnLst>
       <p:par>
-        <p:cTn id="1" dur="indefinite" restart="never" nodeType="tmRoot"/>
+        <p:cTn id="1" dur="indefinite" restart="never" nodeType="tmRoot">
+          <p:childTnLst>
+            <p:seq concurrent="1" nextAc="seek">
+              <p:cTn id="2" dur="indefinite" nodeType="mainSeq">
+                <p:childTnLst>
+                  <p:par>
+                    <p:cTn id="3" fill="hold">
+                      <p:stCondLst>
+                        <p:cond delay="indefinite"/>
+                      </p:stCondLst>
+                      <p:childTnLst>
+                        <p:par>
+                          <p:cTn id="4" fill="hold">
+                            <p:stCondLst>
+                              <p:cond delay="0"/>
+                            </p:stCondLst>
+                            <p:childTnLst>
+                              <p:par>
+                                <p:cTn id="5" presetID="1" presetClass="entr" presetSubtype="0" fill="hold" grpId="0" nodeType="clickEffect">
+                                  <p:stCondLst>
+                                    <p:cond delay="0"/>
+                                  </p:stCondLst>
+                                  <p:childTnLst>
+                                    <p:set>
+                                      <p:cBhvr>
+                                        <p:cTn id="6" dur="1" fill="hold">
+                                          <p:stCondLst>
+                                            <p:cond delay="0"/>
+                                          </p:stCondLst>
+                                        </p:cTn>
+                                        <p:tgtEl>
+                                          <p:spTgt spid="9"/>
+                                        </p:tgtEl>
+                                        <p:attrNameLst>
+                                          <p:attrName>style.visibility</p:attrName>
+                                        </p:attrNameLst>
+                                      </p:cBhvr>
+                                      <p:to>
+                                        <p:strVal val="visible"/>
+                                      </p:to>
+                                    </p:set>
+                                  </p:childTnLst>
+                                </p:cTn>
+                              </p:par>
+                              <p:par>
+                                <p:cTn id="7" presetID="1" presetClass="entr" presetSubtype="0" fill="hold" grpId="0" nodeType="withEffect">
+                                  <p:stCondLst>
+                                    <p:cond delay="0"/>
+                                  </p:stCondLst>
+                                  <p:childTnLst>
+                                    <p:set>
+                                      <p:cBhvr>
+                                        <p:cTn id="8" dur="1" fill="hold">
+                                          <p:stCondLst>
+                                            <p:cond delay="0"/>
+                                          </p:stCondLst>
+                                        </p:cTn>
+                                        <p:tgtEl>
+                                          <p:spTgt spid="34"/>
+                                        </p:tgtEl>
+                                        <p:attrNameLst>
+                                          <p:attrName>style.visibility</p:attrName>
+                                        </p:attrNameLst>
+                                      </p:cBhvr>
+                                      <p:to>
+                                        <p:strVal val="visible"/>
+                                      </p:to>
+                                    </p:set>
+                                  </p:childTnLst>
+                                </p:cTn>
+                              </p:par>
+                              <p:par>
+                                <p:cTn id="9" presetID="1" presetClass="entr" presetSubtype="0" fill="hold" nodeType="withEffect">
+                                  <p:stCondLst>
+                                    <p:cond delay="0"/>
+                                  </p:stCondLst>
+                                  <p:childTnLst>
+                                    <p:set>
+                                      <p:cBhvr>
+                                        <p:cTn id="10" dur="1" fill="hold">
+                                          <p:stCondLst>
+                                            <p:cond delay="0"/>
+                                          </p:stCondLst>
+                                        </p:cTn>
+                                        <p:tgtEl>
+                                          <p:spTgt spid="8"/>
+                                        </p:tgtEl>
+                                        <p:attrNameLst>
+                                          <p:attrName>style.visibility</p:attrName>
+                                        </p:attrNameLst>
+                                      </p:cBhvr>
+                                      <p:to>
+                                        <p:strVal val="visible"/>
+                                      </p:to>
+                                    </p:set>
+                                  </p:childTnLst>
+                                </p:cTn>
+                              </p:par>
+                            </p:childTnLst>
+                          </p:cTn>
+                        </p:par>
+                      </p:childTnLst>
+                    </p:cTn>
+                  </p:par>
+                  <p:par>
+                    <p:cTn id="11" fill="hold">
+                      <p:stCondLst>
+                        <p:cond delay="indefinite"/>
+                      </p:stCondLst>
+                      <p:childTnLst>
+                        <p:par>
+                          <p:cTn id="12" fill="hold">
+                            <p:stCondLst>
+                              <p:cond delay="0"/>
+                            </p:stCondLst>
+                            <p:childTnLst>
+                              <p:par>
+                                <p:cTn id="13" presetID="1" presetClass="entr" presetSubtype="0" fill="hold" grpId="0" nodeType="clickEffect">
+                                  <p:stCondLst>
+                                    <p:cond delay="0"/>
+                                  </p:stCondLst>
+                                  <p:childTnLst>
+                                    <p:set>
+                                      <p:cBhvr>
+                                        <p:cTn id="14" dur="1" fill="hold">
+                                          <p:stCondLst>
+                                            <p:cond delay="0"/>
+                                          </p:stCondLst>
+                                        </p:cTn>
+                                        <p:tgtEl>
+                                          <p:spTgt spid="36"/>
+                                        </p:tgtEl>
+                                        <p:attrNameLst>
+                                          <p:attrName>style.visibility</p:attrName>
+                                        </p:attrNameLst>
+                                      </p:cBhvr>
+                                      <p:to>
+                                        <p:strVal val="visible"/>
+                                      </p:to>
+                                    </p:set>
+                                  </p:childTnLst>
+                                </p:cTn>
+                              </p:par>
+                              <p:par>
+                                <p:cTn id="15" presetID="1" presetClass="entr" presetSubtype="0" fill="hold" grpId="0" nodeType="withEffect">
+                                  <p:stCondLst>
+                                    <p:cond delay="0"/>
+                                  </p:stCondLst>
+                                  <p:childTnLst>
+                                    <p:set>
+                                      <p:cBhvr>
+                                        <p:cTn id="16" dur="1" fill="hold">
+                                          <p:stCondLst>
+                                            <p:cond delay="0"/>
+                                          </p:stCondLst>
+                                        </p:cTn>
+                                        <p:tgtEl>
+                                          <p:spTgt spid="3"/>
+                                        </p:tgtEl>
+                                        <p:attrNameLst>
+                                          <p:attrName>style.visibility</p:attrName>
+                                        </p:attrNameLst>
+                                      </p:cBhvr>
+                                      <p:to>
+                                        <p:strVal val="visible"/>
+                                      </p:to>
+                                    </p:set>
+                                  </p:childTnLst>
+                                </p:cTn>
+                              </p:par>
+                              <p:par>
+                                <p:cTn id="17" presetID="1" presetClass="entr" presetSubtype="0" fill="hold" nodeType="withEffect">
+                                  <p:stCondLst>
+                                    <p:cond delay="0"/>
+                                  </p:stCondLst>
+                                  <p:childTnLst>
+                                    <p:set>
+                                      <p:cBhvr>
+                                        <p:cTn id="18" dur="1" fill="hold">
+                                          <p:stCondLst>
+                                            <p:cond delay="0"/>
+                                          </p:stCondLst>
+                                        </p:cTn>
+                                        <p:tgtEl>
+                                          <p:spTgt spid="4"/>
+                                        </p:tgtEl>
+                                        <p:attrNameLst>
+                                          <p:attrName>style.visibility</p:attrName>
+                                        </p:attrNameLst>
+                                      </p:cBhvr>
+                                      <p:to>
+                                        <p:strVal val="visible"/>
+                                      </p:to>
+                                    </p:set>
+                                  </p:childTnLst>
+                                </p:cTn>
+                              </p:par>
+                            </p:childTnLst>
+                          </p:cTn>
+                        </p:par>
+                      </p:childTnLst>
+                    </p:cTn>
+                  </p:par>
+                </p:childTnLst>
+              </p:cTn>
+              <p:prevCondLst>
+                <p:cond evt="onPrev" delay="0">
+                  <p:tgtEl>
+                    <p:sldTgt/>
+                  </p:tgtEl>
+                </p:cond>
+              </p:prevCondLst>
+              <p:nextCondLst>
+                <p:cond evt="onNext" delay="0">
+                  <p:tgtEl>
+                    <p:sldTgt/>
+                  </p:tgtEl>
+                </p:cond>
+              </p:nextCondLst>
+            </p:seq>
+          </p:childTnLst>
+        </p:cTn>
       </p:par>
     </p:tnLst>
+    <p:bldLst>
+      <p:bldP spid="9" grpId="0"/>
+      <p:bldP spid="34" grpId="0" animBg="1"/>
+      <p:bldP spid="36" grpId="0" animBg="1"/>
+      <p:bldP spid="3" grpId="0"/>
+    </p:bldLst>
   </p:timing>
 </p:sld>
 </file>
@@ -15826,7 +16163,7 @@
         </p:nvSpPr>
         <p:spPr>
           <a:xfrm>
-            <a:off x="1955678" y="5250729"/>
+            <a:off x="1955678" y="5149129"/>
             <a:ext cx="5041615" cy="430887"/>
           </a:xfrm>
           <a:prstGeom prst="rect">
@@ -15932,15 +16269,17 @@
         </p:nvSpPr>
         <p:spPr>
           <a:xfrm>
-            <a:off x="228600" y="5665283"/>
-            <a:ext cx="8686800" cy="1077218"/>
+            <a:off x="787400" y="5665283"/>
+            <a:ext cx="7569200" cy="1077218"/>
           </a:xfrm>
           <a:prstGeom prst="rect">
             <a:avLst/>
           </a:prstGeom>
           <a:noFill/>
-          <a:ln w="19050">
-            <a:noFill/>
+          <a:ln w="57150">
+            <a:solidFill>
+              <a:schemeClr val="accent1"/>
+            </a:solidFill>
           </a:ln>
         </p:spPr>
         <p:txBody>
@@ -15949,6 +16288,7 @@
           </a:bodyPr>
           <a:lstStyle/>
           <a:p>
+            <a:pPr algn="ctr"/>
             <a:r>
               <a:rPr kumimoji="1" lang="ja-JP" altLang="en-US" sz="3200" dirty="0" smtClean="0"/>
               <a:t>タスク</a:t>
@@ -15996,6 +16336,7 @@
             </a:endParaRPr>
           </a:p>
           <a:p>
+            <a:pPr algn="ctr"/>
             <a:r>
               <a:rPr lang="en-US" altLang="ja-JP" sz="3200" i="1" dirty="0">
                 <a:latin typeface="Symbol" panose="05050102010706020507" pitchFamily="18" charset="2"/>
@@ -16011,6 +16352,182 @@
           </a:p>
         </p:txBody>
       </p:sp>
+      <p:grpSp>
+        <p:nvGrpSpPr>
+          <p:cNvPr id="11" name="グループ化 10"/>
+          <p:cNvGrpSpPr/>
+          <p:nvPr/>
+        </p:nvGrpSpPr>
+        <p:grpSpPr>
+          <a:xfrm>
+            <a:off x="3309469" y="2104790"/>
+            <a:ext cx="1498600" cy="2590444"/>
+            <a:chOff x="3185644" y="2104790"/>
+            <a:chExt cx="1498600" cy="2590444"/>
+          </a:xfrm>
+        </p:grpSpPr>
+        <p:cxnSp>
+          <p:nvCxnSpPr>
+            <p:cNvPr id="8" name="直線矢印コネクタ 7"/>
+            <p:cNvCxnSpPr/>
+            <p:nvPr/>
+          </p:nvCxnSpPr>
+          <p:spPr>
+            <a:xfrm flipV="1">
+              <a:off x="3934944" y="2635550"/>
+              <a:ext cx="0" cy="1528925"/>
+            </a:xfrm>
+            <a:prstGeom prst="straightConnector1">
+              <a:avLst/>
+            </a:prstGeom>
+            <a:ln w="76200">
+              <a:solidFill>
+                <a:schemeClr val="tx1"/>
+              </a:solidFill>
+              <a:tailEnd type="triangle"/>
+            </a:ln>
+          </p:spPr>
+          <p:style>
+            <a:lnRef idx="1">
+              <a:schemeClr val="accent1"/>
+            </a:lnRef>
+            <a:fillRef idx="0">
+              <a:schemeClr val="accent1"/>
+            </a:fillRef>
+            <a:effectRef idx="0">
+              <a:schemeClr val="accent1"/>
+            </a:effectRef>
+            <a:fontRef idx="minor">
+              <a:schemeClr val="tx1"/>
+            </a:fontRef>
+          </p:style>
+        </p:cxnSp>
+        <p:sp>
+          <p:nvSpPr>
+            <p:cNvPr id="9" name="テキスト ボックス 8"/>
+            <p:cNvSpPr txBox="1"/>
+            <p:nvPr/>
+          </p:nvSpPr>
+          <p:spPr>
+            <a:xfrm>
+              <a:off x="3185644" y="4172014"/>
+              <a:ext cx="1498600" cy="523220"/>
+            </a:xfrm>
+            <a:prstGeom prst="rect">
+              <a:avLst/>
+            </a:prstGeom>
+            <a:noFill/>
+            <a:ln w="19050">
+              <a:noFill/>
+            </a:ln>
+          </p:spPr>
+          <p:txBody>
+            <a:bodyPr wrap="square" rtlCol="0">
+              <a:spAutoFit/>
+            </a:bodyPr>
+            <a:lstStyle/>
+            <a:p>
+              <a:pPr algn="ctr"/>
+              <a:r>
+                <a:rPr lang="ja-JP" altLang="en-US" sz="2800" b="1" dirty="0" smtClean="0">
+                  <a:solidFill>
+                    <a:schemeClr val="accent2"/>
+                  </a:solidFill>
+                </a:rPr>
+                <a:t>小</a:t>
+              </a:r>
+              <a:endParaRPr kumimoji="1" lang="ja-JP" altLang="en-US" sz="2800" b="1" dirty="0" smtClean="0">
+                <a:solidFill>
+                  <a:schemeClr val="accent2"/>
+                </a:solidFill>
+              </a:endParaRPr>
+            </a:p>
+          </p:txBody>
+        </p:sp>
+        <p:sp>
+          <p:nvSpPr>
+            <p:cNvPr id="39" name="テキスト ボックス 38"/>
+            <p:cNvSpPr txBox="1"/>
+            <p:nvPr/>
+          </p:nvSpPr>
+          <p:spPr>
+            <a:xfrm>
+              <a:off x="3185644" y="2104790"/>
+              <a:ext cx="1498600" cy="523220"/>
+            </a:xfrm>
+            <a:prstGeom prst="rect">
+              <a:avLst/>
+            </a:prstGeom>
+            <a:noFill/>
+            <a:ln w="19050">
+              <a:noFill/>
+            </a:ln>
+          </p:spPr>
+          <p:txBody>
+            <a:bodyPr wrap="square" rtlCol="0">
+              <a:spAutoFit/>
+            </a:bodyPr>
+            <a:lstStyle/>
+            <a:p>
+              <a:pPr algn="ctr"/>
+              <a:r>
+                <a:rPr kumimoji="1" lang="ja-JP" altLang="en-US" sz="2800" b="1" dirty="0" smtClean="0">
+                  <a:solidFill>
+                    <a:schemeClr val="accent1"/>
+                  </a:solidFill>
+                </a:rPr>
+                <a:t>大</a:t>
+              </a:r>
+              <a:endParaRPr kumimoji="1" lang="ja-JP" altLang="en-US" sz="2800" b="1" dirty="0" smtClean="0">
+                <a:solidFill>
+                  <a:schemeClr val="accent1"/>
+                </a:solidFill>
+              </a:endParaRPr>
+            </a:p>
+          </p:txBody>
+        </p:sp>
+        <p:sp>
+          <p:nvSpPr>
+            <p:cNvPr id="42" name="テキスト ボックス 41"/>
+            <p:cNvSpPr txBox="1"/>
+            <p:nvPr/>
+          </p:nvSpPr>
+          <p:spPr>
+            <a:xfrm>
+              <a:off x="3827019" y="3138402"/>
+              <a:ext cx="744981" cy="523220"/>
+            </a:xfrm>
+            <a:prstGeom prst="rect">
+              <a:avLst/>
+            </a:prstGeom>
+            <a:noFill/>
+            <a:ln w="19050">
+              <a:noFill/>
+            </a:ln>
+          </p:spPr>
+          <p:txBody>
+            <a:bodyPr wrap="square" rtlCol="0">
+              <a:spAutoFit/>
+            </a:bodyPr>
+            <a:lstStyle/>
+            <a:p>
+              <a:pPr algn="ctr"/>
+              <a:r>
+                <a:rPr lang="en-US" altLang="ja-JP" sz="2800" i="1" dirty="0" smtClean="0">
+                  <a:latin typeface="Symbol" panose="05050102010706020507" pitchFamily="18" charset="2"/>
+                  <a:cs typeface="Times New Roman" panose="02020603050405020304" pitchFamily="18" charset="0"/>
+                </a:rPr>
+                <a:t>a </a:t>
+              </a:r>
+              <a:endParaRPr kumimoji="1" lang="ja-JP" altLang="en-US" sz="2800" b="1" dirty="0" smtClean="0">
+                <a:solidFill>
+                  <a:schemeClr val="accent2"/>
+                </a:solidFill>
+              </a:endParaRPr>
+            </a:p>
+          </p:txBody>
+        </p:sp>
+      </p:grpSp>
     </p:spTree>
     <p:extLst>
       <p:ext uri="{BB962C8B-B14F-4D97-AF65-F5344CB8AC3E}">
@@ -16612,48 +17129,6 @@
       </p:grpSp>
       <p:sp>
         <p:nvSpPr>
-          <p:cNvPr id="42" name="テキスト ボックス 41"/>
-          <p:cNvSpPr txBox="1"/>
-          <p:nvPr/>
-        </p:nvSpPr>
-        <p:spPr>
-          <a:xfrm>
-            <a:off x="1955678" y="5250734"/>
-            <a:ext cx="5041615" cy="430887"/>
-          </a:xfrm>
-          <a:prstGeom prst="rect">
-            <a:avLst/>
-          </a:prstGeom>
-          <a:noFill/>
-          <a:ln w="19050">
-            <a:noFill/>
-          </a:ln>
-        </p:spPr>
-        <p:txBody>
-          <a:bodyPr wrap="square" rtlCol="0">
-            <a:spAutoFit/>
-          </a:bodyPr>
-          <a:lstStyle/>
-          <a:p>
-            <a:pPr algn="ctr"/>
-            <a:r>
-              <a:rPr kumimoji="1" lang="ja-JP" altLang="en-US" sz="2200" dirty="0" smtClean="0"/>
-              <a:t>タスク</a:t>
-            </a:r>
-            <a:r>
-              <a:rPr kumimoji="1" lang="en-US" altLang="ja-JP" sz="2200" dirty="0" smtClean="0"/>
-              <a:t>1</a:t>
-            </a:r>
-            <a:r>
-              <a:rPr lang="ja-JP" altLang="en-US" sz="2200" dirty="0" smtClean="0"/>
-              <a:t>にのみ含まれるアイテム数</a:t>
-            </a:r>
-            <a:endParaRPr lang="en-US" altLang="ja-JP" sz="2200" dirty="0" smtClean="0"/>
-          </a:p>
-        </p:txBody>
-      </p:sp>
-      <p:sp>
-        <p:nvSpPr>
           <p:cNvPr id="43" name="テキスト ボックス 42"/>
           <p:cNvSpPr txBox="1"/>
           <p:nvPr/>
@@ -16718,14 +17193,93 @@
       </p:sp>
       <p:sp>
         <p:nvSpPr>
-          <p:cNvPr id="44" name="テキスト ボックス 43"/>
+          <p:cNvPr id="23" name="テキスト ボックス 22"/>
           <p:cNvSpPr txBox="1"/>
           <p:nvPr/>
         </p:nvSpPr>
         <p:spPr>
           <a:xfrm>
-            <a:off x="228600" y="5665283"/>
-            <a:ext cx="8686800" cy="1077218"/>
+            <a:off x="787400" y="5665283"/>
+            <a:ext cx="7569200" cy="1077218"/>
+          </a:xfrm>
+          <a:prstGeom prst="rect">
+            <a:avLst/>
+          </a:prstGeom>
+          <a:noFill/>
+          <a:ln w="57150">
+            <a:solidFill>
+              <a:schemeClr val="accent1"/>
+            </a:solidFill>
+          </a:ln>
+        </p:spPr>
+        <p:txBody>
+          <a:bodyPr wrap="square" rtlCol="0">
+            <a:spAutoFit/>
+          </a:bodyPr>
+          <a:lstStyle/>
+          <a:p>
+            <a:pPr algn="ctr"/>
+            <a:r>
+              <a:rPr lang="ja-JP" altLang="en-US" sz="3200" dirty="0"/>
+              <a:t>タスク</a:t>
+            </a:r>
+            <a:r>
+              <a:rPr lang="en-US" altLang="ja-JP" sz="3200" dirty="0"/>
+              <a:t>2</a:t>
+            </a:r>
+            <a:r>
+              <a:rPr lang="ja-JP" altLang="en-US" sz="3200" dirty="0"/>
+              <a:t>はタスク</a:t>
+            </a:r>
+            <a:r>
+              <a:rPr lang="en-US" altLang="ja-JP" sz="3200" dirty="0"/>
+              <a:t>1</a:t>
+            </a:r>
+            <a:r>
+              <a:rPr lang="ja-JP" altLang="en-US" sz="3200" dirty="0"/>
+              <a:t>のアイテムを</a:t>
+            </a:r>
+            <a:r>
+              <a:rPr lang="ja-JP" altLang="en-US" sz="3200" b="1" dirty="0">
+                <a:solidFill>
+                  <a:schemeClr val="accent1"/>
+                </a:solidFill>
+              </a:rPr>
+              <a:t>一部選択</a:t>
+            </a:r>
+            <a:endParaRPr lang="en-US" altLang="ja-JP" sz="3200" b="1" dirty="0">
+              <a:solidFill>
+                <a:schemeClr val="accent1"/>
+              </a:solidFill>
+            </a:endParaRPr>
+          </a:p>
+          <a:p>
+            <a:pPr algn="ctr"/>
+            <a:r>
+              <a:rPr lang="en-US" altLang="ja-JP" sz="3200" i="1" dirty="0">
+                <a:latin typeface="Symbol" panose="05050102010706020507" pitchFamily="18" charset="2"/>
+                <a:cs typeface="Times New Roman" panose="02020603050405020304" pitchFamily="18" charset="0"/>
+              </a:rPr>
+              <a:t>b</a:t>
+            </a:r>
+            <a:r>
+              <a:rPr lang="ja-JP" altLang="en-US" sz="3200" dirty="0"/>
+              <a:t>が大きくなると，異なるアイテム数が増加</a:t>
+            </a:r>
+            <a:endParaRPr lang="en-US" altLang="ja-JP" sz="3200" dirty="0"/>
+          </a:p>
+        </p:txBody>
+      </p:sp>
+      <p:sp>
+        <p:nvSpPr>
+          <p:cNvPr id="24" name="テキスト ボックス 23"/>
+          <p:cNvSpPr txBox="1"/>
+          <p:nvPr/>
+        </p:nvSpPr>
+        <p:spPr>
+          <a:xfrm>
+            <a:off x="1955678" y="5149129"/>
+            <a:ext cx="5041615" cy="430887"/>
           </a:xfrm>
           <a:prstGeom prst="rect">
             <a:avLst/>
@@ -16741,68 +17295,206 @@
           </a:bodyPr>
           <a:lstStyle/>
           <a:p>
-            <a:r>
-              <a:rPr kumimoji="1" lang="ja-JP" altLang="en-US" sz="3200" dirty="0" smtClean="0"/>
+            <a:pPr algn="ctr"/>
+            <a:r>
+              <a:rPr kumimoji="1" lang="ja-JP" altLang="en-US" sz="2200" dirty="0" smtClean="0"/>
               <a:t>タスク</a:t>
             </a:r>
             <a:r>
-              <a:rPr kumimoji="1" lang="en-US" altLang="ja-JP" sz="3200" dirty="0" smtClean="0"/>
-              <a:t>2</a:t>
-            </a:r>
-            <a:r>
-              <a:rPr lang="ja-JP" altLang="en-US" sz="3200" dirty="0"/>
-              <a:t>は</a:t>
-            </a:r>
-            <a:r>
-              <a:rPr kumimoji="1" lang="ja-JP" altLang="en-US" sz="3200" dirty="0" smtClean="0"/>
-              <a:t>タスク</a:t>
-            </a:r>
-            <a:r>
-              <a:rPr kumimoji="1" lang="en-US" altLang="ja-JP" sz="3200" dirty="0" smtClean="0"/>
+              <a:rPr kumimoji="1" lang="en-US" altLang="ja-JP" sz="2200" dirty="0" smtClean="0"/>
               <a:t>1</a:t>
             </a:r>
             <a:r>
-              <a:rPr lang="ja-JP" altLang="en-US" sz="3200" dirty="0" smtClean="0"/>
-              <a:t>のアイテムを</a:t>
-            </a:r>
-            <a:r>
-              <a:rPr lang="ja-JP" altLang="en-US" sz="3200" b="1" dirty="0" smtClean="0">
+              <a:rPr lang="ja-JP" altLang="en-US" sz="2200" dirty="0" smtClean="0"/>
+              <a:t>にのみ含まれるアイテム数</a:t>
+            </a:r>
+            <a:endParaRPr lang="en-US" altLang="ja-JP" sz="2200" dirty="0" smtClean="0"/>
+          </a:p>
+        </p:txBody>
+      </p:sp>
+      <p:grpSp>
+        <p:nvGrpSpPr>
+          <p:cNvPr id="7" name="グループ化 6"/>
+          <p:cNvGrpSpPr/>
+          <p:nvPr/>
+        </p:nvGrpSpPr>
+        <p:grpSpPr>
+          <a:xfrm>
+            <a:off x="3289823" y="2776421"/>
+            <a:ext cx="3071295" cy="2216014"/>
+            <a:chOff x="3251723" y="2633546"/>
+            <a:chExt cx="3071295" cy="2216014"/>
+          </a:xfrm>
+        </p:grpSpPr>
+        <p:cxnSp>
+          <p:nvCxnSpPr>
+            <p:cNvPr id="26" name="直線矢印コネクタ 25"/>
+            <p:cNvCxnSpPr/>
+            <p:nvPr/>
+          </p:nvCxnSpPr>
+          <p:spPr>
+            <a:xfrm flipV="1">
+              <a:off x="4128311" y="3107257"/>
+              <a:ext cx="1238133" cy="1238133"/>
+            </a:xfrm>
+            <a:prstGeom prst="straightConnector1">
+              <a:avLst/>
+            </a:prstGeom>
+            <a:ln w="76200">
+              <a:solidFill>
+                <a:schemeClr val="tx1"/>
+              </a:solidFill>
+              <a:tailEnd type="triangle"/>
+            </a:ln>
+          </p:spPr>
+          <p:style>
+            <a:lnRef idx="1">
+              <a:schemeClr val="accent1"/>
+            </a:lnRef>
+            <a:fillRef idx="0">
+              <a:schemeClr val="accent1"/>
+            </a:fillRef>
+            <a:effectRef idx="0">
+              <a:schemeClr val="accent1"/>
+            </a:effectRef>
+            <a:fontRef idx="minor">
+              <a:schemeClr val="tx1"/>
+            </a:fontRef>
+          </p:style>
+        </p:cxnSp>
+        <p:sp>
+          <p:nvSpPr>
+            <p:cNvPr id="27" name="テキスト ボックス 26"/>
+            <p:cNvSpPr txBox="1"/>
+            <p:nvPr/>
+          </p:nvSpPr>
+          <p:spPr>
+            <a:xfrm>
+              <a:off x="3251723" y="4326340"/>
+              <a:ext cx="1498600" cy="523220"/>
+            </a:xfrm>
+            <a:prstGeom prst="rect">
+              <a:avLst/>
+            </a:prstGeom>
+            <a:noFill/>
+            <a:ln w="19050">
+              <a:noFill/>
+            </a:ln>
+          </p:spPr>
+          <p:txBody>
+            <a:bodyPr wrap="square" rtlCol="0">
+              <a:spAutoFit/>
+            </a:bodyPr>
+            <a:lstStyle/>
+            <a:p>
+              <a:pPr algn="ctr"/>
+              <a:r>
+                <a:rPr lang="ja-JP" altLang="en-US" sz="2800" b="1" dirty="0" smtClean="0">
+                  <a:solidFill>
+                    <a:schemeClr val="accent2"/>
+                  </a:solidFill>
+                </a:rPr>
+                <a:t>小</a:t>
+              </a:r>
+              <a:endParaRPr kumimoji="1" lang="ja-JP" altLang="en-US" sz="2800" b="1" dirty="0" smtClean="0">
+                <a:solidFill>
+                  <a:schemeClr val="accent2"/>
+                </a:solidFill>
+              </a:endParaRPr>
+            </a:p>
+          </p:txBody>
+        </p:sp>
+        <p:sp>
+          <p:nvSpPr>
+            <p:cNvPr id="45" name="テキスト ボックス 44"/>
+            <p:cNvSpPr txBox="1"/>
+            <p:nvPr/>
+          </p:nvSpPr>
+          <p:spPr>
+            <a:xfrm>
+              <a:off x="4824418" y="2633546"/>
+              <a:ext cx="1498600" cy="523220"/>
+            </a:xfrm>
+            <a:prstGeom prst="rect">
+              <a:avLst/>
+            </a:prstGeom>
+            <a:noFill/>
+            <a:ln w="19050">
+              <a:noFill/>
+            </a:ln>
+          </p:spPr>
+          <p:txBody>
+            <a:bodyPr wrap="square" rtlCol="0">
+              <a:spAutoFit/>
+            </a:bodyPr>
+            <a:lstStyle/>
+            <a:p>
+              <a:pPr algn="ctr"/>
+              <a:r>
+                <a:rPr kumimoji="1" lang="ja-JP" altLang="en-US" sz="2800" b="1" dirty="0" smtClean="0">
+                  <a:solidFill>
+                    <a:schemeClr val="accent1"/>
+                  </a:solidFill>
+                </a:rPr>
+                <a:t>大</a:t>
+              </a:r>
+              <a:endParaRPr kumimoji="1" lang="ja-JP" altLang="en-US" sz="2800" b="1" dirty="0" smtClean="0">
                 <a:solidFill>
                   <a:schemeClr val="accent1"/>
                 </a:solidFill>
-              </a:rPr>
-              <a:t>一部選択</a:t>
-            </a:r>
-            <a:endParaRPr lang="en-US" altLang="ja-JP" sz="3200" b="1" dirty="0" smtClean="0">
-              <a:solidFill>
-                <a:schemeClr val="accent1"/>
-              </a:solidFill>
-            </a:endParaRPr>
-          </a:p>
-          <a:p>
-            <a:r>
-              <a:rPr lang="en-US" altLang="ja-JP" sz="3200" i="1" dirty="0" smtClean="0">
-                <a:latin typeface="Symbol" panose="05050102010706020507" pitchFamily="18" charset="2"/>
-                <a:cs typeface="Times New Roman" panose="02020603050405020304" pitchFamily="18" charset="0"/>
-              </a:rPr>
-              <a:t>b</a:t>
-            </a:r>
-            <a:r>
-              <a:rPr lang="ja-JP" altLang="en-US" sz="3200" dirty="0" smtClean="0"/>
-              <a:t>が</a:t>
-            </a:r>
-            <a:r>
-              <a:rPr lang="ja-JP" altLang="en-US" sz="3200" dirty="0"/>
-              <a:t>大きくなると，異なるアイテム数が</a:t>
-            </a:r>
-            <a:r>
-              <a:rPr lang="ja-JP" altLang="en-US" sz="3200" dirty="0" smtClean="0"/>
-              <a:t>増加</a:t>
-            </a:r>
-            <a:endParaRPr lang="en-US" altLang="ja-JP" sz="3200" dirty="0"/>
-          </a:p>
-        </p:txBody>
-      </p:sp>
+              </a:endParaRPr>
+            </a:p>
+          </p:txBody>
+        </p:sp>
+        <p:sp>
+          <p:nvSpPr>
+            <p:cNvPr id="46" name="テキスト ボックス 45"/>
+            <p:cNvSpPr txBox="1"/>
+            <p:nvPr/>
+          </p:nvSpPr>
+          <p:spPr>
+            <a:xfrm>
+              <a:off x="4199721" y="3570929"/>
+              <a:ext cx="1498600" cy="523220"/>
+            </a:xfrm>
+            <a:prstGeom prst="rect">
+              <a:avLst/>
+            </a:prstGeom>
+            <a:noFill/>
+            <a:ln w="19050">
+              <a:noFill/>
+            </a:ln>
+          </p:spPr>
+          <p:txBody>
+            <a:bodyPr wrap="square" rtlCol="0">
+              <a:spAutoFit/>
+            </a:bodyPr>
+            <a:lstStyle/>
+            <a:p>
+              <a:pPr algn="ctr"/>
+              <a:r>
+                <a:rPr lang="en-US" altLang="ja-JP" sz="2800" i="1" dirty="0">
+                  <a:latin typeface="Symbol" panose="05050102010706020507" pitchFamily="18" charset="2"/>
+                  <a:cs typeface="Times New Roman" panose="02020603050405020304" pitchFamily="18" charset="0"/>
+                </a:rPr>
+                <a:t>b</a:t>
+              </a:r>
+              <a:r>
+                <a:rPr lang="en-US" altLang="ja-JP" sz="2800" i="1" dirty="0" smtClean="0">
+                  <a:latin typeface="Symbol" panose="05050102010706020507" pitchFamily="18" charset="2"/>
+                  <a:cs typeface="Times New Roman" panose="02020603050405020304" pitchFamily="18" charset="0"/>
+                </a:rPr>
+                <a:t> </a:t>
+              </a:r>
+              <a:endParaRPr kumimoji="1" lang="ja-JP" altLang="en-US" sz="2800" b="1" dirty="0" smtClean="0">
+                <a:solidFill>
+                  <a:schemeClr val="accent1"/>
+                </a:solidFill>
+              </a:endParaRPr>
+            </a:p>
+          </p:txBody>
+        </p:sp>
+      </p:grpSp>
     </p:spTree>
     <p:extLst>
       <p:ext uri="{BB962C8B-B14F-4D97-AF65-F5344CB8AC3E}">
@@ -16888,11 +17580,11 @@
             </a:r>
             <a:r>
               <a:rPr kumimoji="1" lang="ja-JP" altLang="en-US" dirty="0" err="1" smtClean="0"/>
-              <a:t>つの</a:t>
+              <a:t>つのベンチ</a:t>
             </a:r>
             <a:r>
               <a:rPr kumimoji="1" lang="ja-JP" altLang="en-US" dirty="0" smtClean="0"/>
-              <a:t>テスト問題では，</a:t>
+              <a:t>マーク問題</a:t>
             </a:r>
             <a:r>
               <a:rPr kumimoji="1" lang="en-US" altLang="ja-JP" dirty="0" smtClean="0"/>
@@ -16903,7 +17595,23 @@
             </a:br>
             <a:r>
               <a:rPr kumimoji="1" lang="ja-JP" altLang="en-US" dirty="0" smtClean="0"/>
-              <a:t>各タスクは以下のような関係性になっている</a:t>
+              <a:t>で</a:t>
+            </a:r>
+            <a:r>
+              <a:rPr kumimoji="1" lang="ja-JP" altLang="en-US" dirty="0" smtClean="0"/>
+              <a:t>は</a:t>
+            </a:r>
+            <a:r>
+              <a:rPr kumimoji="1" lang="ja-JP" altLang="en-US" dirty="0" smtClean="0"/>
+              <a:t>，各タスク</a:t>
+            </a:r>
+            <a:r>
+              <a:rPr kumimoji="1" lang="ja-JP" altLang="en-US" dirty="0" smtClean="0"/>
+              <a:t>は以下のような関係性になって</a:t>
+            </a:r>
+            <a:r>
+              <a:rPr kumimoji="1" lang="ja-JP" altLang="en-US" dirty="0" smtClean="0"/>
+              <a:t>いる．</a:t>
             </a:r>
             <a:endParaRPr kumimoji="1" lang="ja-JP" altLang="en-US" dirty="0"/>
           </a:p>
@@ -16933,476 +17641,6 @@
           </a:p>
         </p:txBody>
       </p:sp>
-      <p:grpSp>
-        <p:nvGrpSpPr>
-          <p:cNvPr id="33" name="グループ化 32"/>
-          <p:cNvGrpSpPr/>
-          <p:nvPr/>
-        </p:nvGrpSpPr>
-        <p:grpSpPr>
-          <a:xfrm>
-            <a:off x="463545" y="2730268"/>
-            <a:ext cx="3844056" cy="3944653"/>
-            <a:chOff x="666794" y="2730268"/>
-            <a:chExt cx="3844056" cy="3944653"/>
-          </a:xfrm>
-        </p:grpSpPr>
-        <p:grpSp>
-          <p:nvGrpSpPr>
-            <p:cNvPr id="19" name="グループ化 18"/>
-            <p:cNvGrpSpPr/>
-            <p:nvPr/>
-          </p:nvGrpSpPr>
-          <p:grpSpPr>
-            <a:xfrm>
-              <a:off x="690082" y="3514372"/>
-              <a:ext cx="3797481" cy="3160549"/>
-              <a:chOff x="2673260" y="2944356"/>
-              <a:chExt cx="3797481" cy="3160549"/>
-            </a:xfrm>
-          </p:grpSpPr>
-          <p:sp>
-            <p:nvSpPr>
-              <p:cNvPr id="11" name="円/楕円 10"/>
-              <p:cNvSpPr/>
-              <p:nvPr/>
-            </p:nvSpPr>
-            <p:spPr>
-              <a:xfrm>
-                <a:off x="2673260" y="2944356"/>
-                <a:ext cx="3797481" cy="3154964"/>
-              </a:xfrm>
-              <a:prstGeom prst="ellipse">
-                <a:avLst/>
-              </a:prstGeom>
-              <a:noFill/>
-              <a:ln>
-                <a:solidFill>
-                  <a:schemeClr val="accent2"/>
-                </a:solidFill>
-                <a:prstDash val="sysDash"/>
-              </a:ln>
-            </p:spPr>
-            <p:style>
-              <a:lnRef idx="2">
-                <a:schemeClr val="accent1">
-                  <a:shade val="50000"/>
-                </a:schemeClr>
-              </a:lnRef>
-              <a:fillRef idx="1">
-                <a:schemeClr val="accent1"/>
-              </a:fillRef>
-              <a:effectRef idx="0">
-                <a:schemeClr val="accent1"/>
-              </a:effectRef>
-              <a:fontRef idx="minor">
-                <a:schemeClr val="lt1"/>
-              </a:fontRef>
-            </p:style>
-            <p:txBody>
-              <a:bodyPr rtlCol="0" anchor="ctr"/>
-              <a:lstStyle/>
-              <a:p>
-                <a:pPr algn="ctr"/>
-                <a:endParaRPr kumimoji="1" lang="ja-JP" altLang="en-US"/>
-              </a:p>
-            </p:txBody>
-          </p:sp>
-          <p:grpSp>
-            <p:nvGrpSpPr>
-              <p:cNvPr id="5" name="グループ化 4"/>
-              <p:cNvGrpSpPr/>
-              <p:nvPr/>
-            </p:nvGrpSpPr>
-            <p:grpSpPr>
-              <a:xfrm>
-                <a:off x="3171825" y="4018930"/>
-                <a:ext cx="2800350" cy="2085975"/>
-                <a:chOff x="1533525" y="3133725"/>
-                <a:chExt cx="2800350" cy="2085975"/>
-              </a:xfrm>
-              <a:solidFill>
-                <a:schemeClr val="accent1">
-                  <a:lumMod val="60000"/>
-                  <a:lumOff val="40000"/>
-                </a:schemeClr>
-              </a:solidFill>
-            </p:grpSpPr>
-            <p:sp>
-              <p:nvSpPr>
-                <p:cNvPr id="6" name="円/楕円 5"/>
-                <p:cNvSpPr/>
-                <p:nvPr/>
-              </p:nvSpPr>
-              <p:spPr>
-                <a:xfrm>
-                  <a:off x="1533525" y="3133725"/>
-                  <a:ext cx="2800350" cy="2085975"/>
-                </a:xfrm>
-                <a:prstGeom prst="ellipse">
-                  <a:avLst/>
-                </a:prstGeom>
-                <a:solidFill>
-                  <a:schemeClr val="accent2">
-                    <a:lumMod val="40000"/>
-                    <a:lumOff val="60000"/>
-                  </a:schemeClr>
-                </a:solidFill>
-                <a:ln>
-                  <a:solidFill>
-                    <a:schemeClr val="accent2"/>
-                  </a:solidFill>
-                </a:ln>
-              </p:spPr>
-              <p:style>
-                <a:lnRef idx="2">
-                  <a:schemeClr val="accent1">
-                    <a:shade val="50000"/>
-                  </a:schemeClr>
-                </a:lnRef>
-                <a:fillRef idx="1">
-                  <a:schemeClr val="accent1"/>
-                </a:fillRef>
-                <a:effectRef idx="0">
-                  <a:schemeClr val="accent1"/>
-                </a:effectRef>
-                <a:fontRef idx="minor">
-                  <a:schemeClr val="lt1"/>
-                </a:fontRef>
-              </p:style>
-              <p:txBody>
-                <a:bodyPr rtlCol="0" anchor="ctr"/>
-                <a:lstStyle/>
-                <a:p>
-                  <a:pPr algn="ctr"/>
-                  <a:endParaRPr kumimoji="1" lang="ja-JP" altLang="en-US"/>
-                </a:p>
-              </p:txBody>
-            </p:sp>
-            <p:sp>
-              <p:nvSpPr>
-                <p:cNvPr id="7" name="テキスト ボックス 6"/>
-                <p:cNvSpPr txBox="1"/>
-                <p:nvPr/>
-              </p:nvSpPr>
-              <p:spPr>
-                <a:xfrm>
-                  <a:off x="2243138" y="3333750"/>
-                  <a:ext cx="1381125" cy="523220"/>
-                </a:xfrm>
-                <a:prstGeom prst="rect">
-                  <a:avLst/>
-                </a:prstGeom>
-                <a:noFill/>
-                <a:ln w="19050">
-                  <a:noFill/>
-                </a:ln>
-              </p:spPr>
-              <p:txBody>
-                <a:bodyPr wrap="square" rtlCol="0">
-                  <a:spAutoFit/>
-                </a:bodyPr>
-                <a:lstStyle/>
-                <a:p>
-                  <a:pPr algn="ctr"/>
-                  <a:r>
-                    <a:rPr kumimoji="1" lang="ja-JP" altLang="en-US" sz="2800" dirty="0" smtClean="0"/>
-                    <a:t>タスク</a:t>
-                  </a:r>
-                  <a:r>
-                    <a:rPr lang="en-US" altLang="ja-JP" sz="2800" dirty="0"/>
-                    <a:t>2</a:t>
-                  </a:r>
-                  <a:endParaRPr kumimoji="1" lang="ja-JP" altLang="en-US" sz="2800" dirty="0" smtClean="0"/>
-                </a:p>
-              </p:txBody>
-            </p:sp>
-          </p:grpSp>
-          <p:grpSp>
-            <p:nvGrpSpPr>
-              <p:cNvPr id="8" name="グループ化 7"/>
-              <p:cNvGrpSpPr/>
-              <p:nvPr/>
-            </p:nvGrpSpPr>
-            <p:grpSpPr>
-              <a:xfrm>
-                <a:off x="3702602" y="4742175"/>
-                <a:ext cx="1738797" cy="1087459"/>
-                <a:chOff x="2064302" y="3133725"/>
-                <a:chExt cx="1738797" cy="1087459"/>
-              </a:xfrm>
-            </p:grpSpPr>
-            <p:sp>
-              <p:nvSpPr>
-                <p:cNvPr id="9" name="円/楕円 8"/>
-                <p:cNvSpPr/>
-                <p:nvPr/>
-              </p:nvSpPr>
-              <p:spPr>
-                <a:xfrm>
-                  <a:off x="2064302" y="3133725"/>
-                  <a:ext cx="1738797" cy="1087459"/>
-                </a:xfrm>
-                <a:prstGeom prst="ellipse">
-                  <a:avLst/>
-                </a:prstGeom>
-                <a:solidFill>
-                  <a:schemeClr val="accent1">
-                    <a:lumMod val="40000"/>
-                    <a:lumOff val="60000"/>
-                  </a:schemeClr>
-                </a:solidFill>
-                <a:ln>
-                  <a:solidFill>
-                    <a:schemeClr val="accent1"/>
-                  </a:solidFill>
-                </a:ln>
-              </p:spPr>
-              <p:style>
-                <a:lnRef idx="2">
-                  <a:schemeClr val="accent1">
-                    <a:shade val="50000"/>
-                  </a:schemeClr>
-                </a:lnRef>
-                <a:fillRef idx="1">
-                  <a:schemeClr val="accent1"/>
-                </a:fillRef>
-                <a:effectRef idx="0">
-                  <a:schemeClr val="accent1"/>
-                </a:effectRef>
-                <a:fontRef idx="minor">
-                  <a:schemeClr val="lt1"/>
-                </a:fontRef>
-              </p:style>
-              <p:txBody>
-                <a:bodyPr rtlCol="0" anchor="ctr"/>
-                <a:lstStyle/>
-                <a:p>
-                  <a:pPr algn="ctr"/>
-                  <a:endParaRPr kumimoji="1" lang="ja-JP" altLang="en-US"/>
-                </a:p>
-              </p:txBody>
-            </p:sp>
-            <p:sp>
-              <p:nvSpPr>
-                <p:cNvPr id="10" name="テキスト ボックス 9"/>
-                <p:cNvSpPr txBox="1"/>
-                <p:nvPr/>
-              </p:nvSpPr>
-              <p:spPr>
-                <a:xfrm>
-                  <a:off x="2243138" y="3415844"/>
-                  <a:ext cx="1381125" cy="523220"/>
-                </a:xfrm>
-                <a:prstGeom prst="rect">
-                  <a:avLst/>
-                </a:prstGeom>
-                <a:noFill/>
-                <a:ln w="19050">
-                  <a:noFill/>
-                </a:ln>
-              </p:spPr>
-              <p:txBody>
-                <a:bodyPr wrap="square" rtlCol="0">
-                  <a:spAutoFit/>
-                </a:bodyPr>
-                <a:lstStyle/>
-                <a:p>
-                  <a:pPr algn="ctr"/>
-                  <a:r>
-                    <a:rPr kumimoji="1" lang="ja-JP" altLang="en-US" sz="2800" dirty="0" smtClean="0"/>
-                    <a:t>タスク</a:t>
-                  </a:r>
-                  <a:r>
-                    <a:rPr lang="en-US" altLang="ja-JP" sz="2800" dirty="0" smtClean="0"/>
-                    <a:t>1</a:t>
-                  </a:r>
-                  <a:endParaRPr kumimoji="1" lang="ja-JP" altLang="en-US" sz="2800" dirty="0" smtClean="0"/>
-                </a:p>
-              </p:txBody>
-            </p:sp>
-          </p:grpSp>
-          <p:sp>
-            <p:nvSpPr>
-              <p:cNvPr id="15" name="下矢印 14"/>
-              <p:cNvSpPr/>
-              <p:nvPr/>
-            </p:nvSpPr>
-            <p:spPr>
-              <a:xfrm rot="9000000">
-                <a:off x="3565405" y="3278096"/>
-                <a:ext cx="387397" cy="743453"/>
-              </a:xfrm>
-              <a:prstGeom prst="downArrow">
-                <a:avLst/>
-              </a:prstGeom>
-              <a:solidFill>
-                <a:schemeClr val="accent2"/>
-              </a:solidFill>
-              <a:ln>
-                <a:noFill/>
-              </a:ln>
-            </p:spPr>
-            <p:style>
-              <a:lnRef idx="2">
-                <a:schemeClr val="accent1">
-                  <a:shade val="50000"/>
-                </a:schemeClr>
-              </a:lnRef>
-              <a:fillRef idx="1">
-                <a:schemeClr val="accent1"/>
-              </a:fillRef>
-              <a:effectRef idx="0">
-                <a:schemeClr val="accent1"/>
-              </a:effectRef>
-              <a:fontRef idx="minor">
-                <a:schemeClr val="lt1"/>
-              </a:fontRef>
-            </p:style>
-            <p:txBody>
-              <a:bodyPr rtlCol="0" anchor="ctr"/>
-              <a:lstStyle/>
-              <a:p>
-                <a:pPr algn="ctr"/>
-                <a:endParaRPr kumimoji="1" lang="ja-JP" altLang="en-US"/>
-              </a:p>
-            </p:txBody>
-          </p:sp>
-          <p:sp>
-            <p:nvSpPr>
-              <p:cNvPr id="16" name="下矢印 15"/>
-              <p:cNvSpPr/>
-              <p:nvPr/>
-            </p:nvSpPr>
-            <p:spPr>
-              <a:xfrm rot="12600000" flipH="1">
-                <a:off x="5203048" y="3278095"/>
-                <a:ext cx="387397" cy="743453"/>
-              </a:xfrm>
-              <a:prstGeom prst="downArrow">
-                <a:avLst/>
-              </a:prstGeom>
-              <a:solidFill>
-                <a:schemeClr val="accent2"/>
-              </a:solidFill>
-              <a:ln>
-                <a:noFill/>
-              </a:ln>
-            </p:spPr>
-            <p:style>
-              <a:lnRef idx="2">
-                <a:schemeClr val="accent1">
-                  <a:shade val="50000"/>
-                </a:schemeClr>
-              </a:lnRef>
-              <a:fillRef idx="1">
-                <a:schemeClr val="accent1"/>
-              </a:fillRef>
-              <a:effectRef idx="0">
-                <a:schemeClr val="accent1"/>
-              </a:effectRef>
-              <a:fontRef idx="minor">
-                <a:schemeClr val="lt1"/>
-              </a:fontRef>
-            </p:style>
-            <p:txBody>
-              <a:bodyPr rtlCol="0" anchor="ctr"/>
-              <a:lstStyle/>
-              <a:p>
-                <a:pPr algn="ctr"/>
-                <a:endParaRPr kumimoji="1" lang="ja-JP" altLang="en-US"/>
-              </a:p>
-            </p:txBody>
-          </p:sp>
-          <p:sp>
-            <p:nvSpPr>
-              <p:cNvPr id="17" name="テキスト ボックス 16"/>
-              <p:cNvSpPr txBox="1"/>
-              <p:nvPr/>
-            </p:nvSpPr>
-            <p:spPr>
-              <a:xfrm>
-                <a:off x="3728345" y="3242581"/>
-                <a:ext cx="1699161" cy="523220"/>
-              </a:xfrm>
-              <a:prstGeom prst="rect">
-                <a:avLst/>
-              </a:prstGeom>
-              <a:noFill/>
-              <a:ln w="19050">
-                <a:noFill/>
-              </a:ln>
-            </p:spPr>
-            <p:txBody>
-              <a:bodyPr wrap="square" rtlCol="0">
-                <a:spAutoFit/>
-              </a:bodyPr>
-              <a:lstStyle/>
-              <a:p>
-                <a:pPr algn="ctr"/>
-                <a:r>
-                  <a:rPr lang="en-US" altLang="ja-JP" sz="2800" i="1" dirty="0">
-                    <a:latin typeface="Symbol" panose="05050102010706020507" pitchFamily="18" charset="2"/>
-                    <a:cs typeface="Times New Roman" panose="02020603050405020304" pitchFamily="18" charset="0"/>
-                  </a:rPr>
-                  <a:t>a </a:t>
-                </a:r>
-                <a:r>
-                  <a:rPr lang="ja-JP" altLang="en-US" sz="2800" dirty="0" smtClean="0"/>
-                  <a:t>：大</a:t>
-                </a:r>
-                <a:endParaRPr kumimoji="1" lang="ja-JP" altLang="en-US" sz="2800" dirty="0" smtClean="0"/>
-              </a:p>
-            </p:txBody>
-          </p:sp>
-        </p:grpSp>
-        <p:sp>
-          <p:nvSpPr>
-            <p:cNvPr id="20" name="テキスト ボックス 19"/>
-            <p:cNvSpPr txBox="1"/>
-            <p:nvPr/>
-          </p:nvSpPr>
-          <p:spPr>
-            <a:xfrm>
-              <a:off x="666794" y="2730268"/>
-              <a:ext cx="3844056" cy="523220"/>
-            </a:xfrm>
-            <a:prstGeom prst="rect">
-              <a:avLst/>
-            </a:prstGeom>
-            <a:noFill/>
-            <a:ln w="19050">
-              <a:noFill/>
-            </a:ln>
-          </p:spPr>
-          <p:txBody>
-            <a:bodyPr wrap="square" rtlCol="0">
-              <a:spAutoFit/>
-            </a:bodyPr>
-            <a:lstStyle/>
-            <a:p>
-              <a:pPr algn="ctr"/>
-              <a:r>
-                <a:rPr lang="en-US" altLang="ja-JP" sz="2800" dirty="0"/>
-                <a:t>Scaling</a:t>
-              </a:r>
-              <a:r>
-                <a:rPr lang="ja-JP" altLang="en-US" sz="2800" dirty="0"/>
-                <a:t> </a:t>
-              </a:r>
-              <a:r>
-                <a:rPr lang="en-US" altLang="ja-JP" sz="2800" dirty="0"/>
-                <a:t>Knapsack </a:t>
-              </a:r>
-              <a:r>
-                <a:rPr lang="ja-JP" altLang="en-US" sz="2800" dirty="0" smtClean="0"/>
-                <a:t>問題</a:t>
-              </a:r>
-              <a:endParaRPr lang="ja-JP" altLang="en-US" sz="2800" dirty="0"/>
-            </a:p>
-          </p:txBody>
-        </p:sp>
-      </p:grpSp>
       <p:grpSp>
         <p:nvGrpSpPr>
           <p:cNvPr id="37" name="グループ化 36"/>
@@ -17813,8 +18051,8 @@
         </p:nvSpPr>
         <p:spPr>
           <a:xfrm>
-            <a:off x="4963490" y="2730268"/>
-            <a:ext cx="3844056" cy="523220"/>
+            <a:off x="4724400" y="2730268"/>
+            <a:ext cx="4104310" cy="523220"/>
           </a:xfrm>
           <a:prstGeom prst="rect">
             <a:avLst/>
@@ -17832,14 +18070,18 @@
           <a:p>
             <a:pPr algn="ctr"/>
             <a:r>
-              <a:rPr lang="en-US" altLang="ja-JP" sz="2800" dirty="0" smtClean="0"/>
-              <a:t>Inversion Profit </a:t>
-            </a:r>
-            <a:r>
-              <a:rPr lang="ja-JP" altLang="en-US" sz="2800" dirty="0" smtClean="0"/>
+              <a:rPr lang="en-US" altLang="ja-JP" sz="2800" b="1" dirty="0" smtClean="0"/>
+              <a:t>2. Inversion </a:t>
+            </a:r>
+            <a:r>
+              <a:rPr lang="en-US" altLang="ja-JP" sz="2800" b="1" dirty="0" smtClean="0"/>
+              <a:t>Profit </a:t>
+            </a:r>
+            <a:r>
+              <a:rPr lang="ja-JP" altLang="en-US" sz="2800" b="1" dirty="0" smtClean="0"/>
               <a:t>問題</a:t>
             </a:r>
-            <a:endParaRPr lang="ja-JP" altLang="en-US" sz="2800" dirty="0"/>
+            <a:endParaRPr lang="ja-JP" altLang="en-US" sz="2800" b="1" dirty="0"/>
           </a:p>
         </p:txBody>
       </p:sp>
@@ -17851,7 +18093,7 @@
         </p:nvCxnSpPr>
         <p:spPr>
           <a:xfrm>
-            <a:off x="4572000" y="2876937"/>
+            <a:off x="4686300" y="2876937"/>
             <a:ext cx="0" cy="3824067"/>
           </a:xfrm>
           <a:prstGeom prst="line">
@@ -17880,6 +18122,477 @@
           </a:fontRef>
         </p:style>
       </p:cxnSp>
+      <p:sp>
+        <p:nvSpPr>
+          <p:cNvPr id="20" name="テキスト ボックス 19"/>
+          <p:cNvSpPr txBox="1"/>
+          <p:nvPr/>
+        </p:nvSpPr>
+        <p:spPr>
+          <a:xfrm>
+            <a:off x="76200" y="2730268"/>
+            <a:ext cx="4495800" cy="523220"/>
+          </a:xfrm>
+          <a:prstGeom prst="rect">
+            <a:avLst/>
+          </a:prstGeom>
+          <a:noFill/>
+          <a:ln w="19050">
+            <a:noFill/>
+          </a:ln>
+        </p:spPr>
+        <p:txBody>
+          <a:bodyPr wrap="square" rtlCol="0">
+            <a:spAutoFit/>
+          </a:bodyPr>
+          <a:lstStyle/>
+          <a:p>
+            <a:pPr algn="ctr"/>
+            <a:r>
+              <a:rPr lang="en-US" altLang="ja-JP" sz="2800" b="1" dirty="0" smtClean="0"/>
+              <a:t>1. Scaling</a:t>
+            </a:r>
+            <a:r>
+              <a:rPr lang="ja-JP" altLang="en-US" sz="2800" b="1" dirty="0" smtClean="0"/>
+              <a:t> </a:t>
+            </a:r>
+            <a:r>
+              <a:rPr lang="en-US" altLang="ja-JP" sz="2800" b="1" dirty="0"/>
+              <a:t>Knapsack </a:t>
+            </a:r>
+            <a:r>
+              <a:rPr lang="ja-JP" altLang="en-US" sz="2800" b="1" dirty="0" smtClean="0"/>
+              <a:t>問題</a:t>
+            </a:r>
+            <a:endParaRPr lang="ja-JP" altLang="en-US" sz="2800" b="1" dirty="0"/>
+          </a:p>
+        </p:txBody>
+      </p:sp>
+      <p:grpSp>
+        <p:nvGrpSpPr>
+          <p:cNvPr id="28" name="グループ化 27"/>
+          <p:cNvGrpSpPr/>
+          <p:nvPr/>
+        </p:nvGrpSpPr>
+        <p:grpSpPr>
+          <a:xfrm>
+            <a:off x="486833" y="3519136"/>
+            <a:ext cx="3797481" cy="3155785"/>
+            <a:chOff x="486833" y="3519136"/>
+            <a:chExt cx="3797481" cy="3155785"/>
+          </a:xfrm>
+        </p:grpSpPr>
+        <p:sp>
+          <p:nvSpPr>
+            <p:cNvPr id="11" name="円/楕円 10"/>
+            <p:cNvSpPr/>
+            <p:nvPr/>
+          </p:nvSpPr>
+          <p:spPr>
+            <a:xfrm>
+              <a:off x="486833" y="3519136"/>
+              <a:ext cx="3797481" cy="3154964"/>
+            </a:xfrm>
+            <a:prstGeom prst="ellipse">
+              <a:avLst/>
+            </a:prstGeom>
+            <a:noFill/>
+            <a:ln>
+              <a:solidFill>
+                <a:schemeClr val="accent2"/>
+              </a:solidFill>
+              <a:prstDash val="sysDash"/>
+            </a:ln>
+          </p:spPr>
+          <p:style>
+            <a:lnRef idx="2">
+              <a:schemeClr val="accent1">
+                <a:shade val="50000"/>
+              </a:schemeClr>
+            </a:lnRef>
+            <a:fillRef idx="1">
+              <a:schemeClr val="accent1"/>
+            </a:fillRef>
+            <a:effectRef idx="0">
+              <a:schemeClr val="accent1"/>
+            </a:effectRef>
+            <a:fontRef idx="minor">
+              <a:schemeClr val="lt1"/>
+            </a:fontRef>
+          </p:style>
+          <p:txBody>
+            <a:bodyPr rtlCol="0" anchor="ctr"/>
+            <a:lstStyle/>
+            <a:p>
+              <a:pPr algn="ctr"/>
+              <a:endParaRPr kumimoji="1" lang="ja-JP" altLang="en-US"/>
+            </a:p>
+          </p:txBody>
+        </p:sp>
+        <p:grpSp>
+          <p:nvGrpSpPr>
+            <p:cNvPr id="5" name="グループ化 4"/>
+            <p:cNvGrpSpPr/>
+            <p:nvPr/>
+          </p:nvGrpSpPr>
+          <p:grpSpPr>
+            <a:xfrm>
+              <a:off x="985398" y="4588946"/>
+              <a:ext cx="2800350" cy="2085975"/>
+              <a:chOff x="1533525" y="3133725"/>
+              <a:chExt cx="2800350" cy="2085975"/>
+            </a:xfrm>
+            <a:solidFill>
+              <a:schemeClr val="accent1">
+                <a:lumMod val="60000"/>
+                <a:lumOff val="40000"/>
+              </a:schemeClr>
+            </a:solidFill>
+          </p:grpSpPr>
+          <p:sp>
+            <p:nvSpPr>
+              <p:cNvPr id="6" name="円/楕円 5"/>
+              <p:cNvSpPr/>
+              <p:nvPr/>
+            </p:nvSpPr>
+            <p:spPr>
+              <a:xfrm>
+                <a:off x="1533525" y="3133725"/>
+                <a:ext cx="2800350" cy="2085975"/>
+              </a:xfrm>
+              <a:prstGeom prst="ellipse">
+                <a:avLst/>
+              </a:prstGeom>
+              <a:solidFill>
+                <a:schemeClr val="accent2">
+                  <a:lumMod val="60000"/>
+                  <a:lumOff val="40000"/>
+                  <a:alpha val="40000"/>
+                </a:schemeClr>
+              </a:solidFill>
+              <a:ln>
+                <a:solidFill>
+                  <a:schemeClr val="accent2"/>
+                </a:solidFill>
+              </a:ln>
+            </p:spPr>
+            <p:style>
+              <a:lnRef idx="2">
+                <a:schemeClr val="accent1">
+                  <a:shade val="50000"/>
+                </a:schemeClr>
+              </a:lnRef>
+              <a:fillRef idx="1">
+                <a:schemeClr val="accent1"/>
+              </a:fillRef>
+              <a:effectRef idx="0">
+                <a:schemeClr val="accent1"/>
+              </a:effectRef>
+              <a:fontRef idx="minor">
+                <a:schemeClr val="lt1"/>
+              </a:fontRef>
+            </p:style>
+            <p:txBody>
+              <a:bodyPr rtlCol="0" anchor="ctr"/>
+              <a:lstStyle/>
+              <a:p>
+                <a:pPr algn="ctr"/>
+                <a:endParaRPr kumimoji="1" lang="ja-JP" altLang="en-US"/>
+              </a:p>
+            </p:txBody>
+          </p:sp>
+          <p:sp>
+            <p:nvSpPr>
+              <p:cNvPr id="7" name="テキスト ボックス 6"/>
+              <p:cNvSpPr txBox="1"/>
+              <p:nvPr/>
+            </p:nvSpPr>
+            <p:spPr>
+              <a:xfrm>
+                <a:off x="2243138" y="3333750"/>
+                <a:ext cx="1381125" cy="523220"/>
+              </a:xfrm>
+              <a:prstGeom prst="rect">
+                <a:avLst/>
+              </a:prstGeom>
+              <a:noFill/>
+              <a:ln w="19050">
+                <a:noFill/>
+              </a:ln>
+            </p:spPr>
+            <p:txBody>
+              <a:bodyPr wrap="square" rtlCol="0">
+                <a:spAutoFit/>
+              </a:bodyPr>
+              <a:lstStyle/>
+              <a:p>
+                <a:pPr algn="ctr"/>
+                <a:r>
+                  <a:rPr kumimoji="1" lang="ja-JP" altLang="en-US" sz="2800" dirty="0" smtClean="0"/>
+                  <a:t>タスク</a:t>
+                </a:r>
+                <a:r>
+                  <a:rPr lang="en-US" altLang="ja-JP" sz="2800" dirty="0"/>
+                  <a:t>2</a:t>
+                </a:r>
+                <a:endParaRPr kumimoji="1" lang="ja-JP" altLang="en-US" sz="2800" dirty="0" smtClean="0"/>
+              </a:p>
+            </p:txBody>
+          </p:sp>
+        </p:grpSp>
+        <p:grpSp>
+          <p:nvGrpSpPr>
+            <p:cNvPr id="8" name="グループ化 7"/>
+            <p:cNvGrpSpPr/>
+            <p:nvPr/>
+          </p:nvGrpSpPr>
+          <p:grpSpPr>
+            <a:xfrm>
+              <a:off x="1516175" y="5312191"/>
+              <a:ext cx="1738797" cy="1087459"/>
+              <a:chOff x="2064302" y="3133725"/>
+              <a:chExt cx="1738797" cy="1087459"/>
+            </a:xfrm>
+          </p:grpSpPr>
+          <p:sp>
+            <p:nvSpPr>
+              <p:cNvPr id="9" name="円/楕円 8"/>
+              <p:cNvSpPr/>
+              <p:nvPr/>
+            </p:nvSpPr>
+            <p:spPr>
+              <a:xfrm>
+                <a:off x="2064302" y="3133725"/>
+                <a:ext cx="1738797" cy="1087459"/>
+              </a:xfrm>
+              <a:prstGeom prst="ellipse">
+                <a:avLst/>
+              </a:prstGeom>
+              <a:solidFill>
+                <a:schemeClr val="accent1">
+                  <a:lumMod val="40000"/>
+                  <a:lumOff val="60000"/>
+                </a:schemeClr>
+              </a:solidFill>
+              <a:ln>
+                <a:solidFill>
+                  <a:schemeClr val="accent1"/>
+                </a:solidFill>
+              </a:ln>
+            </p:spPr>
+            <p:style>
+              <a:lnRef idx="2">
+                <a:schemeClr val="accent1">
+                  <a:shade val="50000"/>
+                </a:schemeClr>
+              </a:lnRef>
+              <a:fillRef idx="1">
+                <a:schemeClr val="accent1"/>
+              </a:fillRef>
+              <a:effectRef idx="0">
+                <a:schemeClr val="accent1"/>
+              </a:effectRef>
+              <a:fontRef idx="minor">
+                <a:schemeClr val="lt1"/>
+              </a:fontRef>
+            </p:style>
+            <p:txBody>
+              <a:bodyPr rtlCol="0" anchor="ctr"/>
+              <a:lstStyle/>
+              <a:p>
+                <a:pPr algn="ctr"/>
+                <a:endParaRPr kumimoji="1" lang="ja-JP" altLang="en-US"/>
+              </a:p>
+            </p:txBody>
+          </p:sp>
+          <p:sp>
+            <p:nvSpPr>
+              <p:cNvPr id="10" name="テキスト ボックス 9"/>
+              <p:cNvSpPr txBox="1"/>
+              <p:nvPr/>
+            </p:nvSpPr>
+            <p:spPr>
+              <a:xfrm>
+                <a:off x="2243138" y="3415844"/>
+                <a:ext cx="1381125" cy="523220"/>
+              </a:xfrm>
+              <a:prstGeom prst="rect">
+                <a:avLst/>
+              </a:prstGeom>
+              <a:noFill/>
+              <a:ln w="19050">
+                <a:noFill/>
+              </a:ln>
+            </p:spPr>
+            <p:txBody>
+              <a:bodyPr wrap="square" rtlCol="0">
+                <a:spAutoFit/>
+              </a:bodyPr>
+              <a:lstStyle/>
+              <a:p>
+                <a:pPr algn="ctr"/>
+                <a:r>
+                  <a:rPr kumimoji="1" lang="ja-JP" altLang="en-US" sz="2800" dirty="0" smtClean="0"/>
+                  <a:t>タスク</a:t>
+                </a:r>
+                <a:r>
+                  <a:rPr lang="en-US" altLang="ja-JP" sz="2800" dirty="0" smtClean="0"/>
+                  <a:t>1</a:t>
+                </a:r>
+                <a:endParaRPr kumimoji="1" lang="ja-JP" altLang="en-US" sz="2800" dirty="0" smtClean="0"/>
+              </a:p>
+            </p:txBody>
+          </p:sp>
+        </p:grpSp>
+        <p:grpSp>
+          <p:nvGrpSpPr>
+            <p:cNvPr id="23" name="グループ化 22"/>
+            <p:cNvGrpSpPr/>
+            <p:nvPr/>
+          </p:nvGrpSpPr>
+          <p:grpSpPr>
+            <a:xfrm>
+              <a:off x="1443586" y="3810620"/>
+              <a:ext cx="1883973" cy="754489"/>
+              <a:chOff x="1465269" y="3810620"/>
+              <a:chExt cx="1883973" cy="754489"/>
+            </a:xfrm>
+          </p:grpSpPr>
+          <p:sp>
+            <p:nvSpPr>
+              <p:cNvPr id="17" name="テキスト ボックス 16"/>
+              <p:cNvSpPr txBox="1"/>
+              <p:nvPr/>
+            </p:nvSpPr>
+            <p:spPr>
+              <a:xfrm>
+                <a:off x="1557675" y="3810620"/>
+                <a:ext cx="1699161" cy="523220"/>
+              </a:xfrm>
+              <a:prstGeom prst="rect">
+                <a:avLst/>
+              </a:prstGeom>
+              <a:noFill/>
+              <a:ln w="19050">
+                <a:noFill/>
+              </a:ln>
+            </p:spPr>
+            <p:txBody>
+              <a:bodyPr wrap="square" rtlCol="0">
+                <a:spAutoFit/>
+              </a:bodyPr>
+              <a:lstStyle/>
+              <a:p>
+                <a:pPr algn="ctr"/>
+                <a:r>
+                  <a:rPr lang="en-US" altLang="ja-JP" sz="2800" i="1" dirty="0">
+                    <a:latin typeface="Symbol" panose="05050102010706020507" pitchFamily="18" charset="2"/>
+                    <a:cs typeface="Times New Roman" panose="02020603050405020304" pitchFamily="18" charset="0"/>
+                  </a:rPr>
+                  <a:t>a </a:t>
+                </a:r>
+                <a:r>
+                  <a:rPr lang="ja-JP" altLang="en-US" sz="2800" dirty="0" smtClean="0"/>
+                  <a:t>：大</a:t>
+                </a:r>
+                <a:endParaRPr kumimoji="1" lang="ja-JP" altLang="en-US" sz="2800" dirty="0" smtClean="0"/>
+              </a:p>
+            </p:txBody>
+          </p:sp>
+          <p:sp>
+            <p:nvSpPr>
+              <p:cNvPr id="41" name="下矢印 40"/>
+              <p:cNvSpPr/>
+              <p:nvPr/>
+            </p:nvSpPr>
+            <p:spPr>
+              <a:xfrm rot="12600000">
+                <a:off x="2961845" y="3821656"/>
+                <a:ext cx="387397" cy="743453"/>
+              </a:xfrm>
+              <a:prstGeom prst="downArrow">
+                <a:avLst/>
+              </a:prstGeom>
+              <a:solidFill>
+                <a:schemeClr val="accent2"/>
+              </a:solidFill>
+              <a:ln>
+                <a:noFill/>
+              </a:ln>
+            </p:spPr>
+            <p:style>
+              <a:lnRef idx="2">
+                <a:schemeClr val="accent1">
+                  <a:shade val="50000"/>
+                </a:schemeClr>
+              </a:lnRef>
+              <a:fillRef idx="1">
+                <a:schemeClr val="accent1"/>
+              </a:fillRef>
+              <a:effectRef idx="0">
+                <a:schemeClr val="accent1"/>
+              </a:effectRef>
+              <a:fontRef idx="minor">
+                <a:schemeClr val="lt1"/>
+              </a:fontRef>
+            </p:style>
+            <p:txBody>
+              <a:bodyPr rtlCol="0" anchor="ctr"/>
+              <a:lstStyle/>
+              <a:p>
+                <a:pPr algn="ctr"/>
+                <a:endParaRPr kumimoji="1" lang="ja-JP" altLang="en-US"/>
+              </a:p>
+            </p:txBody>
+          </p:sp>
+          <p:sp>
+            <p:nvSpPr>
+              <p:cNvPr id="42" name="下矢印 41"/>
+              <p:cNvSpPr/>
+              <p:nvPr/>
+            </p:nvSpPr>
+            <p:spPr>
+              <a:xfrm rot="9000000" flipH="1">
+                <a:off x="1465269" y="3821656"/>
+                <a:ext cx="387397" cy="743453"/>
+              </a:xfrm>
+              <a:prstGeom prst="downArrow">
+                <a:avLst/>
+              </a:prstGeom>
+              <a:solidFill>
+                <a:schemeClr val="accent2"/>
+              </a:solidFill>
+              <a:ln>
+                <a:noFill/>
+              </a:ln>
+            </p:spPr>
+            <p:style>
+              <a:lnRef idx="2">
+                <a:schemeClr val="accent1">
+                  <a:shade val="50000"/>
+                </a:schemeClr>
+              </a:lnRef>
+              <a:fillRef idx="1">
+                <a:schemeClr val="accent1"/>
+              </a:fillRef>
+              <a:effectRef idx="0">
+                <a:schemeClr val="accent1"/>
+              </a:effectRef>
+              <a:fontRef idx="minor">
+                <a:schemeClr val="lt1"/>
+              </a:fontRef>
+            </p:style>
+            <p:txBody>
+              <a:bodyPr rtlCol="0" anchor="ctr"/>
+              <a:lstStyle/>
+              <a:p>
+                <a:pPr algn="ctr"/>
+                <a:endParaRPr kumimoji="1" lang="ja-JP" altLang="en-US"/>
+              </a:p>
+            </p:txBody>
+          </p:sp>
+        </p:grpSp>
+      </p:grpSp>
     </p:spTree>
     <p:extLst>
       <p:ext uri="{BB962C8B-B14F-4D97-AF65-F5344CB8AC3E}">
@@ -17961,7 +18674,27 @@
           <a:p>
             <a:r>
               <a:rPr kumimoji="1" lang="ja-JP" altLang="en-US" dirty="0" smtClean="0"/>
-              <a:t>タスク間の関係性が明瞭な，新たなマルチタスクテスト問題を提案した．</a:t>
+              <a:t>タスク間の</a:t>
+            </a:r>
+            <a:r>
+              <a:rPr kumimoji="1" lang="ja-JP" altLang="en-US" dirty="0" smtClean="0">
+                <a:solidFill>
+                  <a:schemeClr val="accent1"/>
+                </a:solidFill>
+              </a:rPr>
+              <a:t>関係性が明瞭</a:t>
+            </a:r>
+            <a:r>
+              <a:rPr kumimoji="1" lang="ja-JP" altLang="en-US" dirty="0" smtClean="0"/>
+              <a:t>な，新たな</a:t>
+            </a:r>
+            <a:r>
+              <a:rPr kumimoji="1" lang="ja-JP" altLang="en-US" dirty="0" smtClean="0"/>
+              <a:t>マルチタスクベンチマーク問題を</a:t>
+            </a:r>
+            <a:r>
+              <a:rPr kumimoji="1" lang="ja-JP" altLang="en-US" dirty="0" smtClean="0"/>
+              <a:t>提案した．</a:t>
             </a:r>
             <a:endParaRPr kumimoji="1" lang="en-US" altLang="ja-JP" dirty="0" smtClean="0"/>
           </a:p>
@@ -18226,6 +18959,237 @@
           <a:p>
             <a:r>
               <a:rPr kumimoji="1" lang="ja-JP" altLang="en-US" dirty="0" smtClean="0"/>
+              <a:t>既存のベンチマーク問題</a:t>
+            </a:r>
+            <a:endParaRPr kumimoji="1" lang="ja-JP" altLang="en-US" dirty="0"/>
+          </a:p>
+        </p:txBody>
+      </p:sp>
+      <p:sp>
+        <p:nvSpPr>
+          <p:cNvPr id="3" name="コンテンツ プレースホルダー 2"/>
+          <p:cNvSpPr>
+            <a:spLocks noGrp="1"/>
+          </p:cNvSpPr>
+          <p:nvPr>
+            <p:ph idx="1"/>
+          </p:nvPr>
+        </p:nvSpPr>
+        <p:spPr/>
+        <p:txBody>
+          <a:bodyPr/>
+          <a:lstStyle/>
+          <a:p>
+            <a:r>
+              <a:rPr kumimoji="1" lang="ja-JP" altLang="en-US" dirty="0" smtClean="0"/>
+              <a:t>タスク</a:t>
+            </a:r>
+            <a:r>
+              <a:rPr kumimoji="1" lang="en-US" altLang="ja-JP" dirty="0" smtClean="0"/>
+              <a:t>1</a:t>
+            </a:r>
+          </a:p>
+          <a:p>
+            <a:endParaRPr lang="en-US" altLang="ja-JP" dirty="0" smtClean="0"/>
+          </a:p>
+          <a:p>
+            <a:endParaRPr kumimoji="1" lang="en-US" altLang="ja-JP" dirty="0"/>
+          </a:p>
+          <a:p>
+            <a:endParaRPr kumimoji="1" lang="en-US" altLang="ja-JP" dirty="0" smtClean="0"/>
+          </a:p>
+          <a:p>
+            <a:r>
+              <a:rPr lang="ja-JP" altLang="en-US" dirty="0" smtClean="0"/>
+              <a:t>タスク</a:t>
+            </a:r>
+            <a:r>
+              <a:rPr lang="en-US" altLang="ja-JP" dirty="0" smtClean="0"/>
+              <a:t>2</a:t>
+            </a:r>
+            <a:endParaRPr kumimoji="1" lang="en-US" altLang="ja-JP" dirty="0" smtClean="0"/>
+          </a:p>
+          <a:p>
+            <a:endParaRPr kumimoji="1" lang="ja-JP" altLang="en-US" dirty="0"/>
+          </a:p>
+        </p:txBody>
+      </p:sp>
+      <p:graphicFrame>
+        <p:nvGraphicFramePr>
+          <p:cNvPr id="6" name="オブジェクト 5"/>
+          <p:cNvGraphicFramePr>
+            <a:graphicFrameLocks noChangeAspect="1"/>
+          </p:cNvGraphicFramePr>
+          <p:nvPr>
+            <p:extLst>
+              <p:ext uri="{D42A27DB-BD31-4B8C-83A1-F6EECF244321}">
+                <p14:modId xmlns:p14="http://schemas.microsoft.com/office/powerpoint/2010/main" val="2781330658"/>
+              </p:ext>
+            </p:extLst>
+          </p:nvPr>
+        </p:nvGraphicFramePr>
+        <p:xfrm>
+          <a:off x="2238161" y="1802629"/>
+          <a:ext cx="4667678" cy="2070871"/>
+        </p:xfrm>
+        <a:graphic>
+          <a:graphicData uri="http://schemas.openxmlformats.org/presentationml/2006/ole">
+            <mc:AlternateContent xmlns:mc="http://schemas.openxmlformats.org/markup-compatibility/2006">
+              <mc:Choice xmlns:v="urn:schemas-microsoft-com:vml" Requires="v">
+                <p:oleObj spid="_x0000_s1035" name="Equation" r:id="rId3" imgW="1803240" imgH="799920" progId="Equation.DSMT4">
+                  <p:embed/>
+                </p:oleObj>
+              </mc:Choice>
+              <mc:Fallback>
+                <p:oleObj name="Equation" r:id="rId3" imgW="1803240" imgH="799920" progId="Equation.DSMT4">
+                  <p:embed/>
+                  <p:pic>
+                    <p:nvPicPr>
+                      <p:cNvPr id="0" name=""/>
+                      <p:cNvPicPr/>
+                      <p:nvPr/>
+                    </p:nvPicPr>
+                    <p:blipFill>
+                      <a:blip r:embed="rId4"/>
+                      <a:stretch>
+                        <a:fillRect/>
+                      </a:stretch>
+                    </p:blipFill>
+                    <p:spPr>
+                      <a:xfrm>
+                        <a:off x="2238161" y="1802629"/>
+                        <a:ext cx="4667678" cy="2070871"/>
+                      </a:xfrm>
+                      <a:prstGeom prst="rect">
+                        <a:avLst/>
+                      </a:prstGeom>
+                    </p:spPr>
+                  </p:pic>
+                </p:oleObj>
+              </mc:Fallback>
+            </mc:AlternateContent>
+          </a:graphicData>
+        </a:graphic>
+      </p:graphicFrame>
+      <p:graphicFrame>
+        <p:nvGraphicFramePr>
+          <p:cNvPr id="7" name="オブジェクト 6"/>
+          <p:cNvGraphicFramePr>
+            <a:graphicFrameLocks noChangeAspect="1"/>
+          </p:cNvGraphicFramePr>
+          <p:nvPr>
+            <p:extLst>
+              <p:ext uri="{D42A27DB-BD31-4B8C-83A1-F6EECF244321}">
+                <p14:modId xmlns:p14="http://schemas.microsoft.com/office/powerpoint/2010/main" val="2702598884"/>
+              </p:ext>
+            </p:extLst>
+          </p:nvPr>
+        </p:nvGraphicFramePr>
+        <p:xfrm>
+          <a:off x="2251075" y="4286250"/>
+          <a:ext cx="4208463" cy="2266950"/>
+        </p:xfrm>
+        <a:graphic>
+          <a:graphicData uri="http://schemas.openxmlformats.org/presentationml/2006/ole">
+            <mc:AlternateContent xmlns:mc="http://schemas.openxmlformats.org/markup-compatibility/2006">
+              <mc:Choice xmlns:v="urn:schemas-microsoft-com:vml" Requires="v">
+                <p:oleObj spid="_x0000_s1036" name="Equation" r:id="rId5" imgW="1625400" imgH="876240" progId="Equation.DSMT4">
+                  <p:embed/>
+                </p:oleObj>
+              </mc:Choice>
+              <mc:Fallback>
+                <p:oleObj name="Equation" r:id="rId5" imgW="1625400" imgH="876240" progId="Equation.DSMT4">
+                  <p:embed/>
+                  <p:pic>
+                    <p:nvPicPr>
+                      <p:cNvPr id="0" name=""/>
+                      <p:cNvPicPr/>
+                      <p:nvPr/>
+                    </p:nvPicPr>
+                    <p:blipFill>
+                      <a:blip r:embed="rId6"/>
+                      <a:stretch>
+                        <a:fillRect/>
+                      </a:stretch>
+                    </p:blipFill>
+                    <p:spPr>
+                      <a:xfrm>
+                        <a:off x="2251075" y="4286250"/>
+                        <a:ext cx="4208463" cy="2266950"/>
+                      </a:xfrm>
+                      <a:prstGeom prst="rect">
+                        <a:avLst/>
+                      </a:prstGeom>
+                    </p:spPr>
+                  </p:pic>
+                </p:oleObj>
+              </mc:Fallback>
+            </mc:AlternateContent>
+          </a:graphicData>
+        </a:graphic>
+      </p:graphicFrame>
+    </p:spTree>
+    <p:extLst>
+      <p:ext uri="{BB962C8B-B14F-4D97-AF65-F5344CB8AC3E}">
+        <p14:creationId xmlns:p14="http://schemas.microsoft.com/office/powerpoint/2010/main" val="3527942399"/>
+      </p:ext>
+    </p:extLst>
+  </p:cSld>
+  <p:clrMapOvr>
+    <a:masterClrMapping/>
+  </p:clrMapOvr>
+  <mc:AlternateContent xmlns:mc="http://schemas.openxmlformats.org/markup-compatibility/2006">
+    <mc:Choice xmlns:p14="http://schemas.microsoft.com/office/powerpoint/2010/main" Requires="p14">
+      <p:transition spd="slow" p14:dur="2000"/>
+    </mc:Choice>
+    <mc:Fallback>
+      <p:transition spd="slow"/>
+    </mc:Fallback>
+  </mc:AlternateContent>
+  <p:timing>
+    <p:tnLst>
+      <p:par>
+        <p:cTn id="1" dur="indefinite" restart="never" nodeType="tmRoot"/>
+      </p:par>
+    </p:tnLst>
+  </p:timing>
+</p:sld>
+</file>
+
+<file path=ppt/slides/slide26.xml><?xml version="1.0" encoding="utf-8"?>
+<p:sld xmlns:a="http://schemas.openxmlformats.org/drawingml/2006/main" xmlns:r="http://schemas.openxmlformats.org/officeDocument/2006/relationships" xmlns:p="http://schemas.openxmlformats.org/presentationml/2006/main" show="0">
+  <p:cSld>
+    <p:spTree>
+      <p:nvGrpSpPr>
+        <p:cNvPr id="1" name=""/>
+        <p:cNvGrpSpPr/>
+        <p:nvPr/>
+      </p:nvGrpSpPr>
+      <p:grpSpPr>
+        <a:xfrm>
+          <a:off x="0" y="0"/>
+          <a:ext cx="0" cy="0"/>
+          <a:chOff x="0" y="0"/>
+          <a:chExt cx="0" cy="0"/>
+        </a:xfrm>
+      </p:grpSpPr>
+      <p:sp>
+        <p:nvSpPr>
+          <p:cNvPr id="2" name="タイトル 1"/>
+          <p:cNvSpPr>
+            <a:spLocks noGrp="1"/>
+          </p:cNvSpPr>
+          <p:nvPr>
+            <p:ph type="title"/>
+          </p:nvPr>
+        </p:nvSpPr>
+        <p:spPr/>
+        <p:txBody>
+          <a:bodyPr/>
+          <a:lstStyle/>
+          <a:p>
+            <a:r>
+              <a:rPr kumimoji="1" lang="ja-JP" altLang="en-US" dirty="0" smtClean="0"/>
               <a:t>数値実験</a:t>
             </a:r>
             <a:endParaRPr kumimoji="1" lang="ja-JP" altLang="en-US" dirty="0"/>
@@ -18341,7 +19305,7 @@
             <a:fld id="{B5C67937-D10B-4F1B-BCB2-26B69D4AE1E2}" type="slidenum">
               <a:rPr kumimoji="1" lang="ja-JP" altLang="en-US" smtClean="0"/>
               <a:pPr/>
-              <a:t>24</a:t>
+              <a:t>25</a:t>
             </a:fld>
             <a:endParaRPr kumimoji="1" lang="ja-JP" altLang="en-US" dirty="0"/>
           </a:p>
@@ -18808,7 +19772,7 @@
 </p:sld>
 </file>
 
-<file path=ppt/slides/slide26.xml><?xml version="1.0" encoding="utf-8"?>
+<file path=ppt/slides/slide27.xml><?xml version="1.0" encoding="utf-8"?>
 <p:sld xmlns:a="http://schemas.openxmlformats.org/drawingml/2006/main" xmlns:r="http://schemas.openxmlformats.org/officeDocument/2006/relationships" xmlns:p="http://schemas.openxmlformats.org/presentationml/2006/main" show="0">
   <p:cSld>
     <p:spTree>
@@ -18920,7 +19884,7 @@
             <a:fld id="{B5C67937-D10B-4F1B-BCB2-26B69D4AE1E2}" type="slidenum">
               <a:rPr kumimoji="1" lang="ja-JP" altLang="en-US" smtClean="0"/>
               <a:pPr/>
-              <a:t>25</a:t>
+              <a:t>26</a:t>
             </a:fld>
             <a:endParaRPr kumimoji="1" lang="ja-JP" altLang="en-US" dirty="0"/>
           </a:p>
@@ -19683,7 +20647,7 @@
 </p:sld>
 </file>
 
-<file path=ppt/slides/slide27.xml><?xml version="1.0" encoding="utf-8"?>
+<file path=ppt/slides/slide28.xml><?xml version="1.0" encoding="utf-8"?>
 <p:sld xmlns:a="http://schemas.openxmlformats.org/drawingml/2006/main" xmlns:r="http://schemas.openxmlformats.org/officeDocument/2006/relationships" xmlns:p="http://schemas.openxmlformats.org/presentationml/2006/main" show="0">
   <p:cSld>
     <p:spTree>
@@ -19787,7 +20751,7 @@
             <a:fld id="{B5C67937-D10B-4F1B-BCB2-26B69D4AE1E2}" type="slidenum">
               <a:rPr kumimoji="1" lang="ja-JP" altLang="en-US" smtClean="0"/>
               <a:pPr/>
-              <a:t>26</a:t>
+              <a:t>27</a:t>
             </a:fld>
             <a:endParaRPr kumimoji="1" lang="ja-JP" altLang="en-US" dirty="0"/>
           </a:p>
@@ -20643,11 +21607,19 @@
             </a:pPr>
             <a:r>
               <a:rPr lang="en-US" altLang="ja-JP" sz="3200" dirty="0" smtClean="0"/>
-              <a:t>Case 1 </a:t>
+              <a:t>Case </a:t>
+            </a:r>
+            <a:r>
+              <a:rPr lang="en-US" altLang="ja-JP" sz="3200" dirty="0" smtClean="0"/>
+              <a:t>1: </a:t>
+            </a:r>
+            <a:r>
+              <a:rPr lang="ja-JP" altLang="en-US" sz="3200" dirty="0"/>
+              <a:t>独立</a:t>
             </a:r>
             <a:r>
               <a:rPr lang="ja-JP" altLang="en-US" sz="3200" dirty="0" smtClean="0"/>
-              <a:t>無関係</a:t>
+              <a:t>関係</a:t>
             </a:r>
             <a:endParaRPr lang="en-US" altLang="ja-JP" sz="3200" dirty="0" smtClean="0"/>
           </a:p>
@@ -20658,7 +21630,11 @@
             </a:pPr>
             <a:r>
               <a:rPr lang="en-US" altLang="ja-JP" sz="3200" dirty="0" smtClean="0"/>
-              <a:t>Case 2 </a:t>
+              <a:t>Case </a:t>
+            </a:r>
+            <a:r>
+              <a:rPr lang="en-US" altLang="ja-JP" sz="3200" dirty="0" smtClean="0"/>
+              <a:t>2: </a:t>
             </a:r>
             <a:r>
               <a:rPr lang="ja-JP" altLang="en-US" sz="3200" dirty="0" smtClean="0"/>
@@ -20681,7 +21657,7 @@
             </a:r>
             <a:r>
               <a:rPr lang="en-US" altLang="ja-JP" sz="3200" dirty="0" smtClean="0"/>
-              <a:t>3 </a:t>
+              <a:t>3: </a:t>
             </a:r>
             <a:r>
               <a:rPr lang="ja-JP" altLang="en-US" sz="3200" dirty="0" smtClean="0"/>
@@ -20816,11 +21792,19 @@
             </a:pPr>
             <a:r>
               <a:rPr lang="en-US" altLang="ja-JP" sz="3200" dirty="0"/>
-              <a:t>Case 1 </a:t>
+              <a:t>Case </a:t>
+            </a:r>
+            <a:r>
+              <a:rPr lang="en-US" altLang="ja-JP" sz="3200" dirty="0" smtClean="0"/>
+              <a:t>1: </a:t>
             </a:r>
             <a:r>
               <a:rPr lang="ja-JP" altLang="en-US" sz="3200" dirty="0"/>
-              <a:t>無関係</a:t>
+              <a:t>独立</a:t>
+            </a:r>
+            <a:r>
+              <a:rPr lang="ja-JP" altLang="en-US" sz="3200" dirty="0" smtClean="0"/>
+              <a:t>関係</a:t>
             </a:r>
             <a:endParaRPr lang="en-US" altLang="ja-JP" sz="3200" dirty="0"/>
           </a:p>
@@ -20871,7 +21855,15 @@
                   <a:schemeClr val="bg2"/>
                 </a:solidFill>
               </a:rPr>
-              <a:t>Case 2 </a:t>
+              <a:t>Case </a:t>
+            </a:r>
+            <a:r>
+              <a:rPr lang="en-US" altLang="ja-JP" sz="3200" dirty="0" smtClean="0">
+                <a:solidFill>
+                  <a:schemeClr val="bg2"/>
+                </a:solidFill>
+              </a:rPr>
+              <a:t>2: </a:t>
             </a:r>
             <a:r>
               <a:rPr lang="ja-JP" altLang="en-US" sz="3200" dirty="0">
@@ -20909,12 +21901,12 @@
               <a:t> </a:t>
             </a:r>
             <a:r>
-              <a:rPr lang="en-US" altLang="ja-JP" sz="3200" dirty="0">
+              <a:rPr lang="en-US" altLang="ja-JP" sz="3200" dirty="0" smtClean="0">
                 <a:solidFill>
                   <a:schemeClr val="bg2"/>
                 </a:solidFill>
               </a:rPr>
-              <a:t>3 </a:t>
+              <a:t>3: </a:t>
             </a:r>
             <a:r>
               <a:rPr lang="ja-JP" altLang="en-US" sz="3200" dirty="0">
@@ -21287,8 +22279,29 @@
                   <a:schemeClr val="bg2"/>
                 </a:solidFill>
               </a:rPr>
-              <a:t>Case 1</a:t>
-            </a:r>
+              <a:t>Case </a:t>
+            </a:r>
+            <a:r>
+              <a:rPr lang="en-US" altLang="ja-JP" sz="3200" dirty="0" smtClean="0">
+                <a:solidFill>
+                  <a:schemeClr val="bg2"/>
+                </a:solidFill>
+              </a:rPr>
+              <a:t>1: </a:t>
+            </a:r>
+            <a:r>
+              <a:rPr lang="ja-JP" altLang="en-US" sz="3200" dirty="0" smtClean="0">
+                <a:solidFill>
+                  <a:schemeClr val="bg2"/>
+                </a:solidFill>
+              </a:rPr>
+              <a:t>独立関係</a:t>
+            </a:r>
+            <a:endParaRPr lang="en-US" altLang="ja-JP" sz="3200" dirty="0">
+              <a:solidFill>
+                <a:schemeClr val="bg2"/>
+              </a:solidFill>
+            </a:endParaRPr>
           </a:p>
           <a:p>
             <a:pPr marL="457200" lvl="1" indent="-457200">
@@ -21297,7 +22310,11 @@
             </a:pPr>
             <a:r>
               <a:rPr lang="en-US" altLang="ja-JP" sz="3200" dirty="0"/>
-              <a:t>Case 2 </a:t>
+              <a:t>Case </a:t>
+            </a:r>
+            <a:r>
+              <a:rPr lang="en-US" altLang="ja-JP" sz="3200" dirty="0" smtClean="0"/>
+              <a:t>2: </a:t>
             </a:r>
             <a:r>
               <a:rPr lang="ja-JP" altLang="en-US" sz="3200" dirty="0"/>
@@ -21360,12 +22377,12 @@
               <a:t> </a:t>
             </a:r>
             <a:r>
-              <a:rPr lang="en-US" altLang="ja-JP" sz="3200" dirty="0">
+              <a:rPr lang="en-US" altLang="ja-JP" sz="3200" dirty="0" smtClean="0">
                 <a:solidFill>
                   <a:schemeClr val="bg2"/>
                 </a:solidFill>
               </a:rPr>
-              <a:t>3 </a:t>
+              <a:t>3: </a:t>
             </a:r>
             <a:r>
               <a:rPr lang="ja-JP" altLang="en-US" sz="3200" dirty="0">
@@ -21733,8 +22750,29 @@
                   <a:schemeClr val="bg2"/>
                 </a:solidFill>
               </a:rPr>
-              <a:t>Case 1</a:t>
-            </a:r>
+              <a:t>Case </a:t>
+            </a:r>
+            <a:r>
+              <a:rPr lang="en-US" altLang="ja-JP" sz="3200" dirty="0" smtClean="0">
+                <a:solidFill>
+                  <a:schemeClr val="bg2"/>
+                </a:solidFill>
+              </a:rPr>
+              <a:t>1: </a:t>
+            </a:r>
+            <a:r>
+              <a:rPr lang="ja-JP" altLang="en-US" sz="3200" dirty="0" smtClean="0">
+                <a:solidFill>
+                  <a:schemeClr val="bg2"/>
+                </a:solidFill>
+              </a:rPr>
+              <a:t>独立関係</a:t>
+            </a:r>
+            <a:endParaRPr lang="en-US" altLang="ja-JP" sz="3200" dirty="0" smtClean="0">
+              <a:solidFill>
+                <a:schemeClr val="bg2"/>
+              </a:solidFill>
+            </a:endParaRPr>
           </a:p>
           <a:p>
             <a:pPr marL="457200" lvl="1" indent="-457200">
@@ -21747,7 +22785,15 @@
                   <a:schemeClr val="bg2"/>
                 </a:solidFill>
               </a:rPr>
-              <a:t>Case 2 </a:t>
+              <a:t>Case </a:t>
+            </a:r>
+            <a:r>
+              <a:rPr lang="en-US" altLang="ja-JP" sz="3200" dirty="0" smtClean="0">
+                <a:solidFill>
+                  <a:schemeClr val="bg2"/>
+                </a:solidFill>
+              </a:rPr>
+              <a:t>2: </a:t>
             </a:r>
             <a:r>
               <a:rPr lang="ja-JP" altLang="en-US" sz="3200" dirty="0">
@@ -21777,8 +22823,8 @@
               <a:t> </a:t>
             </a:r>
             <a:r>
-              <a:rPr lang="en-US" altLang="ja-JP" sz="3200" dirty="0"/>
-              <a:t>3 </a:t>
+              <a:rPr lang="en-US" altLang="ja-JP" sz="3200" dirty="0" smtClean="0"/>
+              <a:t>3: </a:t>
             </a:r>
             <a:r>
               <a:rPr lang="ja-JP" altLang="en-US" sz="3200" dirty="0"/>
@@ -22109,40 +23155,20 @@
               <a:t>既存</a:t>
             </a:r>
             <a:r>
-              <a:rPr lang="ja-JP" altLang="en-US" dirty="0"/>
-              <a:t>のテスト問題</a:t>
+              <a:rPr lang="ja-JP" altLang="en-US" dirty="0" smtClean="0"/>
+              <a:t>のベンチマーク問題</a:t>
+            </a:r>
+            <a:r>
+              <a:rPr lang="en-US" altLang="ja-JP" sz="2400" dirty="0" smtClean="0"/>
+              <a:t>[</a:t>
             </a:r>
             <a:r>
               <a:rPr lang="en-US" altLang="ja-JP" sz="2400" dirty="0"/>
-              <a:t>[Yuan et al., 2017]</a:t>
+              <a:t>Yuan et al., 2017]</a:t>
             </a:r>
             <a:r>
               <a:rPr lang="ja-JP" altLang="en-US" dirty="0"/>
               <a:t>では</a:t>
-            </a:r>
-            <a:r>
-              <a:rPr lang="ja-JP" altLang="en-US" dirty="0" smtClean="0"/>
-              <a:t>，各タスクは複雑</a:t>
-            </a:r>
-            <a:r>
-              <a:rPr lang="ja-JP" altLang="en-US" dirty="0"/>
-              <a:t>な高次方程式</a:t>
-            </a:r>
-            <a:r>
-              <a:rPr lang="ja-JP" altLang="en-US" dirty="0" smtClean="0"/>
-              <a:t>で</a:t>
-            </a:r>
-            <a:r>
-              <a:rPr lang="ja-JP" altLang="en-US" dirty="0"/>
-              <a:t>構成</a:t>
-            </a:r>
-            <a:r>
-              <a:rPr lang="ja-JP" altLang="en-US" dirty="0" smtClean="0"/>
-              <a:t>される．その</a:t>
-            </a:r>
-            <a:r>
-              <a:rPr lang="ja-JP" altLang="en-US" dirty="0"/>
-              <a:t>ため</a:t>
             </a:r>
             <a:r>
               <a:rPr lang="ja-JP" altLang="en-US" dirty="0" smtClean="0"/>
@@ -22157,7 +23183,50 @@
             </a:br>
             <a:r>
               <a:rPr lang="ja-JP" altLang="en-US" dirty="0" smtClean="0"/>
-              <a:t>タスク間</a:t>
+              <a:t>各タスク</a:t>
+            </a:r>
+            <a:r>
+              <a:rPr lang="ja-JP" altLang="en-US" dirty="0" smtClean="0"/>
+              <a:t>は複雑</a:t>
+            </a:r>
+            <a:r>
+              <a:rPr lang="ja-JP" altLang="en-US" dirty="0"/>
+              <a:t>な高次方程式</a:t>
+            </a:r>
+            <a:r>
+              <a:rPr lang="ja-JP" altLang="en-US" dirty="0" smtClean="0"/>
+              <a:t>で</a:t>
+            </a:r>
+            <a:r>
+              <a:rPr lang="ja-JP" altLang="en-US" dirty="0"/>
+              <a:t>構成</a:t>
+            </a:r>
+            <a:r>
+              <a:rPr lang="ja-JP" altLang="en-US" dirty="0" smtClean="0"/>
+              <a:t>される</a:t>
+            </a:r>
+            <a:r>
+              <a:rPr lang="ja-JP" altLang="en-US" dirty="0" smtClean="0"/>
+              <a:t>．</a:t>
+            </a:r>
+            <a:r>
+              <a:rPr lang="en-US" altLang="ja-JP" dirty="0" smtClean="0"/>
+              <a:t/>
+            </a:r>
+            <a:br>
+              <a:rPr lang="en-US" altLang="ja-JP" dirty="0" smtClean="0"/>
+            </a:br>
+            <a:r>
+              <a:rPr lang="ja-JP" altLang="en-US" dirty="0" smtClean="0"/>
+              <a:t>その</a:t>
+            </a:r>
+            <a:r>
+              <a:rPr lang="ja-JP" altLang="en-US" dirty="0"/>
+              <a:t>ため</a:t>
+            </a:r>
+            <a:r>
+              <a:rPr lang="ja-JP" altLang="en-US" dirty="0" smtClean="0"/>
+              <a:t>，タスク間</a:t>
             </a:r>
             <a:r>
               <a:rPr lang="ja-JP" altLang="en-US" dirty="0"/>
@@ -22203,7 +23272,15 @@
             </a:r>
             <a:r>
               <a:rPr lang="ja-JP" altLang="en-US" dirty="0" smtClean="0"/>
-              <a:t>な，新たなテスト問題を提案する．</a:t>
+              <a:t>な，新た</a:t>
+            </a:r>
+            <a:r>
+              <a:rPr lang="ja-JP" altLang="en-US" dirty="0" smtClean="0"/>
+              <a:t>なベンチマーク問題を</a:t>
+            </a:r>
+            <a:r>
+              <a:rPr lang="ja-JP" altLang="en-US" dirty="0" smtClean="0"/>
+              <a:t>提案する．</a:t>
             </a:r>
             <a:endParaRPr lang="en-US" altLang="ja-JP" dirty="0" smtClean="0"/>
           </a:p>
@@ -22534,7 +23611,11 @@
             </a:r>
             <a:r>
               <a:rPr lang="ja-JP" altLang="en-US" dirty="0" smtClean="0"/>
-              <a:t>であり，関係性が</a:t>
+              <a:t>であり，</a:t>
+            </a:r>
+            <a:r>
+              <a:rPr lang="ja-JP" altLang="en-US" dirty="0" smtClean="0"/>
+              <a:t>関係性が</a:t>
             </a:r>
             <a:r>
               <a:rPr lang="ja-JP" altLang="en-US" b="1" dirty="0" smtClean="0">
@@ -22569,7 +23650,26 @@
             </a:r>
             <a:r>
               <a:rPr lang="ja-JP" altLang="en-US" dirty="0" smtClean="0"/>
-              <a:t>な新たなマルチタスクテスト問題を提案する．</a:t>
+              <a:t>な新たな</a:t>
+            </a:r>
+            <a:r>
+              <a:rPr lang="ja-JP" altLang="en-US" dirty="0" smtClean="0"/>
+              <a:t>マルチタスクベンチマーク問題を</a:t>
+            </a:r>
+            <a:r>
+              <a:rPr lang="en-US" altLang="ja-JP" dirty="0" smtClean="0"/>
+              <a:t/>
+            </a:r>
+            <a:br>
+              <a:rPr lang="en-US" altLang="ja-JP" dirty="0" smtClean="0"/>
+            </a:br>
+            <a:r>
+              <a:rPr lang="ja-JP" altLang="en-US" dirty="0" smtClean="0"/>
+              <a:t>提案</a:t>
+            </a:r>
+            <a:r>
+              <a:rPr lang="ja-JP" altLang="en-US" dirty="0" smtClean="0"/>
+              <a:t>する．</a:t>
             </a:r>
             <a:endParaRPr lang="en-US" altLang="ja-JP" dirty="0" smtClean="0"/>
           </a:p>
@@ -22616,11 +23716,11 @@
             </a:br>
             <a:r>
               <a:rPr kumimoji="1" lang="ja-JP" altLang="en-US" dirty="0" smtClean="0"/>
-              <a:t>テスト</a:t>
+              <a:t>ベンチマーク問題</a:t>
             </a:r>
             <a:r>
               <a:rPr lang="ja-JP" altLang="en-US" dirty="0" smtClean="0"/>
-              <a:t>問題を</a:t>
+              <a:t>を</a:t>
             </a:r>
             <a:r>
               <a:rPr lang="ja-JP" altLang="en-US" dirty="0"/>
